--- a/0060_serial/rtl/schematic/serial_recv.pptx
+++ b/0060_serial/rtl/schematic/serial_recv.pptx
@@ -197,7 +197,7 @@
           <a:p>
             <a:fld id="{B9E5BF02-4A65-43B2-AA51-912306618617}" type="datetimeFigureOut">
               <a:rPr lang="en-US" smtClean="0"/>
-              <a:t>9/22/2017</a:t>
+              <a:t>9/25/2017</a:t>
             </a:fld>
             <a:endParaRPr lang="en-US"/>
           </a:p>
@@ -685,7 +685,7 @@
           <a:p>
             <a:fld id="{F8F920B2-3E99-4C9D-9450-62A3DEC5476B}" type="datetimeFigureOut">
               <a:rPr lang="en-US" smtClean="0"/>
-              <a:t>9/22/2017</a:t>
+              <a:t>9/25/2017</a:t>
             </a:fld>
             <a:endParaRPr lang="en-US"/>
           </a:p>
@@ -855,7 +855,7 @@
           <a:p>
             <a:fld id="{F8F920B2-3E99-4C9D-9450-62A3DEC5476B}" type="datetimeFigureOut">
               <a:rPr lang="en-US" smtClean="0"/>
-              <a:t>9/22/2017</a:t>
+              <a:t>9/25/2017</a:t>
             </a:fld>
             <a:endParaRPr lang="en-US"/>
           </a:p>
@@ -1035,7 +1035,7 @@
           <a:p>
             <a:fld id="{F8F920B2-3E99-4C9D-9450-62A3DEC5476B}" type="datetimeFigureOut">
               <a:rPr lang="en-US" smtClean="0"/>
-              <a:t>9/22/2017</a:t>
+              <a:t>9/25/2017</a:t>
             </a:fld>
             <a:endParaRPr lang="en-US"/>
           </a:p>
@@ -1205,7 +1205,7 @@
           <a:p>
             <a:fld id="{F8F920B2-3E99-4C9D-9450-62A3DEC5476B}" type="datetimeFigureOut">
               <a:rPr lang="en-US" smtClean="0"/>
-              <a:t>9/22/2017</a:t>
+              <a:t>9/25/2017</a:t>
             </a:fld>
             <a:endParaRPr lang="en-US"/>
           </a:p>
@@ -1449,7 +1449,7 @@
           <a:p>
             <a:fld id="{F8F920B2-3E99-4C9D-9450-62A3DEC5476B}" type="datetimeFigureOut">
               <a:rPr lang="en-US" smtClean="0"/>
-              <a:t>9/22/2017</a:t>
+              <a:t>9/25/2017</a:t>
             </a:fld>
             <a:endParaRPr lang="en-US"/>
           </a:p>
@@ -1681,7 +1681,7 @@
           <a:p>
             <a:fld id="{F8F920B2-3E99-4C9D-9450-62A3DEC5476B}" type="datetimeFigureOut">
               <a:rPr lang="en-US" smtClean="0"/>
-              <a:t>9/22/2017</a:t>
+              <a:t>9/25/2017</a:t>
             </a:fld>
             <a:endParaRPr lang="en-US"/>
           </a:p>
@@ -2048,7 +2048,7 @@
           <a:p>
             <a:fld id="{F8F920B2-3E99-4C9D-9450-62A3DEC5476B}" type="datetimeFigureOut">
               <a:rPr lang="en-US" smtClean="0"/>
-              <a:t>9/22/2017</a:t>
+              <a:t>9/25/2017</a:t>
             </a:fld>
             <a:endParaRPr lang="en-US"/>
           </a:p>
@@ -2166,7 +2166,7 @@
           <a:p>
             <a:fld id="{F8F920B2-3E99-4C9D-9450-62A3DEC5476B}" type="datetimeFigureOut">
               <a:rPr lang="en-US" smtClean="0"/>
-              <a:t>9/22/2017</a:t>
+              <a:t>9/25/2017</a:t>
             </a:fld>
             <a:endParaRPr lang="en-US"/>
           </a:p>
@@ -2261,7 +2261,7 @@
           <a:p>
             <a:fld id="{F8F920B2-3E99-4C9D-9450-62A3DEC5476B}" type="datetimeFigureOut">
               <a:rPr lang="en-US" smtClean="0"/>
-              <a:t>9/22/2017</a:t>
+              <a:t>9/25/2017</a:t>
             </a:fld>
             <a:endParaRPr lang="en-US"/>
           </a:p>
@@ -2538,7 +2538,7 @@
           <a:p>
             <a:fld id="{F8F920B2-3E99-4C9D-9450-62A3DEC5476B}" type="datetimeFigureOut">
               <a:rPr lang="en-US" smtClean="0"/>
-              <a:t>9/22/2017</a:t>
+              <a:t>9/25/2017</a:t>
             </a:fld>
             <a:endParaRPr lang="en-US"/>
           </a:p>
@@ -2795,7 +2795,7 @@
           <a:p>
             <a:fld id="{F8F920B2-3E99-4C9D-9450-62A3DEC5476B}" type="datetimeFigureOut">
               <a:rPr lang="en-US" smtClean="0"/>
-              <a:t>9/22/2017</a:t>
+              <a:t>9/25/2017</a:t>
             </a:fld>
             <a:endParaRPr lang="en-US"/>
           </a:p>
@@ -3008,7 +3008,7 @@
           <a:p>
             <a:fld id="{F8F920B2-3E99-4C9D-9450-62A3DEC5476B}" type="datetimeFigureOut">
               <a:rPr lang="en-US" smtClean="0"/>
-              <a:t>9/22/2017</a:t>
+              <a:t>9/25/2017</a:t>
             </a:fld>
             <a:endParaRPr lang="en-US"/>
           </a:p>
@@ -3581,13 +3581,6 @@
               </a:rPr>
               <a:t>IBUFDS</a:t>
             </a:r>
-            <a:endParaRPr lang="en-US" sz="900" dirty="0">
-              <a:solidFill>
-                <a:schemeClr val="tx1"/>
-              </a:solidFill>
-              <a:latin typeface="Courier New" panose="02070309020205020404" pitchFamily="49" charset="0"/>
-              <a:cs typeface="Courier New" panose="02070309020205020404" pitchFamily="49" charset="0"/>
-            </a:endParaRPr>
           </a:p>
         </p:txBody>
       </p:sp>
@@ -3836,25 +3829,8 @@
                 <a:latin typeface="Courier New" panose="02070309020205020404" pitchFamily="49" charset="0"/>
                 <a:cs typeface="Courier New" panose="02070309020205020404" pitchFamily="49" charset="0"/>
               </a:rPr>
-              <a:t>I</a:t>
-            </a:r>
-            <a:r>
-              <a:rPr lang="en-US" sz="900" dirty="0">
-                <a:solidFill>
-                  <a:schemeClr val="tx1"/>
-                </a:solidFill>
-                <a:latin typeface="Courier New" panose="02070309020205020404" pitchFamily="49" charset="0"/>
-                <a:cs typeface="Courier New" panose="02070309020205020404" pitchFamily="49" charset="0"/>
-              </a:rPr>
-              <a:t>DDR2</a:t>
-            </a:r>
-            <a:endParaRPr lang="en-US" sz="900" dirty="0">
-              <a:solidFill>
-                <a:schemeClr val="tx1"/>
-              </a:solidFill>
-              <a:latin typeface="Courier New" panose="02070309020205020404" pitchFamily="49" charset="0"/>
-              <a:cs typeface="Courier New" panose="02070309020205020404" pitchFamily="49" charset="0"/>
-            </a:endParaRPr>
+              <a:t>IDDR2</a:t>
+            </a:r>
           </a:p>
         </p:txBody>
       </p:sp>
@@ -3907,13 +3883,6 @@
               </a:rPr>
               <a:t>D</a:t>
             </a:r>
-            <a:endParaRPr lang="en-US" sz="900" dirty="0">
-              <a:solidFill>
-                <a:srgbClr val="000000"/>
-              </a:solidFill>
-              <a:latin typeface="Courier New" panose="02070309020205020404" pitchFamily="49" charset="0"/>
-              <a:cs typeface="Courier New" panose="02070309020205020404" pitchFamily="49" charset="0"/>
-            </a:endParaRPr>
           </a:p>
         </p:txBody>
       </p:sp>
@@ -4227,13 +4196,6 @@
               </a:rPr>
               <a:t>Q0</a:t>
             </a:r>
-            <a:endParaRPr lang="en-US" sz="900" dirty="0">
-              <a:solidFill>
-                <a:srgbClr val="000000"/>
-              </a:solidFill>
-              <a:latin typeface="Courier New" panose="02070309020205020404" pitchFamily="49" charset="0"/>
-              <a:cs typeface="Courier New" panose="02070309020205020404" pitchFamily="49" charset="0"/>
-            </a:endParaRPr>
           </a:p>
         </p:txBody>
       </p:sp>
@@ -4523,15 +4485,22 @@
           <a:p>
             <a:pPr algn="ctr"/>
             <a:r>
-              <a:rPr lang="en-US" sz="900" dirty="0">
+              <a:rPr lang="en-US" sz="900" dirty="0" smtClean="0">
                 <a:solidFill>
                   <a:srgbClr val="000000"/>
                 </a:solidFill>
                 <a:latin typeface="Courier New" panose="02070309020205020404" pitchFamily="49" charset="0"/>
                 <a:cs typeface="Courier New" panose="02070309020205020404" pitchFamily="49" charset="0"/>
               </a:rPr>
-              <a:t>32</a:t>
-            </a:r>
+              <a:t>64</a:t>
+            </a:r>
+            <a:endParaRPr lang="en-US" sz="900" dirty="0">
+              <a:solidFill>
+                <a:srgbClr val="000000"/>
+              </a:solidFill>
+              <a:latin typeface="Courier New" panose="02070309020205020404" pitchFamily="49" charset="0"/>
+              <a:cs typeface="Courier New" panose="02070309020205020404" pitchFamily="49" charset="0"/>
+            </a:endParaRPr>
           </a:p>
         </p:txBody>
       </p:sp>
@@ -5764,14 +5733,14 @@
           <a:p>
             <a:pPr algn="ctr"/>
             <a:r>
-              <a:rPr lang="en-US" sz="900" dirty="0">
+              <a:rPr lang="en-US" sz="900" dirty="0" smtClean="0">
                 <a:solidFill>
                   <a:srgbClr val="000000"/>
                 </a:solidFill>
                 <a:latin typeface="Courier New" panose="02070309020205020404" pitchFamily="49" charset="0"/>
                 <a:cs typeface="Courier New" panose="02070309020205020404" pitchFamily="49" charset="0"/>
               </a:rPr>
-              <a:t>32</a:t>
+              <a:t>64</a:t>
             </a:r>
             <a:endParaRPr lang="en-US" sz="900" dirty="0">
               <a:solidFill>
@@ -5935,13 +5904,6 @@
               </a:rPr>
               <a:t>i_iddr2</a:t>
             </a:r>
-            <a:endParaRPr lang="en-US" sz="900" dirty="0">
-              <a:solidFill>
-                <a:srgbClr val="000000"/>
-              </a:solidFill>
-              <a:latin typeface="Courier New" panose="02070309020205020404" pitchFamily="49" charset="0"/>
-              <a:cs typeface="Courier New" panose="02070309020205020404" pitchFamily="49" charset="0"/>
-            </a:endParaRPr>
           </a:p>
         </p:txBody>
       </p:sp>
@@ -6171,15 +6133,22 @@
           <a:lstStyle/>
           <a:p>
             <a:r>
-              <a:rPr lang="en-US" sz="900" dirty="0">
+              <a:rPr lang="en-US" sz="900" dirty="0" smtClean="0">
                 <a:solidFill>
                   <a:srgbClr val="000000"/>
                 </a:solidFill>
                 <a:latin typeface="Courier New" panose="02070309020205020404" pitchFamily="49" charset="0"/>
                 <a:cs typeface="Courier New" panose="02070309020205020404" pitchFamily="49" charset="0"/>
               </a:rPr>
-              <a:t>clk_div_d1</a:t>
-            </a:r>
+              <a:t>clkf_d1</a:t>
+            </a:r>
+            <a:endParaRPr lang="en-US" sz="900" dirty="0">
+              <a:solidFill>
+                <a:srgbClr val="000000"/>
+              </a:solidFill>
+              <a:latin typeface="Courier New" panose="02070309020205020404" pitchFamily="49" charset="0"/>
+              <a:cs typeface="Courier New" panose="02070309020205020404" pitchFamily="49" charset="0"/>
+            </a:endParaRPr>
           </a:p>
         </p:txBody>
       </p:sp>
@@ -6313,15 +6282,22 @@
           <a:lstStyle/>
           <a:p>
             <a:r>
-              <a:rPr lang="en-US" sz="900" dirty="0">
+              <a:rPr lang="en-US" sz="900" smtClean="0">
                 <a:solidFill>
                   <a:srgbClr val="000000"/>
                 </a:solidFill>
                 <a:latin typeface="Courier New" panose="02070309020205020404" pitchFamily="49" charset="0"/>
                 <a:cs typeface="Courier New" panose="02070309020205020404" pitchFamily="49" charset="0"/>
               </a:rPr>
-              <a:t>clk_div_d2</a:t>
-            </a:r>
+              <a:t>clkf_d2</a:t>
+            </a:r>
+            <a:endParaRPr lang="en-US" sz="900" dirty="0">
+              <a:solidFill>
+                <a:srgbClr val="000000"/>
+              </a:solidFill>
+              <a:latin typeface="Courier New" panose="02070309020205020404" pitchFamily="49" charset="0"/>
+              <a:cs typeface="Courier New" panose="02070309020205020404" pitchFamily="49" charset="0"/>
+            </a:endParaRPr>
           </a:p>
         </p:txBody>
       </p:sp>
@@ -6427,13 +6403,6 @@
               </a:rPr>
               <a:t>IB</a:t>
             </a:r>
-            <a:endParaRPr lang="en-US" sz="900" dirty="0">
-              <a:solidFill>
-                <a:srgbClr val="000000"/>
-              </a:solidFill>
-              <a:latin typeface="Courier New" panose="02070309020205020404" pitchFamily="49" charset="0"/>
-              <a:cs typeface="Courier New" panose="02070309020205020404" pitchFamily="49" charset="0"/>
-            </a:endParaRPr>
           </a:p>
         </p:txBody>
       </p:sp>
@@ -6690,13 +6659,6 @@
               </a:rPr>
               <a:t>2</a:t>
             </a:r>
-            <a:endParaRPr lang="en-US" sz="900" dirty="0">
-              <a:solidFill>
-                <a:srgbClr val="000000"/>
-              </a:solidFill>
-              <a:latin typeface="Courier New" panose="02070309020205020404" pitchFamily="49" charset="0"/>
-              <a:cs typeface="Courier New" panose="02070309020205020404" pitchFamily="49" charset="0"/>
-            </a:endParaRPr>
           </a:p>
         </p:txBody>
       </p:sp>
@@ -7104,25 +7066,22 @@
           </a:p>
           <a:p>
             <a:r>
-              <a:rPr lang="en-US" sz="900" dirty="0" err="1">
+              <a:rPr lang="en-US" sz="900" dirty="0" err="1" smtClean="0">
                 <a:solidFill>
                   <a:srgbClr val="000000"/>
                 </a:solidFill>
                 <a:latin typeface="Courier New" panose="02070309020205020404" pitchFamily="49" charset="0"/>
                 <a:cs typeface="Courier New" panose="02070309020205020404" pitchFamily="49" charset="0"/>
               </a:rPr>
-              <a:t>lvds_sdi</a:t>
-            </a:r>
-            <a:r>
-              <a:rPr lang="en-US" sz="900" dirty="0">
-                <a:solidFill>
-                  <a:srgbClr val="000000"/>
-                </a:solidFill>
-                <a:latin typeface="Courier New" panose="02070309020205020404" pitchFamily="49" charset="0"/>
-                <a:cs typeface="Courier New" panose="02070309020205020404" pitchFamily="49" charset="0"/>
-              </a:rPr>
-              <a:t>[0].tdc1</a:t>
-            </a:r>
+              <a:t>i_ibufds</a:t>
+            </a:r>
+            <a:endParaRPr lang="en-US" sz="900" dirty="0">
+              <a:solidFill>
+                <a:srgbClr val="000000"/>
+              </a:solidFill>
+              <a:latin typeface="Courier New" panose="02070309020205020404" pitchFamily="49" charset="0"/>
+              <a:cs typeface="Courier New" panose="02070309020205020404" pitchFamily="49" charset="0"/>
+            </a:endParaRPr>
           </a:p>
         </p:txBody>
       </p:sp>
@@ -7229,13 +7188,6 @@
               </a:rPr>
               <a:t>[1]</a:t>
             </a:r>
-            <a:endParaRPr lang="en-US" sz="900" dirty="0">
-              <a:solidFill>
-                <a:srgbClr val="000000"/>
-              </a:solidFill>
-              <a:latin typeface="Courier New" panose="02070309020205020404" pitchFamily="49" charset="0"/>
-              <a:cs typeface="Courier New" panose="02070309020205020404" pitchFamily="49" charset="0"/>
-            </a:endParaRPr>
           </a:p>
         </p:txBody>
       </p:sp>
@@ -7289,13 +7241,6 @@
               </a:rPr>
               <a:t>Q1</a:t>
             </a:r>
-            <a:endParaRPr lang="en-US" sz="900" dirty="0">
-              <a:solidFill>
-                <a:srgbClr val="000000"/>
-              </a:solidFill>
-              <a:latin typeface="Courier New" panose="02070309020205020404" pitchFamily="49" charset="0"/>
-              <a:cs typeface="Courier New" panose="02070309020205020404" pitchFamily="49" charset="0"/>
-            </a:endParaRPr>
           </a:p>
         </p:txBody>
       </p:sp>
@@ -7351,13 +7296,6 @@
               </a:rPr>
               <a:t>IODELAY2</a:t>
             </a:r>
-            <a:endParaRPr lang="en-US" sz="900" dirty="0">
-              <a:solidFill>
-                <a:schemeClr val="tx1"/>
-              </a:solidFill>
-              <a:latin typeface="Courier New" panose="02070309020205020404" pitchFamily="49" charset="0"/>
-              <a:cs typeface="Courier New" panose="02070309020205020404" pitchFamily="49" charset="0"/>
-            </a:endParaRPr>
           </a:p>
         </p:txBody>
       </p:sp>
@@ -7410,13 +7348,6 @@
               </a:rPr>
               <a:t>IDATAIN</a:t>
             </a:r>
-            <a:endParaRPr lang="en-US" sz="900" dirty="0">
-              <a:solidFill>
-                <a:srgbClr val="000000"/>
-              </a:solidFill>
-              <a:latin typeface="Courier New" panose="02070309020205020404" pitchFamily="49" charset="0"/>
-              <a:cs typeface="Courier New" panose="02070309020205020404" pitchFamily="49" charset="0"/>
-            </a:endParaRPr>
           </a:p>
         </p:txBody>
       </p:sp>
@@ -7469,13 +7400,6 @@
               </a:rPr>
               <a:t>T</a:t>
             </a:r>
-            <a:endParaRPr lang="en-US" sz="900" dirty="0">
-              <a:solidFill>
-                <a:srgbClr val="000000"/>
-              </a:solidFill>
-              <a:latin typeface="Courier New" panose="02070309020205020404" pitchFamily="49" charset="0"/>
-              <a:cs typeface="Courier New" panose="02070309020205020404" pitchFamily="49" charset="0"/>
-            </a:endParaRPr>
           </a:p>
         </p:txBody>
       </p:sp>
@@ -7528,13 +7452,6 @@
               </a:rPr>
               <a:t>ODATAIN</a:t>
             </a:r>
-            <a:endParaRPr lang="en-US" sz="900" dirty="0">
-              <a:solidFill>
-                <a:srgbClr val="000000"/>
-              </a:solidFill>
-              <a:latin typeface="Courier New" panose="02070309020205020404" pitchFamily="49" charset="0"/>
-              <a:cs typeface="Courier New" panose="02070309020205020404" pitchFamily="49" charset="0"/>
-            </a:endParaRPr>
           </a:p>
         </p:txBody>
       </p:sp>
@@ -7587,13 +7504,6 @@
               </a:rPr>
               <a:t>CAL</a:t>
             </a:r>
-            <a:endParaRPr lang="en-US" sz="900" dirty="0">
-              <a:solidFill>
-                <a:srgbClr val="000000"/>
-              </a:solidFill>
-              <a:latin typeface="Courier New" panose="02070309020205020404" pitchFamily="49" charset="0"/>
-              <a:cs typeface="Courier New" panose="02070309020205020404" pitchFamily="49" charset="0"/>
-            </a:endParaRPr>
           </a:p>
         </p:txBody>
       </p:sp>
@@ -7646,13 +7556,6 @@
               </a:rPr>
               <a:t>IOCLK0</a:t>
             </a:r>
-            <a:endParaRPr lang="en-US" sz="900" dirty="0">
-              <a:solidFill>
-                <a:srgbClr val="000000"/>
-              </a:solidFill>
-              <a:latin typeface="Courier New" panose="02070309020205020404" pitchFamily="49" charset="0"/>
-              <a:cs typeface="Courier New" panose="02070309020205020404" pitchFamily="49" charset="0"/>
-            </a:endParaRPr>
           </a:p>
         </p:txBody>
       </p:sp>
@@ -7705,13 +7608,6 @@
               </a:rPr>
               <a:t>IOCLK1</a:t>
             </a:r>
-            <a:endParaRPr lang="en-US" sz="900" dirty="0">
-              <a:solidFill>
-                <a:srgbClr val="000000"/>
-              </a:solidFill>
-              <a:latin typeface="Courier New" panose="02070309020205020404" pitchFamily="49" charset="0"/>
-              <a:cs typeface="Courier New" panose="02070309020205020404" pitchFamily="49" charset="0"/>
-            </a:endParaRPr>
           </a:p>
         </p:txBody>
       </p:sp>
@@ -7765,13 +7661,6 @@
               </a:rPr>
               <a:t>BUSY</a:t>
             </a:r>
-            <a:endParaRPr lang="en-US" sz="900" dirty="0">
-              <a:solidFill>
-                <a:srgbClr val="000000"/>
-              </a:solidFill>
-              <a:latin typeface="Courier New" panose="02070309020205020404" pitchFamily="49" charset="0"/>
-              <a:cs typeface="Courier New" panose="02070309020205020404" pitchFamily="49" charset="0"/>
-            </a:endParaRPr>
           </a:p>
         </p:txBody>
       </p:sp>
@@ -7824,13 +7713,6 @@
               </a:rPr>
               <a:t>i_iodelay2</a:t>
             </a:r>
-            <a:endParaRPr lang="en-US" sz="900" dirty="0">
-              <a:solidFill>
-                <a:srgbClr val="000000"/>
-              </a:solidFill>
-              <a:latin typeface="Courier New" panose="02070309020205020404" pitchFamily="49" charset="0"/>
-              <a:cs typeface="Courier New" panose="02070309020205020404" pitchFamily="49" charset="0"/>
-            </a:endParaRPr>
           </a:p>
         </p:txBody>
       </p:sp>
@@ -7884,13 +7766,6 @@
               </a:rPr>
               <a:t>DATAOUT</a:t>
             </a:r>
-            <a:endParaRPr lang="en-US" sz="900" dirty="0">
-              <a:solidFill>
-                <a:srgbClr val="000000"/>
-              </a:solidFill>
-              <a:latin typeface="Courier New" panose="02070309020205020404" pitchFamily="49" charset="0"/>
-              <a:cs typeface="Courier New" panose="02070309020205020404" pitchFamily="49" charset="0"/>
-            </a:endParaRPr>
           </a:p>
         </p:txBody>
       </p:sp>
@@ -8161,13 +8036,6 @@
               </a:rPr>
               <a:t>1</a:t>
             </a:r>
-            <a:endParaRPr lang="en-US" sz="900" dirty="0">
-              <a:solidFill>
-                <a:srgbClr val="000000"/>
-              </a:solidFill>
-              <a:latin typeface="Courier New" panose="02070309020205020404" pitchFamily="49" charset="0"/>
-              <a:cs typeface="Courier New" panose="02070309020205020404" pitchFamily="49" charset="0"/>
-            </a:endParaRPr>
           </a:p>
         </p:txBody>
       </p:sp>
@@ -8310,13 +8178,6 @@
               </a:rPr>
               <a:t>PHY_INIT</a:t>
             </a:r>
-            <a:endParaRPr lang="en-US" sz="900" dirty="0">
-              <a:solidFill>
-                <a:srgbClr val="000000"/>
-              </a:solidFill>
-              <a:latin typeface="Courier New" panose="02070309020205020404" pitchFamily="49" charset="0"/>
-              <a:cs typeface="Courier New" panose="02070309020205020404" pitchFamily="49" charset="0"/>
-            </a:endParaRPr>
           </a:p>
         </p:txBody>
       </p:sp>
@@ -8407,6 +8268,146 @@
               </a:rPr>
               <a:t>1</a:t>
             </a:r>
+          </a:p>
+        </p:txBody>
+      </p:sp>
+      <p:sp>
+        <p:nvSpPr>
+          <p:cNvPr id="201" name="Pentagon 200"/>
+          <p:cNvSpPr/>
+          <p:nvPr/>
+        </p:nvSpPr>
+        <p:spPr>
+          <a:xfrm>
+            <a:off x="533400" y="7924796"/>
+            <a:ext cx="228600" cy="152400"/>
+          </a:xfrm>
+          <a:prstGeom prst="homePlate">
+            <a:avLst/>
+          </a:prstGeom>
+          <a:noFill/>
+          <a:ln w="12700">
+            <a:solidFill>
+              <a:schemeClr val="tx1"/>
+            </a:solidFill>
+          </a:ln>
+        </p:spPr>
+        <p:style>
+          <a:lnRef idx="2">
+            <a:schemeClr val="accent1">
+              <a:shade val="50000"/>
+            </a:schemeClr>
+          </a:lnRef>
+          <a:fillRef idx="1">
+            <a:schemeClr val="accent1"/>
+          </a:fillRef>
+          <a:effectRef idx="0">
+            <a:schemeClr val="accent1"/>
+          </a:effectRef>
+          <a:fontRef idx="minor">
+            <a:schemeClr val="lt1"/>
+          </a:fontRef>
+        </p:style>
+        <p:txBody>
+          <a:bodyPr rot="0" spcFirstLastPara="0" vertOverflow="overflow" horzOverflow="overflow" vert="horz" wrap="square" lIns="91440" tIns="45720" rIns="91440" bIns="45720" numCol="1" spcCol="0" rtlCol="0" fromWordArt="0" anchor="ctr" anchorCtr="0" forceAA="0" compatLnSpc="1">
+            <a:prstTxWarp prst="textNoShape">
+              <a:avLst/>
+            </a:prstTxWarp>
+            <a:noAutofit/>
+          </a:bodyPr>
+          <a:lstStyle/>
+          <a:p>
+            <a:pPr algn="ctr"/>
+            <a:endParaRPr lang="en-US" sz="3730"/>
+          </a:p>
+        </p:txBody>
+      </p:sp>
+      <p:cxnSp>
+        <p:nvCxnSpPr>
+          <p:cNvPr id="202" name="Straight Connector 201"/>
+          <p:cNvCxnSpPr/>
+          <p:nvPr/>
+        </p:nvCxnSpPr>
+        <p:spPr>
+          <a:xfrm>
+            <a:off x="4495800" y="6096000"/>
+            <a:ext cx="914400" cy="0"/>
+          </a:xfrm>
+          <a:prstGeom prst="line">
+            <a:avLst/>
+          </a:prstGeom>
+          <a:ln w="12700">
+            <a:solidFill>
+              <a:srgbClr val="000000"/>
+            </a:solidFill>
+            <a:headEnd type="none" w="med" len="med"/>
+            <a:tailEnd type="triangle" w="med" len="med"/>
+          </a:ln>
+        </p:spPr>
+        <p:style>
+          <a:lnRef idx="1">
+            <a:schemeClr val="accent1"/>
+          </a:lnRef>
+          <a:fillRef idx="0">
+            <a:schemeClr val="accent1"/>
+          </a:fillRef>
+          <a:effectRef idx="0">
+            <a:schemeClr val="accent1"/>
+          </a:effectRef>
+          <a:fontRef idx="minor">
+            <a:schemeClr val="tx1"/>
+          </a:fontRef>
+        </p:style>
+      </p:cxnSp>
+      <p:sp>
+        <p:nvSpPr>
+          <p:cNvPr id="203" name="Rectangle 202"/>
+          <p:cNvSpPr/>
+          <p:nvPr/>
+        </p:nvSpPr>
+        <p:spPr>
+          <a:xfrm>
+            <a:off x="1143000" y="7848596"/>
+            <a:ext cx="457200" cy="152400"/>
+          </a:xfrm>
+          <a:prstGeom prst="rect">
+            <a:avLst/>
+          </a:prstGeom>
+          <a:noFill/>
+          <a:ln>
+            <a:noFill/>
+          </a:ln>
+        </p:spPr>
+        <p:style>
+          <a:lnRef idx="2">
+            <a:schemeClr val="accent1">
+              <a:shade val="50000"/>
+            </a:schemeClr>
+          </a:lnRef>
+          <a:fillRef idx="1">
+            <a:schemeClr val="accent1"/>
+          </a:fillRef>
+          <a:effectRef idx="0">
+            <a:schemeClr val="accent1"/>
+          </a:effectRef>
+          <a:fontRef idx="minor">
+            <a:schemeClr val="lt1"/>
+          </a:fontRef>
+        </p:style>
+        <p:txBody>
+          <a:bodyPr wrap="none" lIns="45720" rIns="45720" rtlCol="0" anchor="ctr"/>
+          <a:lstStyle/>
+          <a:p>
+            <a:r>
+              <a:rPr lang="en-US" sz="900" dirty="0" smtClean="0">
+                <a:solidFill>
+                  <a:srgbClr val="000000"/>
+                </a:solidFill>
+                <a:latin typeface="Courier New" panose="02070309020205020404" pitchFamily="49" charset="0"/>
+                <a:cs typeface="Courier New" panose="02070309020205020404" pitchFamily="49" charset="0"/>
+              </a:rPr>
+              <a:t>CLKS</a:t>
+            </a:r>
             <a:endParaRPr lang="en-US" sz="900" dirty="0">
               <a:solidFill>
                 <a:srgbClr val="000000"/>
@@ -8417,67 +8418,16 @@
           </a:p>
         </p:txBody>
       </p:sp>
-      <p:sp>
-        <p:nvSpPr>
-          <p:cNvPr id="201" name="Pentagon 200"/>
-          <p:cNvSpPr/>
-          <p:nvPr/>
-        </p:nvSpPr>
-        <p:spPr>
-          <a:xfrm>
-            <a:off x="533400" y="7924796"/>
-            <a:ext cx="228600" cy="152400"/>
-          </a:xfrm>
-          <a:prstGeom prst="homePlate">
-            <a:avLst/>
-          </a:prstGeom>
-          <a:noFill/>
-          <a:ln w="12700">
-            <a:solidFill>
-              <a:schemeClr val="tx1"/>
-            </a:solidFill>
-          </a:ln>
-        </p:spPr>
-        <p:style>
-          <a:lnRef idx="2">
-            <a:schemeClr val="accent1">
-              <a:shade val="50000"/>
-            </a:schemeClr>
-          </a:lnRef>
-          <a:fillRef idx="1">
-            <a:schemeClr val="accent1"/>
-          </a:fillRef>
-          <a:effectRef idx="0">
-            <a:schemeClr val="accent1"/>
-          </a:effectRef>
-          <a:fontRef idx="minor">
-            <a:schemeClr val="lt1"/>
-          </a:fontRef>
-        </p:style>
-        <p:txBody>
-          <a:bodyPr rot="0" spcFirstLastPara="0" vertOverflow="overflow" horzOverflow="overflow" vert="horz" wrap="square" lIns="91440" tIns="45720" rIns="91440" bIns="45720" numCol="1" spcCol="0" rtlCol="0" fromWordArt="0" anchor="ctr" anchorCtr="0" forceAA="0" compatLnSpc="1">
-            <a:prstTxWarp prst="textNoShape">
-              <a:avLst/>
-            </a:prstTxWarp>
-            <a:noAutofit/>
-          </a:bodyPr>
-          <a:lstStyle/>
-          <a:p>
-            <a:pPr algn="ctr"/>
-            <a:endParaRPr lang="en-US" sz="3730"/>
-          </a:p>
-        </p:txBody>
-      </p:sp>
       <p:cxnSp>
         <p:nvCxnSpPr>
-          <p:cNvPr id="202" name="Straight Connector 201"/>
+          <p:cNvPr id="205" name="Straight Connector 204"/>
           <p:cNvCxnSpPr/>
           <p:nvPr/>
         </p:nvCxnSpPr>
         <p:spPr>
           <a:xfrm>
-            <a:off x="4495800" y="6096000"/>
-            <a:ext cx="914400" cy="0"/>
+            <a:off x="5105400" y="4800600"/>
+            <a:ext cx="304800" cy="0"/>
           </a:xfrm>
           <a:prstGeom prst="line">
             <a:avLst/>
@@ -8507,14 +8457,67 @@
       </p:cxnSp>
       <p:sp>
         <p:nvSpPr>
-          <p:cNvPr id="203" name="Rectangle 202"/>
+          <p:cNvPr id="206" name="Rectangle 205"/>
           <p:cNvSpPr/>
           <p:nvPr/>
         </p:nvSpPr>
         <p:spPr>
           <a:xfrm>
-            <a:off x="1143000" y="7848596"/>
+            <a:off x="4800600" y="4648200"/>
             <a:ext cx="457200" cy="152400"/>
+          </a:xfrm>
+          <a:prstGeom prst="rect">
+            <a:avLst/>
+          </a:prstGeom>
+          <a:noFill/>
+          <a:ln>
+            <a:noFill/>
+          </a:ln>
+        </p:spPr>
+        <p:style>
+          <a:lnRef idx="2">
+            <a:schemeClr val="accent1">
+              <a:shade val="50000"/>
+            </a:schemeClr>
+          </a:lnRef>
+          <a:fillRef idx="1">
+            <a:schemeClr val="accent1"/>
+          </a:fillRef>
+          <a:effectRef idx="0">
+            <a:schemeClr val="accent1"/>
+          </a:effectRef>
+          <a:fontRef idx="minor">
+            <a:schemeClr val="lt1"/>
+          </a:fontRef>
+        </p:style>
+        <p:txBody>
+          <a:bodyPr wrap="none" lIns="45720" rIns="45720" rtlCol="0" anchor="ctr"/>
+          <a:lstStyle/>
+          <a:p>
+            <a:pPr algn="r"/>
+            <a:r>
+              <a:rPr lang="en-US" sz="900" dirty="0">
+                <a:solidFill>
+                  <a:srgbClr val="000000"/>
+                </a:solidFill>
+                <a:latin typeface="Courier New" panose="02070309020205020404" pitchFamily="49" charset="0"/>
+                <a:cs typeface="Courier New" panose="02070309020205020404" pitchFamily="49" charset="0"/>
+              </a:rPr>
+              <a:t>1’b0</a:t>
+            </a:r>
+          </a:p>
+        </p:txBody>
+      </p:sp>
+      <p:sp>
+        <p:nvSpPr>
+          <p:cNvPr id="207" name="Rectangle 206"/>
+          <p:cNvSpPr/>
+          <p:nvPr/>
+        </p:nvSpPr>
+        <p:spPr>
+          <a:xfrm>
+            <a:off x="5410200" y="6248400"/>
+            <a:ext cx="304800" cy="152400"/>
           </a:xfrm>
           <a:prstGeom prst="rect">
             <a:avLst/>
@@ -8554,6 +8557,236 @@
               </a:rPr>
               <a:t>CLK</a:t>
             </a:r>
+          </a:p>
+        </p:txBody>
+      </p:sp>
+      <p:cxnSp>
+        <p:nvCxnSpPr>
+          <p:cNvPr id="208" name="Straight Connector 207"/>
+          <p:cNvCxnSpPr/>
+          <p:nvPr/>
+        </p:nvCxnSpPr>
+        <p:spPr>
+          <a:xfrm flipV="1">
+            <a:off x="838200" y="7162796"/>
+            <a:ext cx="152400" cy="152404"/>
+          </a:xfrm>
+          <a:prstGeom prst="line">
+            <a:avLst/>
+          </a:prstGeom>
+          <a:ln w="12700">
+            <a:solidFill>
+              <a:srgbClr val="000000"/>
+            </a:solidFill>
+            <a:headEnd type="none" w="med" len="med"/>
+            <a:tailEnd type="none" w="med" len="med"/>
+          </a:ln>
+        </p:spPr>
+        <p:style>
+          <a:lnRef idx="1">
+            <a:schemeClr val="accent1"/>
+          </a:lnRef>
+          <a:fillRef idx="0">
+            <a:schemeClr val="accent1"/>
+          </a:fillRef>
+          <a:effectRef idx="0">
+            <a:schemeClr val="accent1"/>
+          </a:effectRef>
+          <a:fontRef idx="minor">
+            <a:schemeClr val="tx1"/>
+          </a:fontRef>
+        </p:style>
+      </p:cxnSp>
+      <p:sp>
+        <p:nvSpPr>
+          <p:cNvPr id="209" name="Rectangle 208"/>
+          <p:cNvSpPr/>
+          <p:nvPr/>
+        </p:nvSpPr>
+        <p:spPr>
+          <a:xfrm>
+            <a:off x="838201" y="7086596"/>
+            <a:ext cx="152400" cy="76200"/>
+          </a:xfrm>
+          <a:prstGeom prst="rect">
+            <a:avLst/>
+          </a:prstGeom>
+          <a:noFill/>
+          <a:ln>
+            <a:noFill/>
+          </a:ln>
+        </p:spPr>
+        <p:style>
+          <a:lnRef idx="2">
+            <a:schemeClr val="accent1">
+              <a:shade val="50000"/>
+            </a:schemeClr>
+          </a:lnRef>
+          <a:fillRef idx="1">
+            <a:schemeClr val="accent1"/>
+          </a:fillRef>
+          <a:effectRef idx="0">
+            <a:schemeClr val="accent1"/>
+          </a:effectRef>
+          <a:fontRef idx="minor">
+            <a:schemeClr val="lt1"/>
+          </a:fontRef>
+        </p:style>
+        <p:txBody>
+          <a:bodyPr wrap="none" lIns="45720" rIns="45720" rtlCol="0" anchor="ctr"/>
+          <a:lstStyle/>
+          <a:p>
+            <a:pPr algn="ctr"/>
+            <a:r>
+              <a:rPr lang="en-US" sz="900" dirty="0">
+                <a:solidFill>
+                  <a:srgbClr val="000000"/>
+                </a:solidFill>
+                <a:latin typeface="Courier New" panose="02070309020205020404" pitchFamily="49" charset="0"/>
+                <a:cs typeface="Courier New" panose="02070309020205020404" pitchFamily="49" charset="0"/>
+              </a:rPr>
+              <a:t>1</a:t>
+            </a:r>
+          </a:p>
+        </p:txBody>
+      </p:sp>
+      <p:sp>
+        <p:nvSpPr>
+          <p:cNvPr id="210" name="Pentagon 209"/>
+          <p:cNvSpPr/>
+          <p:nvPr/>
+        </p:nvSpPr>
+        <p:spPr>
+          <a:xfrm>
+            <a:off x="533400" y="7162796"/>
+            <a:ext cx="228600" cy="152400"/>
+          </a:xfrm>
+          <a:prstGeom prst="homePlate">
+            <a:avLst/>
+          </a:prstGeom>
+          <a:noFill/>
+          <a:ln w="12700">
+            <a:solidFill>
+              <a:schemeClr val="tx1"/>
+            </a:solidFill>
+          </a:ln>
+        </p:spPr>
+        <p:style>
+          <a:lnRef idx="2">
+            <a:schemeClr val="accent1">
+              <a:shade val="50000"/>
+            </a:schemeClr>
+          </a:lnRef>
+          <a:fillRef idx="1">
+            <a:schemeClr val="accent1"/>
+          </a:fillRef>
+          <a:effectRef idx="0">
+            <a:schemeClr val="accent1"/>
+          </a:effectRef>
+          <a:fontRef idx="minor">
+            <a:schemeClr val="lt1"/>
+          </a:fontRef>
+        </p:style>
+        <p:txBody>
+          <a:bodyPr rot="0" spcFirstLastPara="0" vertOverflow="overflow" horzOverflow="overflow" vert="horz" wrap="square" lIns="91440" tIns="45720" rIns="91440" bIns="45720" numCol="1" spcCol="0" rtlCol="0" fromWordArt="0" anchor="ctr" anchorCtr="0" forceAA="0" compatLnSpc="1">
+            <a:prstTxWarp prst="textNoShape">
+              <a:avLst/>
+            </a:prstTxWarp>
+            <a:noAutofit/>
+          </a:bodyPr>
+          <a:lstStyle/>
+          <a:p>
+            <a:pPr algn="ctr"/>
+            <a:endParaRPr lang="en-US" sz="3730"/>
+          </a:p>
+        </p:txBody>
+      </p:sp>
+      <p:cxnSp>
+        <p:nvCxnSpPr>
+          <p:cNvPr id="211" name="Straight Connector 210"/>
+          <p:cNvCxnSpPr/>
+          <p:nvPr/>
+        </p:nvCxnSpPr>
+        <p:spPr>
+          <a:xfrm flipV="1">
+            <a:off x="4800600" y="6324596"/>
+            <a:ext cx="609600" cy="4"/>
+          </a:xfrm>
+          <a:prstGeom prst="line">
+            <a:avLst/>
+          </a:prstGeom>
+          <a:ln w="12700">
+            <a:solidFill>
+              <a:srgbClr val="000000"/>
+            </a:solidFill>
+            <a:headEnd type="none" w="med" len="med"/>
+            <a:tailEnd type="triangle" w="med" len="med"/>
+          </a:ln>
+        </p:spPr>
+        <p:style>
+          <a:lnRef idx="1">
+            <a:schemeClr val="accent1"/>
+          </a:lnRef>
+          <a:fillRef idx="0">
+            <a:schemeClr val="accent1"/>
+          </a:fillRef>
+          <a:effectRef idx="0">
+            <a:schemeClr val="accent1"/>
+          </a:effectRef>
+          <a:fontRef idx="minor">
+            <a:schemeClr val="tx1"/>
+          </a:fontRef>
+        </p:style>
+      </p:cxnSp>
+      <p:sp>
+        <p:nvSpPr>
+          <p:cNvPr id="212" name="Rectangle 211"/>
+          <p:cNvSpPr/>
+          <p:nvPr/>
+        </p:nvSpPr>
+        <p:spPr>
+          <a:xfrm>
+            <a:off x="1143000" y="7086596"/>
+            <a:ext cx="457200" cy="152400"/>
+          </a:xfrm>
+          <a:prstGeom prst="rect">
+            <a:avLst/>
+          </a:prstGeom>
+          <a:noFill/>
+          <a:ln>
+            <a:noFill/>
+          </a:ln>
+        </p:spPr>
+        <p:style>
+          <a:lnRef idx="2">
+            <a:schemeClr val="accent1">
+              <a:shade val="50000"/>
+            </a:schemeClr>
+          </a:lnRef>
+          <a:fillRef idx="1">
+            <a:schemeClr val="accent1"/>
+          </a:fillRef>
+          <a:effectRef idx="0">
+            <a:schemeClr val="accent1"/>
+          </a:effectRef>
+          <a:fontRef idx="minor">
+            <a:schemeClr val="lt1"/>
+          </a:fontRef>
+        </p:style>
+        <p:txBody>
+          <a:bodyPr wrap="none" lIns="45720" rIns="45720" rtlCol="0" anchor="ctr"/>
+          <a:lstStyle/>
+          <a:p>
+            <a:r>
+              <a:rPr lang="en-US" sz="900" dirty="0" smtClean="0">
+                <a:solidFill>
+                  <a:srgbClr val="000000"/>
+                </a:solidFill>
+                <a:latin typeface="Courier New" panose="02070309020205020404" pitchFamily="49" charset="0"/>
+                <a:cs typeface="Courier New" panose="02070309020205020404" pitchFamily="49" charset="0"/>
+              </a:rPr>
+              <a:t>CLKF</a:t>
+            </a:r>
             <a:endParaRPr lang="en-US" sz="900" dirty="0">
               <a:solidFill>
                 <a:srgbClr val="000000"/>
@@ -8564,15 +8797,67 @@
           </a:p>
         </p:txBody>
       </p:sp>
+      <p:sp>
+        <p:nvSpPr>
+          <p:cNvPr id="213" name="Rectangle 212"/>
+          <p:cNvSpPr/>
+          <p:nvPr/>
+        </p:nvSpPr>
+        <p:spPr>
+          <a:xfrm>
+            <a:off x="5410200" y="4953000"/>
+            <a:ext cx="304800" cy="152400"/>
+          </a:xfrm>
+          <a:prstGeom prst="rect">
+            <a:avLst/>
+          </a:prstGeom>
+          <a:noFill/>
+          <a:ln>
+            <a:noFill/>
+          </a:ln>
+        </p:spPr>
+        <p:style>
+          <a:lnRef idx="2">
+            <a:schemeClr val="accent1">
+              <a:shade val="50000"/>
+            </a:schemeClr>
+          </a:lnRef>
+          <a:fillRef idx="1">
+            <a:schemeClr val="accent1"/>
+          </a:fillRef>
+          <a:effectRef idx="0">
+            <a:schemeClr val="accent1"/>
+          </a:effectRef>
+          <a:fontRef idx="minor">
+            <a:schemeClr val="lt1"/>
+          </a:fontRef>
+        </p:style>
+        <p:txBody>
+          <a:bodyPr wrap="none" lIns="45720" rIns="45720" rtlCol="0" anchor="ctr"/>
+          <a:lstStyle/>
+          <a:p>
+            <a:r>
+              <a:rPr lang="en-US" sz="900" dirty="0">
+                <a:solidFill>
+                  <a:srgbClr val="000000"/>
+                </a:solidFill>
+                <a:latin typeface="Courier New" panose="02070309020205020404" pitchFamily="49" charset="0"/>
+                <a:cs typeface="Courier New" panose="02070309020205020404" pitchFamily="49" charset="0"/>
+              </a:rPr>
+              <a:t>INC</a:t>
+            </a:r>
+          </a:p>
+        </p:txBody>
+      </p:sp>
       <p:cxnSp>
         <p:nvCxnSpPr>
-          <p:cNvPr id="205" name="Straight Connector 204"/>
+          <p:cNvPr id="214" name="Straight Connector 213"/>
           <p:cNvCxnSpPr/>
           <p:nvPr/>
         </p:nvCxnSpPr>
         <p:spPr>
           <a:xfrm>
-            <a:off x="5105400" y="4800600"/>
+            <a:off x="5105400" y="5029200"/>
             <a:ext cx="304800" cy="0"/>
           </a:xfrm>
           <a:prstGeom prst="line">
@@ -8603,13 +8888,13 @@
       </p:cxnSp>
       <p:sp>
         <p:nvSpPr>
-          <p:cNvPr id="206" name="Rectangle 205"/>
+          <p:cNvPr id="215" name="Rectangle 214"/>
           <p:cNvSpPr/>
           <p:nvPr/>
         </p:nvSpPr>
         <p:spPr>
           <a:xfrm>
-            <a:off x="4800600" y="4648200"/>
+            <a:off x="4800600" y="4876800"/>
             <a:ext cx="457200" cy="152400"/>
           </a:xfrm>
           <a:prstGeom prst="rect">
@@ -8656,13 +8941,13 @@
       </p:sp>
       <p:sp>
         <p:nvSpPr>
-          <p:cNvPr id="207" name="Rectangle 206"/>
+          <p:cNvPr id="216" name="Rectangle 215"/>
           <p:cNvSpPr/>
           <p:nvPr/>
         </p:nvSpPr>
         <p:spPr>
           <a:xfrm>
-            <a:off x="5410200" y="6248400"/>
+            <a:off x="5410200" y="5181600"/>
             <a:ext cx="304800" cy="152400"/>
           </a:xfrm>
           <a:prstGeom prst="rect">
@@ -8701,28 +8986,165 @@
                 <a:latin typeface="Courier New" panose="02070309020205020404" pitchFamily="49" charset="0"/>
                 <a:cs typeface="Courier New" panose="02070309020205020404" pitchFamily="49" charset="0"/>
               </a:rPr>
-              <a:t>CLK</a:t>
-            </a:r>
-            <a:endParaRPr lang="en-US" sz="900" dirty="0">
-              <a:solidFill>
-                <a:srgbClr val="000000"/>
-              </a:solidFill>
-              <a:latin typeface="Courier New" panose="02070309020205020404" pitchFamily="49" charset="0"/>
-              <a:cs typeface="Courier New" panose="02070309020205020404" pitchFamily="49" charset="0"/>
-            </a:endParaRPr>
+              <a:t>CE</a:t>
+            </a:r>
           </a:p>
         </p:txBody>
       </p:sp>
       <p:cxnSp>
         <p:nvCxnSpPr>
-          <p:cNvPr id="208" name="Straight Connector 207"/>
+          <p:cNvPr id="217" name="Straight Connector 216"/>
           <p:cNvCxnSpPr/>
           <p:nvPr/>
         </p:nvCxnSpPr>
         <p:spPr>
-          <a:xfrm flipV="1">
-            <a:off x="838200" y="7162796"/>
-            <a:ext cx="152400" cy="152404"/>
+          <a:xfrm>
+            <a:off x="5105400" y="5257800"/>
+            <a:ext cx="304800" cy="0"/>
+          </a:xfrm>
+          <a:prstGeom prst="line">
+            <a:avLst/>
+          </a:prstGeom>
+          <a:ln w="12700">
+            <a:solidFill>
+              <a:srgbClr val="000000"/>
+            </a:solidFill>
+            <a:headEnd type="none" w="med" len="med"/>
+            <a:tailEnd type="triangle" w="med" len="med"/>
+          </a:ln>
+        </p:spPr>
+        <p:style>
+          <a:lnRef idx="1">
+            <a:schemeClr val="accent1"/>
+          </a:lnRef>
+          <a:fillRef idx="0">
+            <a:schemeClr val="accent1"/>
+          </a:fillRef>
+          <a:effectRef idx="0">
+            <a:schemeClr val="accent1"/>
+          </a:effectRef>
+          <a:fontRef idx="minor">
+            <a:schemeClr val="tx1"/>
+          </a:fontRef>
+        </p:style>
+      </p:cxnSp>
+      <p:sp>
+        <p:nvSpPr>
+          <p:cNvPr id="218" name="Rectangle 217"/>
+          <p:cNvSpPr/>
+          <p:nvPr/>
+        </p:nvSpPr>
+        <p:spPr>
+          <a:xfrm>
+            <a:off x="4800600" y="5105400"/>
+            <a:ext cx="457200" cy="152400"/>
+          </a:xfrm>
+          <a:prstGeom prst="rect">
+            <a:avLst/>
+          </a:prstGeom>
+          <a:noFill/>
+          <a:ln>
+            <a:noFill/>
+          </a:ln>
+        </p:spPr>
+        <p:style>
+          <a:lnRef idx="2">
+            <a:schemeClr val="accent1">
+              <a:shade val="50000"/>
+            </a:schemeClr>
+          </a:lnRef>
+          <a:fillRef idx="1">
+            <a:schemeClr val="accent1"/>
+          </a:fillRef>
+          <a:effectRef idx="0">
+            <a:schemeClr val="accent1"/>
+          </a:effectRef>
+          <a:fontRef idx="minor">
+            <a:schemeClr val="lt1"/>
+          </a:fontRef>
+        </p:style>
+        <p:txBody>
+          <a:bodyPr wrap="none" lIns="45720" rIns="45720" rtlCol="0" anchor="ctr"/>
+          <a:lstStyle/>
+          <a:p>
+            <a:pPr algn="r"/>
+            <a:r>
+              <a:rPr lang="en-US" sz="900" dirty="0">
+                <a:solidFill>
+                  <a:srgbClr val="000000"/>
+                </a:solidFill>
+                <a:latin typeface="Courier New" panose="02070309020205020404" pitchFamily="49" charset="0"/>
+                <a:cs typeface="Courier New" panose="02070309020205020404" pitchFamily="49" charset="0"/>
+              </a:rPr>
+              <a:t>1’b1</a:t>
+            </a:r>
+          </a:p>
+        </p:txBody>
+      </p:sp>
+      <p:sp>
+        <p:nvSpPr>
+          <p:cNvPr id="219" name="Rectangle 218"/>
+          <p:cNvSpPr/>
+          <p:nvPr/>
+        </p:nvSpPr>
+        <p:spPr>
+          <a:xfrm>
+            <a:off x="5410200" y="6477000"/>
+            <a:ext cx="304800" cy="152400"/>
+          </a:xfrm>
+          <a:prstGeom prst="rect">
+            <a:avLst/>
+          </a:prstGeom>
+          <a:noFill/>
+          <a:ln>
+            <a:noFill/>
+          </a:ln>
+        </p:spPr>
+        <p:style>
+          <a:lnRef idx="2">
+            <a:schemeClr val="accent1">
+              <a:shade val="50000"/>
+            </a:schemeClr>
+          </a:lnRef>
+          <a:fillRef idx="1">
+            <a:schemeClr val="accent1"/>
+          </a:fillRef>
+          <a:effectRef idx="0">
+            <a:schemeClr val="accent1"/>
+          </a:effectRef>
+          <a:fontRef idx="minor">
+            <a:schemeClr val="lt1"/>
+          </a:fontRef>
+        </p:style>
+        <p:txBody>
+          <a:bodyPr wrap="none" lIns="45720" rIns="45720" rtlCol="0" anchor="ctr"/>
+          <a:lstStyle/>
+          <a:p>
+            <a:r>
+              <a:rPr lang="en-US" sz="900" dirty="0">
+                <a:solidFill>
+                  <a:srgbClr val="000000"/>
+                </a:solidFill>
+                <a:latin typeface="Courier New" panose="02070309020205020404" pitchFamily="49" charset="0"/>
+                <a:cs typeface="Courier New" panose="02070309020205020404" pitchFamily="49" charset="0"/>
+              </a:rPr>
+              <a:t>RST</a:t>
+            </a:r>
+          </a:p>
+        </p:txBody>
+      </p:sp>
+      <p:cxnSp>
+        <p:nvCxnSpPr>
+          <p:cNvPr id="220" name="Straight Connector 219"/>
+          <p:cNvCxnSpPr>
+            <a:endCxn id="353" idx="2"/>
+          </p:cNvCxnSpPr>
+          <p:nvPr/>
+        </p:nvCxnSpPr>
+        <p:spPr>
+          <a:xfrm>
+            <a:off x="5105400" y="6553200"/>
+            <a:ext cx="152400" cy="0"/>
           </a:xfrm>
           <a:prstGeom prst="line">
             <a:avLst/>
@@ -8750,15 +9172,692 @@
           </a:fontRef>
         </p:style>
       </p:cxnSp>
-      <p:sp>
-        <p:nvSpPr>
-          <p:cNvPr id="209" name="Rectangle 208"/>
+      <p:cxnSp>
+        <p:nvCxnSpPr>
+          <p:cNvPr id="222" name="Straight Connector 221"/>
+          <p:cNvCxnSpPr/>
+          <p:nvPr/>
+        </p:nvCxnSpPr>
+        <p:spPr>
+          <a:xfrm>
+            <a:off x="7239000" y="4800600"/>
+            <a:ext cx="304800" cy="0"/>
+          </a:xfrm>
+          <a:prstGeom prst="line">
+            <a:avLst/>
+          </a:prstGeom>
+          <a:ln w="12700">
+            <a:solidFill>
+              <a:srgbClr val="000000"/>
+            </a:solidFill>
+            <a:headEnd type="none" w="med" len="med"/>
+            <a:tailEnd type="none" w="med" len="med"/>
+          </a:ln>
+        </p:spPr>
+        <p:style>
+          <a:lnRef idx="1">
+            <a:schemeClr val="accent1"/>
+          </a:lnRef>
+          <a:fillRef idx="0">
+            <a:schemeClr val="accent1"/>
+          </a:fillRef>
+          <a:effectRef idx="0">
+            <a:schemeClr val="accent1"/>
+          </a:effectRef>
+          <a:fontRef idx="minor">
+            <a:schemeClr val="tx1"/>
+          </a:fontRef>
+        </p:style>
+      </p:cxnSp>
+      <p:cxnSp>
+        <p:nvCxnSpPr>
+          <p:cNvPr id="223" name="Straight Connector 222"/>
+          <p:cNvCxnSpPr/>
+          <p:nvPr/>
+        </p:nvCxnSpPr>
+        <p:spPr>
+          <a:xfrm flipV="1">
+            <a:off x="7467600" y="4724400"/>
+            <a:ext cx="152400" cy="152400"/>
+          </a:xfrm>
+          <a:prstGeom prst="line">
+            <a:avLst/>
+          </a:prstGeom>
+          <a:ln w="12700">
+            <a:solidFill>
+              <a:srgbClr val="000000"/>
+            </a:solidFill>
+            <a:headEnd type="none" w="med" len="med"/>
+            <a:tailEnd type="none" w="med" len="med"/>
+          </a:ln>
+        </p:spPr>
+        <p:style>
+          <a:lnRef idx="1">
+            <a:schemeClr val="accent1"/>
+          </a:lnRef>
+          <a:fillRef idx="0">
+            <a:schemeClr val="accent1"/>
+          </a:fillRef>
+          <a:effectRef idx="0">
+            <a:schemeClr val="accent1"/>
+          </a:effectRef>
+          <a:fontRef idx="minor">
+            <a:schemeClr val="tx1"/>
+          </a:fontRef>
+        </p:style>
+      </p:cxnSp>
+      <p:cxnSp>
+        <p:nvCxnSpPr>
+          <p:cNvPr id="224" name="Straight Connector 223"/>
+          <p:cNvCxnSpPr/>
+          <p:nvPr/>
+        </p:nvCxnSpPr>
+        <p:spPr>
+          <a:xfrm>
+            <a:off x="7467600" y="4724400"/>
+            <a:ext cx="152400" cy="152400"/>
+          </a:xfrm>
+          <a:prstGeom prst="line">
+            <a:avLst/>
+          </a:prstGeom>
+          <a:ln w="12700">
+            <a:solidFill>
+              <a:srgbClr val="000000"/>
+            </a:solidFill>
+            <a:headEnd type="none" w="med" len="med"/>
+            <a:tailEnd type="none" w="med" len="med"/>
+          </a:ln>
+        </p:spPr>
+        <p:style>
+          <a:lnRef idx="1">
+            <a:schemeClr val="accent1"/>
+          </a:lnRef>
+          <a:fillRef idx="0">
+            <a:schemeClr val="accent1"/>
+          </a:fillRef>
+          <a:effectRef idx="0">
+            <a:schemeClr val="accent1"/>
+          </a:effectRef>
+          <a:fontRef idx="minor">
+            <a:schemeClr val="tx1"/>
+          </a:fontRef>
+        </p:style>
+      </p:cxnSp>
+      <p:sp>
+        <p:nvSpPr>
+          <p:cNvPr id="225" name="Rectangle 224"/>
           <p:cNvSpPr/>
           <p:nvPr/>
         </p:nvSpPr>
         <p:spPr>
           <a:xfrm>
-            <a:off x="838201" y="7086596"/>
+            <a:off x="6934200" y="4038600"/>
+            <a:ext cx="304800" cy="152400"/>
+          </a:xfrm>
+          <a:prstGeom prst="rect">
+            <a:avLst/>
+          </a:prstGeom>
+          <a:noFill/>
+          <a:ln>
+            <a:noFill/>
+          </a:ln>
+        </p:spPr>
+        <p:style>
+          <a:lnRef idx="2">
+            <a:schemeClr val="accent1">
+              <a:shade val="50000"/>
+            </a:schemeClr>
+          </a:lnRef>
+          <a:fillRef idx="1">
+            <a:schemeClr val="accent1"/>
+          </a:fillRef>
+          <a:effectRef idx="0">
+            <a:schemeClr val="accent1"/>
+          </a:effectRef>
+          <a:fontRef idx="minor">
+            <a:schemeClr val="lt1"/>
+          </a:fontRef>
+        </p:style>
+        <p:txBody>
+          <a:bodyPr wrap="none" lIns="45720" rIns="45720" rtlCol="0" anchor="ctr"/>
+          <a:lstStyle/>
+          <a:p>
+            <a:pPr algn="r"/>
+            <a:r>
+              <a:rPr lang="en-US" sz="900" dirty="0">
+                <a:solidFill>
+                  <a:srgbClr val="000000"/>
+                </a:solidFill>
+                <a:latin typeface="Courier New" panose="02070309020205020404" pitchFamily="49" charset="0"/>
+                <a:cs typeface="Courier New" panose="02070309020205020404" pitchFamily="49" charset="0"/>
+              </a:rPr>
+              <a:t>DATAOUT2</a:t>
+            </a:r>
+          </a:p>
+        </p:txBody>
+      </p:sp>
+      <p:cxnSp>
+        <p:nvCxnSpPr>
+          <p:cNvPr id="226" name="Straight Connector 225"/>
+          <p:cNvCxnSpPr/>
+          <p:nvPr/>
+        </p:nvCxnSpPr>
+        <p:spPr>
+          <a:xfrm>
+            <a:off x="7239000" y="4114800"/>
+            <a:ext cx="304800" cy="0"/>
+          </a:xfrm>
+          <a:prstGeom prst="line">
+            <a:avLst/>
+          </a:prstGeom>
+          <a:ln w="12700">
+            <a:solidFill>
+              <a:srgbClr val="000000"/>
+            </a:solidFill>
+            <a:headEnd type="none" w="med" len="med"/>
+            <a:tailEnd type="none" w="med" len="med"/>
+          </a:ln>
+        </p:spPr>
+        <p:style>
+          <a:lnRef idx="1">
+            <a:schemeClr val="accent1"/>
+          </a:lnRef>
+          <a:fillRef idx="0">
+            <a:schemeClr val="accent1"/>
+          </a:fillRef>
+          <a:effectRef idx="0">
+            <a:schemeClr val="accent1"/>
+          </a:effectRef>
+          <a:fontRef idx="minor">
+            <a:schemeClr val="tx1"/>
+          </a:fontRef>
+        </p:style>
+      </p:cxnSp>
+      <p:cxnSp>
+        <p:nvCxnSpPr>
+          <p:cNvPr id="227" name="Straight Connector 226"/>
+          <p:cNvCxnSpPr/>
+          <p:nvPr/>
+        </p:nvCxnSpPr>
+        <p:spPr>
+          <a:xfrm flipV="1">
+            <a:off x="7467600" y="4038600"/>
+            <a:ext cx="152400" cy="152400"/>
+          </a:xfrm>
+          <a:prstGeom prst="line">
+            <a:avLst/>
+          </a:prstGeom>
+          <a:ln w="12700">
+            <a:solidFill>
+              <a:srgbClr val="000000"/>
+            </a:solidFill>
+            <a:headEnd type="none" w="med" len="med"/>
+            <a:tailEnd type="none" w="med" len="med"/>
+          </a:ln>
+        </p:spPr>
+        <p:style>
+          <a:lnRef idx="1">
+            <a:schemeClr val="accent1"/>
+          </a:lnRef>
+          <a:fillRef idx="0">
+            <a:schemeClr val="accent1"/>
+          </a:fillRef>
+          <a:effectRef idx="0">
+            <a:schemeClr val="accent1"/>
+          </a:effectRef>
+          <a:fontRef idx="minor">
+            <a:schemeClr val="tx1"/>
+          </a:fontRef>
+        </p:style>
+      </p:cxnSp>
+      <p:cxnSp>
+        <p:nvCxnSpPr>
+          <p:cNvPr id="228" name="Straight Connector 227"/>
+          <p:cNvCxnSpPr/>
+          <p:nvPr/>
+        </p:nvCxnSpPr>
+        <p:spPr>
+          <a:xfrm>
+            <a:off x="7467600" y="4038600"/>
+            <a:ext cx="152400" cy="152400"/>
+          </a:xfrm>
+          <a:prstGeom prst="line">
+            <a:avLst/>
+          </a:prstGeom>
+          <a:ln w="12700">
+            <a:solidFill>
+              <a:srgbClr val="000000"/>
+            </a:solidFill>
+            <a:headEnd type="none" w="med" len="med"/>
+            <a:tailEnd type="none" w="med" len="med"/>
+          </a:ln>
+        </p:spPr>
+        <p:style>
+          <a:lnRef idx="1">
+            <a:schemeClr val="accent1"/>
+          </a:lnRef>
+          <a:fillRef idx="0">
+            <a:schemeClr val="accent1"/>
+          </a:fillRef>
+          <a:effectRef idx="0">
+            <a:schemeClr val="accent1"/>
+          </a:effectRef>
+          <a:fontRef idx="minor">
+            <a:schemeClr val="tx1"/>
+          </a:fontRef>
+        </p:style>
+      </p:cxnSp>
+      <p:sp>
+        <p:nvSpPr>
+          <p:cNvPr id="229" name="Rectangle 228"/>
+          <p:cNvSpPr/>
+          <p:nvPr/>
+        </p:nvSpPr>
+        <p:spPr>
+          <a:xfrm>
+            <a:off x="6934200" y="4267200"/>
+            <a:ext cx="304800" cy="152400"/>
+          </a:xfrm>
+          <a:prstGeom prst="rect">
+            <a:avLst/>
+          </a:prstGeom>
+          <a:noFill/>
+          <a:ln>
+            <a:noFill/>
+          </a:ln>
+        </p:spPr>
+        <p:style>
+          <a:lnRef idx="2">
+            <a:schemeClr val="accent1">
+              <a:shade val="50000"/>
+            </a:schemeClr>
+          </a:lnRef>
+          <a:fillRef idx="1">
+            <a:schemeClr val="accent1"/>
+          </a:fillRef>
+          <a:effectRef idx="0">
+            <a:schemeClr val="accent1"/>
+          </a:effectRef>
+          <a:fontRef idx="minor">
+            <a:schemeClr val="lt1"/>
+          </a:fontRef>
+        </p:style>
+        <p:txBody>
+          <a:bodyPr wrap="none" lIns="45720" rIns="45720" rtlCol="0" anchor="ctr"/>
+          <a:lstStyle/>
+          <a:p>
+            <a:pPr algn="r"/>
+            <a:r>
+              <a:rPr lang="en-US" sz="900" dirty="0">
+                <a:solidFill>
+                  <a:srgbClr val="000000"/>
+                </a:solidFill>
+                <a:latin typeface="Courier New" panose="02070309020205020404" pitchFamily="49" charset="0"/>
+                <a:cs typeface="Courier New" panose="02070309020205020404" pitchFamily="49" charset="0"/>
+              </a:rPr>
+              <a:t>TOUT</a:t>
+            </a:r>
+          </a:p>
+        </p:txBody>
+      </p:sp>
+      <p:sp>
+        <p:nvSpPr>
+          <p:cNvPr id="230" name="Rectangle 229"/>
+          <p:cNvSpPr/>
+          <p:nvPr/>
+        </p:nvSpPr>
+        <p:spPr>
+          <a:xfrm>
+            <a:off x="6934200" y="4495800"/>
+            <a:ext cx="304800" cy="152400"/>
+          </a:xfrm>
+          <a:prstGeom prst="rect">
+            <a:avLst/>
+          </a:prstGeom>
+          <a:noFill/>
+          <a:ln>
+            <a:noFill/>
+          </a:ln>
+        </p:spPr>
+        <p:style>
+          <a:lnRef idx="2">
+            <a:schemeClr val="accent1">
+              <a:shade val="50000"/>
+            </a:schemeClr>
+          </a:lnRef>
+          <a:fillRef idx="1">
+            <a:schemeClr val="accent1"/>
+          </a:fillRef>
+          <a:effectRef idx="0">
+            <a:schemeClr val="accent1"/>
+          </a:effectRef>
+          <a:fontRef idx="minor">
+            <a:schemeClr val="lt1"/>
+          </a:fontRef>
+        </p:style>
+        <p:txBody>
+          <a:bodyPr wrap="none" lIns="45720" rIns="45720" rtlCol="0" anchor="ctr"/>
+          <a:lstStyle/>
+          <a:p>
+            <a:pPr algn="r"/>
+            <a:r>
+              <a:rPr lang="en-US" sz="900" dirty="0">
+                <a:solidFill>
+                  <a:srgbClr val="000000"/>
+                </a:solidFill>
+                <a:latin typeface="Courier New" panose="02070309020205020404" pitchFamily="49" charset="0"/>
+                <a:cs typeface="Courier New" panose="02070309020205020404" pitchFamily="49" charset="0"/>
+              </a:rPr>
+              <a:t>DOUT</a:t>
+            </a:r>
+          </a:p>
+        </p:txBody>
+      </p:sp>
+      <p:cxnSp>
+        <p:nvCxnSpPr>
+          <p:cNvPr id="231" name="Straight Connector 230"/>
+          <p:cNvCxnSpPr/>
+          <p:nvPr/>
+        </p:nvCxnSpPr>
+        <p:spPr>
+          <a:xfrm>
+            <a:off x="7239000" y="4343400"/>
+            <a:ext cx="304800" cy="0"/>
+          </a:xfrm>
+          <a:prstGeom prst="line">
+            <a:avLst/>
+          </a:prstGeom>
+          <a:ln w="12700">
+            <a:solidFill>
+              <a:srgbClr val="000000"/>
+            </a:solidFill>
+            <a:headEnd type="none" w="med" len="med"/>
+            <a:tailEnd type="none" w="med" len="med"/>
+          </a:ln>
+        </p:spPr>
+        <p:style>
+          <a:lnRef idx="1">
+            <a:schemeClr val="accent1"/>
+          </a:lnRef>
+          <a:fillRef idx="0">
+            <a:schemeClr val="accent1"/>
+          </a:fillRef>
+          <a:effectRef idx="0">
+            <a:schemeClr val="accent1"/>
+          </a:effectRef>
+          <a:fontRef idx="minor">
+            <a:schemeClr val="tx1"/>
+          </a:fontRef>
+        </p:style>
+      </p:cxnSp>
+      <p:cxnSp>
+        <p:nvCxnSpPr>
+          <p:cNvPr id="232" name="Straight Connector 231"/>
+          <p:cNvCxnSpPr/>
+          <p:nvPr/>
+        </p:nvCxnSpPr>
+        <p:spPr>
+          <a:xfrm flipV="1">
+            <a:off x="7467600" y="4267200"/>
+            <a:ext cx="152400" cy="152400"/>
+          </a:xfrm>
+          <a:prstGeom prst="line">
+            <a:avLst/>
+          </a:prstGeom>
+          <a:ln w="12700">
+            <a:solidFill>
+              <a:srgbClr val="000000"/>
+            </a:solidFill>
+            <a:headEnd type="none" w="med" len="med"/>
+            <a:tailEnd type="none" w="med" len="med"/>
+          </a:ln>
+        </p:spPr>
+        <p:style>
+          <a:lnRef idx="1">
+            <a:schemeClr val="accent1"/>
+          </a:lnRef>
+          <a:fillRef idx="0">
+            <a:schemeClr val="accent1"/>
+          </a:fillRef>
+          <a:effectRef idx="0">
+            <a:schemeClr val="accent1"/>
+          </a:effectRef>
+          <a:fontRef idx="minor">
+            <a:schemeClr val="tx1"/>
+          </a:fontRef>
+        </p:style>
+      </p:cxnSp>
+      <p:cxnSp>
+        <p:nvCxnSpPr>
+          <p:cNvPr id="233" name="Straight Connector 232"/>
+          <p:cNvCxnSpPr/>
+          <p:nvPr/>
+        </p:nvCxnSpPr>
+        <p:spPr>
+          <a:xfrm>
+            <a:off x="7467600" y="4267200"/>
+            <a:ext cx="152400" cy="152400"/>
+          </a:xfrm>
+          <a:prstGeom prst="line">
+            <a:avLst/>
+          </a:prstGeom>
+          <a:ln w="12700">
+            <a:solidFill>
+              <a:srgbClr val="000000"/>
+            </a:solidFill>
+            <a:headEnd type="none" w="med" len="med"/>
+            <a:tailEnd type="none" w="med" len="med"/>
+          </a:ln>
+        </p:spPr>
+        <p:style>
+          <a:lnRef idx="1">
+            <a:schemeClr val="accent1"/>
+          </a:lnRef>
+          <a:fillRef idx="0">
+            <a:schemeClr val="accent1"/>
+          </a:fillRef>
+          <a:effectRef idx="0">
+            <a:schemeClr val="accent1"/>
+          </a:effectRef>
+          <a:fontRef idx="minor">
+            <a:schemeClr val="tx1"/>
+          </a:fontRef>
+        </p:style>
+      </p:cxnSp>
+      <p:cxnSp>
+        <p:nvCxnSpPr>
+          <p:cNvPr id="234" name="Straight Connector 233"/>
+          <p:cNvCxnSpPr/>
+          <p:nvPr/>
+        </p:nvCxnSpPr>
+        <p:spPr>
+          <a:xfrm>
+            <a:off x="7239000" y="4572000"/>
+            <a:ext cx="304800" cy="0"/>
+          </a:xfrm>
+          <a:prstGeom prst="line">
+            <a:avLst/>
+          </a:prstGeom>
+          <a:ln w="12700">
+            <a:solidFill>
+              <a:srgbClr val="000000"/>
+            </a:solidFill>
+            <a:headEnd type="none" w="med" len="med"/>
+            <a:tailEnd type="none" w="med" len="med"/>
+          </a:ln>
+        </p:spPr>
+        <p:style>
+          <a:lnRef idx="1">
+            <a:schemeClr val="accent1"/>
+          </a:lnRef>
+          <a:fillRef idx="0">
+            <a:schemeClr val="accent1"/>
+          </a:fillRef>
+          <a:effectRef idx="0">
+            <a:schemeClr val="accent1"/>
+          </a:effectRef>
+          <a:fontRef idx="minor">
+            <a:schemeClr val="tx1"/>
+          </a:fontRef>
+        </p:style>
+      </p:cxnSp>
+      <p:cxnSp>
+        <p:nvCxnSpPr>
+          <p:cNvPr id="235" name="Straight Connector 234"/>
+          <p:cNvCxnSpPr/>
+          <p:nvPr/>
+        </p:nvCxnSpPr>
+        <p:spPr>
+          <a:xfrm flipV="1">
+            <a:off x="7467600" y="4495800"/>
+            <a:ext cx="152400" cy="152400"/>
+          </a:xfrm>
+          <a:prstGeom prst="line">
+            <a:avLst/>
+          </a:prstGeom>
+          <a:ln w="12700">
+            <a:solidFill>
+              <a:srgbClr val="000000"/>
+            </a:solidFill>
+            <a:headEnd type="none" w="med" len="med"/>
+            <a:tailEnd type="none" w="med" len="med"/>
+          </a:ln>
+        </p:spPr>
+        <p:style>
+          <a:lnRef idx="1">
+            <a:schemeClr val="accent1"/>
+          </a:lnRef>
+          <a:fillRef idx="0">
+            <a:schemeClr val="accent1"/>
+          </a:fillRef>
+          <a:effectRef idx="0">
+            <a:schemeClr val="accent1"/>
+          </a:effectRef>
+          <a:fontRef idx="minor">
+            <a:schemeClr val="tx1"/>
+          </a:fontRef>
+        </p:style>
+      </p:cxnSp>
+      <p:cxnSp>
+        <p:nvCxnSpPr>
+          <p:cNvPr id="236" name="Straight Connector 235"/>
+          <p:cNvCxnSpPr/>
+          <p:nvPr/>
+        </p:nvCxnSpPr>
+        <p:spPr>
+          <a:xfrm>
+            <a:off x="7467600" y="4495800"/>
+            <a:ext cx="152400" cy="152400"/>
+          </a:xfrm>
+          <a:prstGeom prst="line">
+            <a:avLst/>
+          </a:prstGeom>
+          <a:ln w="12700">
+            <a:solidFill>
+              <a:srgbClr val="000000"/>
+            </a:solidFill>
+            <a:headEnd type="none" w="med" len="med"/>
+            <a:tailEnd type="none" w="med" len="med"/>
+          </a:ln>
+        </p:spPr>
+        <p:style>
+          <a:lnRef idx="1">
+            <a:schemeClr val="accent1"/>
+          </a:lnRef>
+          <a:fillRef idx="0">
+            <a:schemeClr val="accent1"/>
+          </a:fillRef>
+          <a:effectRef idx="0">
+            <a:schemeClr val="accent1"/>
+          </a:effectRef>
+          <a:fontRef idx="minor">
+            <a:schemeClr val="tx1"/>
+          </a:fontRef>
+        </p:style>
+      </p:cxnSp>
+      <p:cxnSp>
+        <p:nvCxnSpPr>
+          <p:cNvPr id="238" name="Straight Connector 237"/>
+          <p:cNvCxnSpPr/>
+          <p:nvPr/>
+        </p:nvCxnSpPr>
+        <p:spPr>
+          <a:xfrm>
+            <a:off x="7848600" y="4343400"/>
+            <a:ext cx="914400" cy="0"/>
+          </a:xfrm>
+          <a:prstGeom prst="line">
+            <a:avLst/>
+          </a:prstGeom>
+          <a:ln w="12700">
+            <a:solidFill>
+              <a:srgbClr val="000000"/>
+            </a:solidFill>
+            <a:headEnd type="none" w="med" len="med"/>
+            <a:tailEnd type="triangle" w="med" len="med"/>
+          </a:ln>
+        </p:spPr>
+        <p:style>
+          <a:lnRef idx="1">
+            <a:schemeClr val="accent1"/>
+          </a:lnRef>
+          <a:fillRef idx="0">
+            <a:schemeClr val="accent1"/>
+          </a:fillRef>
+          <a:effectRef idx="0">
+            <a:schemeClr val="accent1"/>
+          </a:effectRef>
+          <a:fontRef idx="minor">
+            <a:schemeClr val="tx1"/>
+          </a:fontRef>
+        </p:style>
+      </p:cxnSp>
+      <p:cxnSp>
+        <p:nvCxnSpPr>
+          <p:cNvPr id="243" name="Straight Connector 242"/>
+          <p:cNvCxnSpPr/>
+          <p:nvPr/>
+        </p:nvCxnSpPr>
+        <p:spPr>
+          <a:xfrm flipV="1">
+            <a:off x="9753600" y="4038600"/>
+            <a:ext cx="152400" cy="152400"/>
+          </a:xfrm>
+          <a:prstGeom prst="line">
+            <a:avLst/>
+          </a:prstGeom>
+          <a:ln w="12700">
+            <a:solidFill>
+              <a:srgbClr val="000000"/>
+            </a:solidFill>
+            <a:headEnd type="none" w="med" len="med"/>
+            <a:tailEnd type="none" w="med" len="med"/>
+          </a:ln>
+        </p:spPr>
+        <p:style>
+          <a:lnRef idx="1">
+            <a:schemeClr val="accent1"/>
+          </a:lnRef>
+          <a:fillRef idx="0">
+            <a:schemeClr val="accent1"/>
+          </a:fillRef>
+          <a:effectRef idx="0">
+            <a:schemeClr val="accent1"/>
+          </a:effectRef>
+          <a:fontRef idx="minor">
+            <a:schemeClr val="tx1"/>
+          </a:fontRef>
+        </p:style>
+      </p:cxnSp>
+      <p:sp>
+        <p:nvSpPr>
+          <p:cNvPr id="244" name="Rectangle 243"/>
+          <p:cNvSpPr/>
+          <p:nvPr/>
+        </p:nvSpPr>
+        <p:spPr>
+          <a:xfrm>
+            <a:off x="9753600" y="3962400"/>
             <a:ext cx="152400" cy="76200"/>
           </a:xfrm>
           <a:prstGeom prst="rect">
@@ -8800,6 +9899,1052 @@
               </a:rPr>
               <a:t>1</a:t>
             </a:r>
+          </a:p>
+        </p:txBody>
+      </p:sp>
+      <p:cxnSp>
+        <p:nvCxnSpPr>
+          <p:cNvPr id="245" name="Straight Connector 244"/>
+          <p:cNvCxnSpPr>
+            <a:stCxn id="481" idx="3"/>
+          </p:cNvCxnSpPr>
+          <p:nvPr/>
+        </p:nvCxnSpPr>
+        <p:spPr>
+          <a:xfrm>
+            <a:off x="9677400" y="3886200"/>
+            <a:ext cx="533400" cy="0"/>
+          </a:xfrm>
+          <a:prstGeom prst="line">
+            <a:avLst/>
+          </a:prstGeom>
+          <a:ln w="12700">
+            <a:solidFill>
+              <a:srgbClr val="000000"/>
+            </a:solidFill>
+            <a:headEnd type="none" w="med" len="med"/>
+            <a:tailEnd type="none" w="med" len="med"/>
+          </a:ln>
+        </p:spPr>
+        <p:style>
+          <a:lnRef idx="1">
+            <a:schemeClr val="accent1"/>
+          </a:lnRef>
+          <a:fillRef idx="0">
+            <a:schemeClr val="accent1"/>
+          </a:fillRef>
+          <a:effectRef idx="0">
+            <a:schemeClr val="accent1"/>
+          </a:effectRef>
+          <a:fontRef idx="minor">
+            <a:schemeClr val="tx1"/>
+          </a:fontRef>
+        </p:style>
+      </p:cxnSp>
+      <p:cxnSp>
+        <p:nvCxnSpPr>
+          <p:cNvPr id="247" name="Straight Connector 246"/>
+          <p:cNvCxnSpPr>
+            <a:stCxn id="179" idx="3"/>
+          </p:cNvCxnSpPr>
+          <p:nvPr/>
+        </p:nvCxnSpPr>
+        <p:spPr>
+          <a:xfrm>
+            <a:off x="9677400" y="4114800"/>
+            <a:ext cx="533400" cy="0"/>
+          </a:xfrm>
+          <a:prstGeom prst="line">
+            <a:avLst/>
+          </a:prstGeom>
+          <a:ln w="12700">
+            <a:solidFill>
+              <a:srgbClr val="000000"/>
+            </a:solidFill>
+            <a:headEnd type="none" w="med" len="med"/>
+            <a:tailEnd type="none" w="med" len="med"/>
+          </a:ln>
+        </p:spPr>
+        <p:style>
+          <a:lnRef idx="1">
+            <a:schemeClr val="accent1"/>
+          </a:lnRef>
+          <a:fillRef idx="0">
+            <a:schemeClr val="accent1"/>
+          </a:fillRef>
+          <a:effectRef idx="0">
+            <a:schemeClr val="accent1"/>
+          </a:effectRef>
+          <a:fontRef idx="minor">
+            <a:schemeClr val="tx1"/>
+          </a:fontRef>
+        </p:style>
+      </p:cxnSp>
+      <p:cxnSp>
+        <p:nvCxnSpPr>
+          <p:cNvPr id="249" name="Straight Connector 248"/>
+          <p:cNvCxnSpPr/>
+          <p:nvPr/>
+        </p:nvCxnSpPr>
+        <p:spPr>
+          <a:xfrm flipV="1">
+            <a:off x="10210800" y="4038600"/>
+            <a:ext cx="76200" cy="76200"/>
+          </a:xfrm>
+          <a:prstGeom prst="line">
+            <a:avLst/>
+          </a:prstGeom>
+          <a:ln w="12700">
+            <a:solidFill>
+              <a:srgbClr val="000000"/>
+            </a:solidFill>
+            <a:headEnd type="none" w="med" len="med"/>
+            <a:tailEnd type="none" w="med" len="med"/>
+          </a:ln>
+        </p:spPr>
+        <p:style>
+          <a:lnRef idx="1">
+            <a:schemeClr val="accent1"/>
+          </a:lnRef>
+          <a:fillRef idx="0">
+            <a:schemeClr val="accent1"/>
+          </a:fillRef>
+          <a:effectRef idx="0">
+            <a:schemeClr val="accent1"/>
+          </a:effectRef>
+          <a:fontRef idx="minor">
+            <a:schemeClr val="tx1"/>
+          </a:fontRef>
+        </p:style>
+      </p:cxnSp>
+      <p:cxnSp>
+        <p:nvCxnSpPr>
+          <p:cNvPr id="251" name="Straight Connector 250"/>
+          <p:cNvCxnSpPr/>
+          <p:nvPr/>
+        </p:nvCxnSpPr>
+        <p:spPr>
+          <a:xfrm flipV="1">
+            <a:off x="10210800" y="3810000"/>
+            <a:ext cx="76200" cy="76200"/>
+          </a:xfrm>
+          <a:prstGeom prst="line">
+            <a:avLst/>
+          </a:prstGeom>
+          <a:ln w="12700">
+            <a:solidFill>
+              <a:srgbClr val="000000"/>
+            </a:solidFill>
+            <a:headEnd type="none" w="med" len="med"/>
+            <a:tailEnd type="none" w="med" len="med"/>
+          </a:ln>
+        </p:spPr>
+        <p:style>
+          <a:lnRef idx="1">
+            <a:schemeClr val="accent1"/>
+          </a:lnRef>
+          <a:fillRef idx="0">
+            <a:schemeClr val="accent1"/>
+          </a:fillRef>
+          <a:effectRef idx="0">
+            <a:schemeClr val="accent1"/>
+          </a:effectRef>
+          <a:fontRef idx="minor">
+            <a:schemeClr val="tx1"/>
+          </a:fontRef>
+        </p:style>
+      </p:cxnSp>
+      <p:cxnSp>
+        <p:nvCxnSpPr>
+          <p:cNvPr id="252" name="Straight Connector 251"/>
+          <p:cNvCxnSpPr/>
+          <p:nvPr/>
+        </p:nvCxnSpPr>
+        <p:spPr>
+          <a:xfrm flipV="1">
+            <a:off x="10287000" y="3581400"/>
+            <a:ext cx="0" cy="457200"/>
+          </a:xfrm>
+          <a:prstGeom prst="line">
+            <a:avLst/>
+          </a:prstGeom>
+          <a:ln w="12700">
+            <a:solidFill>
+              <a:srgbClr val="000000"/>
+            </a:solidFill>
+            <a:headEnd type="none" w="med" len="med"/>
+            <a:tailEnd type="none" w="med" len="med"/>
+          </a:ln>
+        </p:spPr>
+        <p:style>
+          <a:lnRef idx="1">
+            <a:schemeClr val="accent1"/>
+          </a:lnRef>
+          <a:fillRef idx="0">
+            <a:schemeClr val="accent1"/>
+          </a:fillRef>
+          <a:effectRef idx="0">
+            <a:schemeClr val="accent1"/>
+          </a:effectRef>
+          <a:fontRef idx="minor">
+            <a:schemeClr val="tx1"/>
+          </a:fontRef>
+        </p:style>
+      </p:cxnSp>
+      <p:cxnSp>
+        <p:nvCxnSpPr>
+          <p:cNvPr id="254" name="Straight Connector 253"/>
+          <p:cNvCxnSpPr/>
+          <p:nvPr/>
+        </p:nvCxnSpPr>
+        <p:spPr>
+          <a:xfrm>
+            <a:off x="10287000" y="3581400"/>
+            <a:ext cx="838200" cy="0"/>
+          </a:xfrm>
+          <a:prstGeom prst="line">
+            <a:avLst/>
+          </a:prstGeom>
+          <a:ln w="12700">
+            <a:solidFill>
+              <a:srgbClr val="000000"/>
+            </a:solidFill>
+            <a:headEnd type="none" w="med" len="med"/>
+            <a:tailEnd type="none" w="med" len="med"/>
+          </a:ln>
+        </p:spPr>
+        <p:style>
+          <a:lnRef idx="1">
+            <a:schemeClr val="accent1"/>
+          </a:lnRef>
+          <a:fillRef idx="0">
+            <a:schemeClr val="accent1"/>
+          </a:fillRef>
+          <a:effectRef idx="0">
+            <a:schemeClr val="accent1"/>
+          </a:effectRef>
+          <a:fontRef idx="minor">
+            <a:schemeClr val="tx1"/>
+          </a:fontRef>
+        </p:style>
+      </p:cxnSp>
+      <p:cxnSp>
+        <p:nvCxnSpPr>
+          <p:cNvPr id="256" name="Straight Connector 255"/>
+          <p:cNvCxnSpPr/>
+          <p:nvPr/>
+        </p:nvCxnSpPr>
+        <p:spPr>
+          <a:xfrm flipV="1">
+            <a:off x="10439400" y="3505200"/>
+            <a:ext cx="152400" cy="152400"/>
+          </a:xfrm>
+          <a:prstGeom prst="line">
+            <a:avLst/>
+          </a:prstGeom>
+          <a:ln w="12700">
+            <a:solidFill>
+              <a:srgbClr val="000000"/>
+            </a:solidFill>
+            <a:headEnd type="none" w="med" len="med"/>
+            <a:tailEnd type="none" w="med" len="med"/>
+          </a:ln>
+        </p:spPr>
+        <p:style>
+          <a:lnRef idx="1">
+            <a:schemeClr val="accent1"/>
+          </a:lnRef>
+          <a:fillRef idx="0">
+            <a:schemeClr val="accent1"/>
+          </a:fillRef>
+          <a:effectRef idx="0">
+            <a:schemeClr val="accent1"/>
+          </a:effectRef>
+          <a:fontRef idx="minor">
+            <a:schemeClr val="tx1"/>
+          </a:fontRef>
+        </p:style>
+      </p:cxnSp>
+      <p:sp>
+        <p:nvSpPr>
+          <p:cNvPr id="257" name="Rectangle 256"/>
+          <p:cNvSpPr/>
+          <p:nvPr/>
+        </p:nvSpPr>
+        <p:spPr>
+          <a:xfrm>
+            <a:off x="10439400" y="3429000"/>
+            <a:ext cx="152400" cy="76200"/>
+          </a:xfrm>
+          <a:prstGeom prst="rect">
+            <a:avLst/>
+          </a:prstGeom>
+          <a:noFill/>
+          <a:ln>
+            <a:noFill/>
+          </a:ln>
+        </p:spPr>
+        <p:style>
+          <a:lnRef idx="2">
+            <a:schemeClr val="accent1">
+              <a:shade val="50000"/>
+            </a:schemeClr>
+          </a:lnRef>
+          <a:fillRef idx="1">
+            <a:schemeClr val="accent1"/>
+          </a:fillRef>
+          <a:effectRef idx="0">
+            <a:schemeClr val="accent1"/>
+          </a:effectRef>
+          <a:fontRef idx="minor">
+            <a:schemeClr val="lt1"/>
+          </a:fontRef>
+        </p:style>
+        <p:txBody>
+          <a:bodyPr wrap="none" lIns="45720" rIns="45720" rtlCol="0" anchor="ctr"/>
+          <a:lstStyle/>
+          <a:p>
+            <a:pPr algn="ctr"/>
+            <a:r>
+              <a:rPr lang="en-US" sz="900" dirty="0">
+                <a:solidFill>
+                  <a:srgbClr val="000000"/>
+                </a:solidFill>
+                <a:latin typeface="Courier New" panose="02070309020205020404" pitchFamily="49" charset="0"/>
+                <a:cs typeface="Courier New" panose="02070309020205020404" pitchFamily="49" charset="0"/>
+              </a:rPr>
+              <a:t>2</a:t>
+            </a:r>
+          </a:p>
+        </p:txBody>
+      </p:sp>
+      <p:sp>
+        <p:nvSpPr>
+          <p:cNvPr id="258" name="Rectangle 257"/>
+          <p:cNvSpPr/>
+          <p:nvPr/>
+        </p:nvSpPr>
+        <p:spPr>
+          <a:xfrm>
+            <a:off x="10287000" y="3733800"/>
+            <a:ext cx="304800" cy="152400"/>
+          </a:xfrm>
+          <a:prstGeom prst="rect">
+            <a:avLst/>
+          </a:prstGeom>
+          <a:noFill/>
+          <a:ln>
+            <a:noFill/>
+          </a:ln>
+        </p:spPr>
+        <p:style>
+          <a:lnRef idx="2">
+            <a:schemeClr val="accent1">
+              <a:shade val="50000"/>
+            </a:schemeClr>
+          </a:lnRef>
+          <a:fillRef idx="1">
+            <a:schemeClr val="accent1"/>
+          </a:fillRef>
+          <a:effectRef idx="0">
+            <a:schemeClr val="accent1"/>
+          </a:effectRef>
+          <a:fontRef idx="minor">
+            <a:schemeClr val="lt1"/>
+          </a:fontRef>
+        </p:style>
+        <p:txBody>
+          <a:bodyPr wrap="none" lIns="45720" rIns="45720" rtlCol="0" anchor="ctr"/>
+          <a:lstStyle/>
+          <a:p>
+            <a:r>
+              <a:rPr lang="en-US" sz="900" dirty="0">
+                <a:solidFill>
+                  <a:srgbClr val="000000"/>
+                </a:solidFill>
+                <a:latin typeface="Courier New" panose="02070309020205020404" pitchFamily="49" charset="0"/>
+                <a:cs typeface="Courier New" panose="02070309020205020404" pitchFamily="49" charset="0"/>
+              </a:rPr>
+              <a:t>[1]</a:t>
+            </a:r>
+          </a:p>
+        </p:txBody>
+      </p:sp>
+      <p:sp>
+        <p:nvSpPr>
+          <p:cNvPr id="259" name="Rectangle 258"/>
+          <p:cNvSpPr/>
+          <p:nvPr/>
+        </p:nvSpPr>
+        <p:spPr>
+          <a:xfrm>
+            <a:off x="10287000" y="3962400"/>
+            <a:ext cx="304800" cy="152400"/>
+          </a:xfrm>
+          <a:prstGeom prst="rect">
+            <a:avLst/>
+          </a:prstGeom>
+          <a:noFill/>
+          <a:ln>
+            <a:noFill/>
+          </a:ln>
+        </p:spPr>
+        <p:style>
+          <a:lnRef idx="2">
+            <a:schemeClr val="accent1">
+              <a:shade val="50000"/>
+            </a:schemeClr>
+          </a:lnRef>
+          <a:fillRef idx="1">
+            <a:schemeClr val="accent1"/>
+          </a:fillRef>
+          <a:effectRef idx="0">
+            <a:schemeClr val="accent1"/>
+          </a:effectRef>
+          <a:fontRef idx="minor">
+            <a:schemeClr val="lt1"/>
+          </a:fontRef>
+        </p:style>
+        <p:txBody>
+          <a:bodyPr wrap="none" lIns="45720" rIns="45720" rtlCol="0" anchor="ctr"/>
+          <a:lstStyle/>
+          <a:p>
+            <a:r>
+              <a:rPr lang="en-US" sz="900" dirty="0">
+                <a:solidFill>
+                  <a:srgbClr val="000000"/>
+                </a:solidFill>
+                <a:latin typeface="Courier New" panose="02070309020205020404" pitchFamily="49" charset="0"/>
+                <a:cs typeface="Courier New" panose="02070309020205020404" pitchFamily="49" charset="0"/>
+              </a:rPr>
+              <a:t>[0]</a:t>
+            </a:r>
+          </a:p>
+        </p:txBody>
+      </p:sp>
+      <p:cxnSp>
+        <p:nvCxnSpPr>
+          <p:cNvPr id="260" name="Straight Connector 259"/>
+          <p:cNvCxnSpPr>
+            <a:endCxn id="748" idx="1"/>
+          </p:cNvCxnSpPr>
+          <p:nvPr/>
+        </p:nvCxnSpPr>
+        <p:spPr>
+          <a:xfrm>
+            <a:off x="13944600" y="3352800"/>
+            <a:ext cx="1981200" cy="0"/>
+          </a:xfrm>
+          <a:prstGeom prst="line">
+            <a:avLst/>
+          </a:prstGeom>
+          <a:ln w="12700">
+            <a:solidFill>
+              <a:srgbClr val="000000"/>
+            </a:solidFill>
+            <a:headEnd type="none" w="med" len="med"/>
+            <a:tailEnd type="none" w="med" len="med"/>
+          </a:ln>
+        </p:spPr>
+        <p:style>
+          <a:lnRef idx="1">
+            <a:schemeClr val="accent1"/>
+          </a:lnRef>
+          <a:fillRef idx="0">
+            <a:schemeClr val="accent1"/>
+          </a:fillRef>
+          <a:effectRef idx="0">
+            <a:schemeClr val="accent1"/>
+          </a:effectRef>
+          <a:fontRef idx="minor">
+            <a:schemeClr val="tx1"/>
+          </a:fontRef>
+        </p:style>
+      </p:cxnSp>
+      <p:cxnSp>
+        <p:nvCxnSpPr>
+          <p:cNvPr id="262" name="Straight Connector 261"/>
+          <p:cNvCxnSpPr/>
+          <p:nvPr/>
+        </p:nvCxnSpPr>
+        <p:spPr>
+          <a:xfrm flipV="1">
+            <a:off x="12801600" y="2819400"/>
+            <a:ext cx="0" cy="533400"/>
+          </a:xfrm>
+          <a:prstGeom prst="line">
+            <a:avLst/>
+          </a:prstGeom>
+          <a:ln w="12700">
+            <a:solidFill>
+              <a:srgbClr val="000000"/>
+            </a:solidFill>
+            <a:headEnd type="oval" w="med" len="med"/>
+            <a:tailEnd type="none" w="med" len="med"/>
+          </a:ln>
+        </p:spPr>
+        <p:style>
+          <a:lnRef idx="1">
+            <a:schemeClr val="accent1"/>
+          </a:lnRef>
+          <a:fillRef idx="0">
+            <a:schemeClr val="accent1"/>
+          </a:fillRef>
+          <a:effectRef idx="0">
+            <a:schemeClr val="accent1"/>
+          </a:effectRef>
+          <a:fontRef idx="minor">
+            <a:schemeClr val="tx1"/>
+          </a:fontRef>
+        </p:style>
+      </p:cxnSp>
+      <p:cxnSp>
+        <p:nvCxnSpPr>
+          <p:cNvPr id="265" name="Straight Connector 264"/>
+          <p:cNvCxnSpPr/>
+          <p:nvPr/>
+        </p:nvCxnSpPr>
+        <p:spPr>
+          <a:xfrm flipH="1">
+            <a:off x="10820400" y="2819400"/>
+            <a:ext cx="1981200" cy="0"/>
+          </a:xfrm>
+          <a:prstGeom prst="line">
+            <a:avLst/>
+          </a:prstGeom>
+          <a:ln w="12700">
+            <a:solidFill>
+              <a:srgbClr val="000000"/>
+            </a:solidFill>
+            <a:headEnd type="none" w="med" len="med"/>
+            <a:tailEnd type="none" w="med" len="med"/>
+          </a:ln>
+        </p:spPr>
+        <p:style>
+          <a:lnRef idx="1">
+            <a:schemeClr val="accent1"/>
+          </a:lnRef>
+          <a:fillRef idx="0">
+            <a:schemeClr val="accent1"/>
+          </a:fillRef>
+          <a:effectRef idx="0">
+            <a:schemeClr val="accent1"/>
+          </a:effectRef>
+          <a:fontRef idx="minor">
+            <a:schemeClr val="tx1"/>
+          </a:fontRef>
+        </p:style>
+      </p:cxnSp>
+      <p:cxnSp>
+        <p:nvCxnSpPr>
+          <p:cNvPr id="267" name="Straight Connector 266"/>
+          <p:cNvCxnSpPr/>
+          <p:nvPr/>
+        </p:nvCxnSpPr>
+        <p:spPr>
+          <a:xfrm flipH="1" flipV="1">
+            <a:off x="11811000" y="2743203"/>
+            <a:ext cx="76200" cy="76201"/>
+          </a:xfrm>
+          <a:prstGeom prst="line">
+            <a:avLst/>
+          </a:prstGeom>
+          <a:ln w="12700">
+            <a:solidFill>
+              <a:srgbClr val="000000"/>
+            </a:solidFill>
+            <a:headEnd type="none" w="med" len="med"/>
+            <a:tailEnd type="none" w="med" len="med"/>
+          </a:ln>
+        </p:spPr>
+        <p:style>
+          <a:lnRef idx="1">
+            <a:schemeClr val="accent1"/>
+          </a:lnRef>
+          <a:fillRef idx="0">
+            <a:schemeClr val="accent1"/>
+          </a:fillRef>
+          <a:effectRef idx="0">
+            <a:schemeClr val="accent1"/>
+          </a:effectRef>
+          <a:fontRef idx="minor">
+            <a:schemeClr val="tx1"/>
+          </a:fontRef>
+        </p:style>
+      </p:cxnSp>
+      <p:cxnSp>
+        <p:nvCxnSpPr>
+          <p:cNvPr id="270" name="Straight Connector 269"/>
+          <p:cNvCxnSpPr/>
+          <p:nvPr/>
+        </p:nvCxnSpPr>
+        <p:spPr>
+          <a:xfrm flipV="1">
+            <a:off x="11811000" y="2590800"/>
+            <a:ext cx="0" cy="152402"/>
+          </a:xfrm>
+          <a:prstGeom prst="line">
+            <a:avLst/>
+          </a:prstGeom>
+          <a:ln w="12700">
+            <a:solidFill>
+              <a:srgbClr val="000000"/>
+            </a:solidFill>
+            <a:headEnd type="none" w="med" len="med"/>
+            <a:tailEnd type="none" w="med" len="med"/>
+          </a:ln>
+        </p:spPr>
+        <p:style>
+          <a:lnRef idx="1">
+            <a:schemeClr val="accent1"/>
+          </a:lnRef>
+          <a:fillRef idx="0">
+            <a:schemeClr val="accent1"/>
+          </a:fillRef>
+          <a:effectRef idx="0">
+            <a:schemeClr val="accent1"/>
+          </a:effectRef>
+          <a:fontRef idx="minor">
+            <a:schemeClr val="tx1"/>
+          </a:fontRef>
+        </p:style>
+      </p:cxnSp>
+      <p:cxnSp>
+        <p:nvCxnSpPr>
+          <p:cNvPr id="272" name="Straight Connector 271"/>
+          <p:cNvCxnSpPr/>
+          <p:nvPr/>
+        </p:nvCxnSpPr>
+        <p:spPr>
+          <a:xfrm flipH="1">
+            <a:off x="11125200" y="2590802"/>
+            <a:ext cx="685800" cy="0"/>
+          </a:xfrm>
+          <a:prstGeom prst="line">
+            <a:avLst/>
+          </a:prstGeom>
+          <a:ln w="12700">
+            <a:solidFill>
+              <a:srgbClr val="000000"/>
+            </a:solidFill>
+            <a:headEnd type="none" w="med" len="med"/>
+            <a:tailEnd type="none" w="med" len="med"/>
+          </a:ln>
+        </p:spPr>
+        <p:style>
+          <a:lnRef idx="1">
+            <a:schemeClr val="accent1"/>
+          </a:lnRef>
+          <a:fillRef idx="0">
+            <a:schemeClr val="accent1"/>
+          </a:fillRef>
+          <a:effectRef idx="0">
+            <a:schemeClr val="accent1"/>
+          </a:effectRef>
+          <a:fontRef idx="minor">
+            <a:schemeClr val="tx1"/>
+          </a:fontRef>
+        </p:style>
+      </p:cxnSp>
+      <p:cxnSp>
+        <p:nvCxnSpPr>
+          <p:cNvPr id="274" name="Straight Connector 273"/>
+          <p:cNvCxnSpPr/>
+          <p:nvPr/>
+        </p:nvCxnSpPr>
+        <p:spPr>
+          <a:xfrm flipH="1">
+            <a:off x="11049000" y="2514600"/>
+            <a:ext cx="152400" cy="152400"/>
+          </a:xfrm>
+          <a:prstGeom prst="line">
+            <a:avLst/>
+          </a:prstGeom>
+          <a:ln w="12700">
+            <a:solidFill>
+              <a:srgbClr val="000000"/>
+            </a:solidFill>
+            <a:headEnd type="none" w="med" len="med"/>
+            <a:tailEnd type="none" w="med" len="med"/>
+          </a:ln>
+        </p:spPr>
+        <p:style>
+          <a:lnRef idx="1">
+            <a:schemeClr val="accent1"/>
+          </a:lnRef>
+          <a:fillRef idx="0">
+            <a:schemeClr val="accent1"/>
+          </a:fillRef>
+          <a:effectRef idx="0">
+            <a:schemeClr val="accent1"/>
+          </a:effectRef>
+          <a:fontRef idx="minor">
+            <a:schemeClr val="tx1"/>
+          </a:fontRef>
+        </p:style>
+      </p:cxnSp>
+      <p:cxnSp>
+        <p:nvCxnSpPr>
+          <p:cNvPr id="276" name="Straight Connector 275"/>
+          <p:cNvCxnSpPr/>
+          <p:nvPr/>
+        </p:nvCxnSpPr>
+        <p:spPr>
+          <a:xfrm flipH="1" flipV="1">
+            <a:off x="11049000" y="2514600"/>
+            <a:ext cx="152400" cy="152400"/>
+          </a:xfrm>
+          <a:prstGeom prst="line">
+            <a:avLst/>
+          </a:prstGeom>
+          <a:ln w="12700">
+            <a:solidFill>
+              <a:srgbClr val="000000"/>
+            </a:solidFill>
+            <a:headEnd type="none" w="med" len="med"/>
+            <a:tailEnd type="none" w="med" len="med"/>
+          </a:ln>
+        </p:spPr>
+        <p:style>
+          <a:lnRef idx="1">
+            <a:schemeClr val="accent1"/>
+          </a:lnRef>
+          <a:fillRef idx="0">
+            <a:schemeClr val="accent1"/>
+          </a:fillRef>
+          <a:effectRef idx="0">
+            <a:schemeClr val="accent1"/>
+          </a:effectRef>
+          <a:fontRef idx="minor">
+            <a:schemeClr val="tx1"/>
+          </a:fontRef>
+        </p:style>
+      </p:cxnSp>
+      <p:cxnSp>
+        <p:nvCxnSpPr>
+          <p:cNvPr id="278" name="Straight Connector 277"/>
+          <p:cNvCxnSpPr/>
+          <p:nvPr/>
+        </p:nvCxnSpPr>
+        <p:spPr>
+          <a:xfrm flipV="1">
+            <a:off x="11430000" y="2514600"/>
+            <a:ext cx="152400" cy="152400"/>
+          </a:xfrm>
+          <a:prstGeom prst="line">
+            <a:avLst/>
+          </a:prstGeom>
+          <a:ln w="12700">
+            <a:solidFill>
+              <a:srgbClr val="000000"/>
+            </a:solidFill>
+            <a:headEnd type="none" w="med" len="med"/>
+            <a:tailEnd type="none" w="med" len="med"/>
+          </a:ln>
+        </p:spPr>
+        <p:style>
+          <a:lnRef idx="1">
+            <a:schemeClr val="accent1"/>
+          </a:lnRef>
+          <a:fillRef idx="0">
+            <a:schemeClr val="accent1"/>
+          </a:fillRef>
+          <a:effectRef idx="0">
+            <a:schemeClr val="accent1"/>
+          </a:effectRef>
+          <a:fontRef idx="minor">
+            <a:schemeClr val="tx1"/>
+          </a:fontRef>
+        </p:style>
+      </p:cxnSp>
+      <p:sp>
+        <p:nvSpPr>
+          <p:cNvPr id="279" name="Rectangle 278"/>
+          <p:cNvSpPr/>
+          <p:nvPr/>
+        </p:nvSpPr>
+        <p:spPr>
+          <a:xfrm>
+            <a:off x="11430000" y="2438400"/>
+            <a:ext cx="152400" cy="76200"/>
+          </a:xfrm>
+          <a:prstGeom prst="rect">
+            <a:avLst/>
+          </a:prstGeom>
+          <a:noFill/>
+          <a:ln>
+            <a:noFill/>
+          </a:ln>
+        </p:spPr>
+        <p:style>
+          <a:lnRef idx="2">
+            <a:schemeClr val="accent1">
+              <a:shade val="50000"/>
+            </a:schemeClr>
+          </a:lnRef>
+          <a:fillRef idx="1">
+            <a:schemeClr val="accent1"/>
+          </a:fillRef>
+          <a:effectRef idx="0">
+            <a:schemeClr val="accent1"/>
+          </a:effectRef>
+          <a:fontRef idx="minor">
+            <a:schemeClr val="lt1"/>
+          </a:fontRef>
+        </p:style>
+        <p:txBody>
+          <a:bodyPr wrap="none" lIns="45720" rIns="45720" rtlCol="0" anchor="ctr"/>
+          <a:lstStyle/>
+          <a:p>
+            <a:pPr algn="ctr"/>
+            <a:r>
+              <a:rPr lang="en-US" sz="900" dirty="0">
+                <a:solidFill>
+                  <a:srgbClr val="000000"/>
+                </a:solidFill>
+                <a:latin typeface="Courier New" panose="02070309020205020404" pitchFamily="49" charset="0"/>
+                <a:cs typeface="Courier New" panose="02070309020205020404" pitchFamily="49" charset="0"/>
+              </a:rPr>
+              <a:t>2</a:t>
+            </a:r>
+          </a:p>
+        </p:txBody>
+      </p:sp>
+      <p:cxnSp>
+        <p:nvCxnSpPr>
+          <p:cNvPr id="281" name="Straight Connector 280"/>
+          <p:cNvCxnSpPr/>
+          <p:nvPr/>
+        </p:nvCxnSpPr>
+        <p:spPr>
+          <a:xfrm>
+            <a:off x="10820400" y="2819400"/>
+            <a:ext cx="0" cy="533400"/>
+          </a:xfrm>
+          <a:prstGeom prst="line">
+            <a:avLst/>
+          </a:prstGeom>
+          <a:ln w="12700">
+            <a:solidFill>
+              <a:srgbClr val="000000"/>
+            </a:solidFill>
+            <a:headEnd type="none" w="med" len="med"/>
+            <a:tailEnd type="none" w="med" len="med"/>
+          </a:ln>
+        </p:spPr>
+        <p:style>
+          <a:lnRef idx="1">
+            <a:schemeClr val="accent1"/>
+          </a:lnRef>
+          <a:fillRef idx="0">
+            <a:schemeClr val="accent1"/>
+          </a:fillRef>
+          <a:effectRef idx="0">
+            <a:schemeClr val="accent1"/>
+          </a:effectRef>
+          <a:fontRef idx="minor">
+            <a:schemeClr val="tx1"/>
+          </a:fontRef>
+        </p:style>
+      </p:cxnSp>
+      <p:cxnSp>
+        <p:nvCxnSpPr>
+          <p:cNvPr id="283" name="Straight Connector 282"/>
+          <p:cNvCxnSpPr/>
+          <p:nvPr/>
+        </p:nvCxnSpPr>
+        <p:spPr>
+          <a:xfrm>
+            <a:off x="10820400" y="3352800"/>
+            <a:ext cx="685800" cy="0"/>
+          </a:xfrm>
+          <a:prstGeom prst="line">
+            <a:avLst/>
+          </a:prstGeom>
+          <a:ln w="12700">
+            <a:solidFill>
+              <a:srgbClr val="000000"/>
+            </a:solidFill>
+            <a:headEnd type="none" w="med" len="med"/>
+            <a:tailEnd type="triangle" w="med" len="med"/>
+          </a:ln>
+        </p:spPr>
+        <p:style>
+          <a:lnRef idx="1">
+            <a:schemeClr val="accent1"/>
+          </a:lnRef>
+          <a:fillRef idx="0">
+            <a:schemeClr val="accent1"/>
+          </a:fillRef>
+          <a:effectRef idx="0">
+            <a:schemeClr val="accent1"/>
+          </a:effectRef>
+          <a:fontRef idx="minor">
+            <a:schemeClr val="tx1"/>
+          </a:fontRef>
+        </p:style>
+      </p:cxnSp>
+      <p:cxnSp>
+        <p:nvCxnSpPr>
+          <p:cNvPr id="285" name="Straight Connector 284"/>
+          <p:cNvCxnSpPr/>
+          <p:nvPr/>
+        </p:nvCxnSpPr>
+        <p:spPr>
+          <a:xfrm flipV="1">
+            <a:off x="11125200" y="3429000"/>
+            <a:ext cx="0" cy="152400"/>
+          </a:xfrm>
+          <a:prstGeom prst="line">
+            <a:avLst/>
+          </a:prstGeom>
+          <a:ln w="12700">
+            <a:solidFill>
+              <a:srgbClr val="000000"/>
+            </a:solidFill>
+            <a:headEnd type="none" w="med" len="med"/>
+            <a:tailEnd type="none" w="med" len="med"/>
+          </a:ln>
+        </p:spPr>
+        <p:style>
+          <a:lnRef idx="1">
+            <a:schemeClr val="accent1"/>
+          </a:lnRef>
+          <a:fillRef idx="0">
+            <a:schemeClr val="accent1"/>
+          </a:fillRef>
+          <a:effectRef idx="0">
+            <a:schemeClr val="accent1"/>
+          </a:effectRef>
+          <a:fontRef idx="minor">
+            <a:schemeClr val="tx1"/>
+          </a:fontRef>
+        </p:style>
+      </p:cxnSp>
+      <p:cxnSp>
+        <p:nvCxnSpPr>
+          <p:cNvPr id="287" name="Straight Connector 286"/>
+          <p:cNvCxnSpPr/>
+          <p:nvPr/>
+        </p:nvCxnSpPr>
+        <p:spPr>
+          <a:xfrm flipV="1">
+            <a:off x="11125200" y="3352800"/>
+            <a:ext cx="76200" cy="76200"/>
+          </a:xfrm>
+          <a:prstGeom prst="line">
+            <a:avLst/>
+          </a:prstGeom>
+          <a:ln w="12700">
+            <a:solidFill>
+              <a:srgbClr val="000000"/>
+            </a:solidFill>
+            <a:headEnd type="none" w="med" len="med"/>
+            <a:tailEnd type="none" w="med" len="med"/>
+          </a:ln>
+        </p:spPr>
+        <p:style>
+          <a:lnRef idx="1">
+            <a:schemeClr val="accent1"/>
+          </a:lnRef>
+          <a:fillRef idx="0">
+            <a:schemeClr val="accent1"/>
+          </a:fillRef>
+          <a:effectRef idx="0">
+            <a:schemeClr val="accent1"/>
+          </a:effectRef>
+          <a:fontRef idx="minor">
+            <a:schemeClr val="tx1"/>
+          </a:fontRef>
+        </p:style>
+      </p:cxnSp>
+      <p:cxnSp>
+        <p:nvCxnSpPr>
+          <p:cNvPr id="289" name="Straight Connector 288"/>
+          <p:cNvCxnSpPr/>
+          <p:nvPr/>
+        </p:nvCxnSpPr>
+        <p:spPr>
+          <a:xfrm flipV="1">
+            <a:off x="11430000" y="2743200"/>
+            <a:ext cx="152400" cy="152400"/>
+          </a:xfrm>
+          <a:prstGeom prst="line">
+            <a:avLst/>
+          </a:prstGeom>
+          <a:ln w="12700">
+            <a:solidFill>
+              <a:srgbClr val="000000"/>
+            </a:solidFill>
+            <a:headEnd type="none" w="med" len="med"/>
+            <a:tailEnd type="none" w="med" len="med"/>
+          </a:ln>
+        </p:spPr>
+        <p:style>
+          <a:lnRef idx="1">
+            <a:schemeClr val="accent1"/>
+          </a:lnRef>
+          <a:fillRef idx="0">
+            <a:schemeClr val="accent1"/>
+          </a:fillRef>
+          <a:effectRef idx="0">
+            <a:schemeClr val="accent1"/>
+          </a:effectRef>
+          <a:fontRef idx="minor">
+            <a:schemeClr val="tx1"/>
+          </a:fontRef>
+        </p:style>
+      </p:cxnSp>
+      <p:sp>
+        <p:nvSpPr>
+          <p:cNvPr id="290" name="Rectangle 289"/>
+          <p:cNvSpPr/>
+          <p:nvPr/>
+        </p:nvSpPr>
+        <p:spPr>
+          <a:xfrm>
+            <a:off x="11430000" y="2667000"/>
+            <a:ext cx="152400" cy="76200"/>
+          </a:xfrm>
+          <a:prstGeom prst="rect">
+            <a:avLst/>
+          </a:prstGeom>
+          <a:noFill/>
+          <a:ln>
+            <a:noFill/>
+          </a:ln>
+        </p:spPr>
+        <p:style>
+          <a:lnRef idx="2">
+            <a:schemeClr val="accent1">
+              <a:shade val="50000"/>
+            </a:schemeClr>
+          </a:lnRef>
+          <a:fillRef idx="1">
+            <a:schemeClr val="accent1"/>
+          </a:fillRef>
+          <a:effectRef idx="0">
+            <a:schemeClr val="accent1"/>
+          </a:effectRef>
+          <a:fontRef idx="minor">
+            <a:schemeClr val="lt1"/>
+          </a:fontRef>
+        </p:style>
+        <p:txBody>
+          <a:bodyPr wrap="none" lIns="45720" rIns="45720" rtlCol="0" anchor="ctr"/>
+          <a:lstStyle/>
+          <a:p>
+            <a:pPr algn="ctr"/>
+            <a:r>
+              <a:rPr lang="en-US" sz="900" dirty="0" smtClean="0">
+                <a:solidFill>
+                  <a:srgbClr val="000000"/>
+                </a:solidFill>
+                <a:latin typeface="Courier New" panose="02070309020205020404" pitchFamily="49" charset="0"/>
+                <a:cs typeface="Courier New" panose="02070309020205020404" pitchFamily="49" charset="0"/>
+              </a:rPr>
+              <a:t>62</a:t>
+            </a:r>
             <a:endParaRPr lang="en-US" sz="900" dirty="0">
               <a:solidFill>
                 <a:srgbClr val="000000"/>
@@ -8812,101 +10957,13 @@
       </p:sp>
       <p:sp>
         <p:nvSpPr>
-          <p:cNvPr id="210" name="Pentagon 209"/>
+          <p:cNvPr id="292" name="Rectangle 291"/>
           <p:cNvSpPr/>
           <p:nvPr/>
         </p:nvSpPr>
         <p:spPr>
           <a:xfrm>
-            <a:off x="533400" y="7162796"/>
-            <a:ext cx="228600" cy="152400"/>
-          </a:xfrm>
-          <a:prstGeom prst="homePlate">
-            <a:avLst/>
-          </a:prstGeom>
-          <a:noFill/>
-          <a:ln w="12700">
-            <a:solidFill>
-              <a:schemeClr val="tx1"/>
-            </a:solidFill>
-          </a:ln>
-        </p:spPr>
-        <p:style>
-          <a:lnRef idx="2">
-            <a:schemeClr val="accent1">
-              <a:shade val="50000"/>
-            </a:schemeClr>
-          </a:lnRef>
-          <a:fillRef idx="1">
-            <a:schemeClr val="accent1"/>
-          </a:fillRef>
-          <a:effectRef idx="0">
-            <a:schemeClr val="accent1"/>
-          </a:effectRef>
-          <a:fontRef idx="minor">
-            <a:schemeClr val="lt1"/>
-          </a:fontRef>
-        </p:style>
-        <p:txBody>
-          <a:bodyPr rot="0" spcFirstLastPara="0" vertOverflow="overflow" horzOverflow="overflow" vert="horz" wrap="square" lIns="91440" tIns="45720" rIns="91440" bIns="45720" numCol="1" spcCol="0" rtlCol="0" fromWordArt="0" anchor="ctr" anchorCtr="0" forceAA="0" compatLnSpc="1">
-            <a:prstTxWarp prst="textNoShape">
-              <a:avLst/>
-            </a:prstTxWarp>
-            <a:noAutofit/>
-          </a:bodyPr>
-          <a:lstStyle/>
-          <a:p>
-            <a:pPr algn="ctr"/>
-            <a:endParaRPr lang="en-US" sz="3730"/>
-          </a:p>
-        </p:txBody>
-      </p:sp>
-      <p:cxnSp>
-        <p:nvCxnSpPr>
-          <p:cNvPr id="211" name="Straight Connector 210"/>
-          <p:cNvCxnSpPr/>
-          <p:nvPr/>
-        </p:nvCxnSpPr>
-        <p:spPr>
-          <a:xfrm flipV="1">
-            <a:off x="4800600" y="6324596"/>
-            <a:ext cx="609600" cy="4"/>
-          </a:xfrm>
-          <a:prstGeom prst="line">
-            <a:avLst/>
-          </a:prstGeom>
-          <a:ln w="12700">
-            <a:solidFill>
-              <a:srgbClr val="000000"/>
-            </a:solidFill>
-            <a:headEnd type="none" w="med" len="med"/>
-            <a:tailEnd type="triangle" w="med" len="med"/>
-          </a:ln>
-        </p:spPr>
-        <p:style>
-          <a:lnRef idx="1">
-            <a:schemeClr val="accent1"/>
-          </a:lnRef>
-          <a:fillRef idx="0">
-            <a:schemeClr val="accent1"/>
-          </a:fillRef>
-          <a:effectRef idx="0">
-            <a:schemeClr val="accent1"/>
-          </a:effectRef>
-          <a:fontRef idx="minor">
-            <a:schemeClr val="tx1"/>
-          </a:fontRef>
-        </p:style>
-      </p:cxnSp>
-      <p:sp>
-        <p:nvSpPr>
-          <p:cNvPr id="212" name="Rectangle 211"/>
-          <p:cNvSpPr/>
-          <p:nvPr/>
-        </p:nvSpPr>
-        <p:spPr>
-          <a:xfrm>
-            <a:off x="1143000" y="7086596"/>
+            <a:off x="12115800" y="3200400"/>
             <a:ext cx="457200" cy="152400"/>
           </a:xfrm>
           <a:prstGeom prst="rect">
@@ -8945,7 +11002,266 @@
                 <a:latin typeface="Courier New" panose="02070309020205020404" pitchFamily="49" charset="0"/>
                 <a:cs typeface="Courier New" panose="02070309020205020404" pitchFamily="49" charset="0"/>
               </a:rPr>
-              <a:t>CLK_DIV</a:t>
+              <a:t>shift</a:t>
+            </a:r>
+          </a:p>
+        </p:txBody>
+      </p:sp>
+      <p:sp>
+        <p:nvSpPr>
+          <p:cNvPr id="293" name="Rectangle 292"/>
+          <p:cNvSpPr/>
+          <p:nvPr/>
+        </p:nvSpPr>
+        <p:spPr>
+          <a:xfrm>
+            <a:off x="13639799" y="3276608"/>
+            <a:ext cx="304800" cy="457192"/>
+          </a:xfrm>
+          <a:prstGeom prst="rect">
+            <a:avLst/>
+          </a:prstGeom>
+          <a:noFill/>
+          <a:ln w="12700">
+            <a:solidFill>
+              <a:srgbClr val="000000"/>
+            </a:solidFill>
+          </a:ln>
+        </p:spPr>
+        <p:style>
+          <a:lnRef idx="2">
+            <a:schemeClr val="accent1">
+              <a:shade val="50000"/>
+            </a:schemeClr>
+          </a:lnRef>
+          <a:fillRef idx="1">
+            <a:schemeClr val="accent1"/>
+          </a:fillRef>
+          <a:effectRef idx="0">
+            <a:schemeClr val="accent1"/>
+          </a:effectRef>
+          <a:fontRef idx="minor">
+            <a:schemeClr val="lt1"/>
+          </a:fontRef>
+        </p:style>
+        <p:txBody>
+          <a:bodyPr rtlCol="0" anchor="ctr"/>
+          <a:lstStyle/>
+          <a:p>
+            <a:pPr algn="ctr"/>
+            <a:endParaRPr lang="en-US" sz="3730"/>
+          </a:p>
+        </p:txBody>
+      </p:sp>
+      <p:cxnSp>
+        <p:nvCxnSpPr>
+          <p:cNvPr id="294" name="Straight Connector 293"/>
+          <p:cNvCxnSpPr/>
+          <p:nvPr/>
+        </p:nvCxnSpPr>
+        <p:spPr>
+          <a:xfrm flipV="1">
+            <a:off x="13716000" y="3657600"/>
+            <a:ext cx="76200" cy="76200"/>
+          </a:xfrm>
+          <a:prstGeom prst="line">
+            <a:avLst/>
+          </a:prstGeom>
+          <a:ln w="12700">
+            <a:solidFill>
+              <a:srgbClr val="000000"/>
+            </a:solidFill>
+          </a:ln>
+        </p:spPr>
+        <p:style>
+          <a:lnRef idx="1">
+            <a:schemeClr val="accent1"/>
+          </a:lnRef>
+          <a:fillRef idx="0">
+            <a:schemeClr val="accent1"/>
+          </a:fillRef>
+          <a:effectRef idx="0">
+            <a:schemeClr val="accent1"/>
+          </a:effectRef>
+          <a:fontRef idx="minor">
+            <a:schemeClr val="tx1"/>
+          </a:fontRef>
+        </p:style>
+      </p:cxnSp>
+      <p:cxnSp>
+        <p:nvCxnSpPr>
+          <p:cNvPr id="295" name="Straight Connector 294"/>
+          <p:cNvCxnSpPr/>
+          <p:nvPr/>
+        </p:nvCxnSpPr>
+        <p:spPr>
+          <a:xfrm flipH="1" flipV="1">
+            <a:off x="13792200" y="3657600"/>
+            <a:ext cx="76200" cy="76200"/>
+          </a:xfrm>
+          <a:prstGeom prst="line">
+            <a:avLst/>
+          </a:prstGeom>
+          <a:ln w="12700">
+            <a:solidFill>
+              <a:srgbClr val="000000"/>
+            </a:solidFill>
+          </a:ln>
+        </p:spPr>
+        <p:style>
+          <a:lnRef idx="1">
+            <a:schemeClr val="accent1"/>
+          </a:lnRef>
+          <a:fillRef idx="0">
+            <a:schemeClr val="accent1"/>
+          </a:fillRef>
+          <a:effectRef idx="0">
+            <a:schemeClr val="accent1"/>
+          </a:effectRef>
+          <a:fontRef idx="minor">
+            <a:schemeClr val="tx1"/>
+          </a:fontRef>
+        </p:style>
+      </p:cxnSp>
+      <p:sp>
+        <p:nvSpPr>
+          <p:cNvPr id="296" name="Rectangle 295"/>
+          <p:cNvSpPr/>
+          <p:nvPr/>
+        </p:nvSpPr>
+        <p:spPr>
+          <a:xfrm>
+            <a:off x="13715999" y="3276564"/>
+            <a:ext cx="152400" cy="152400"/>
+          </a:xfrm>
+          <a:prstGeom prst="rect">
+            <a:avLst/>
+          </a:prstGeom>
+          <a:noFill/>
+          <a:ln>
+            <a:noFill/>
+          </a:ln>
+        </p:spPr>
+        <p:style>
+          <a:lnRef idx="2">
+            <a:schemeClr val="accent1">
+              <a:shade val="50000"/>
+            </a:schemeClr>
+          </a:lnRef>
+          <a:fillRef idx="1">
+            <a:schemeClr val="accent1"/>
+          </a:fillRef>
+          <a:effectRef idx="0">
+            <a:schemeClr val="accent1"/>
+          </a:effectRef>
+          <a:fontRef idx="minor">
+            <a:schemeClr val="lt1"/>
+          </a:fontRef>
+        </p:style>
+        <p:txBody>
+          <a:bodyPr wrap="none" lIns="45720" rIns="45720" rtlCol="0" anchor="ctr"/>
+          <a:lstStyle/>
+          <a:p>
+            <a:pPr algn="ctr"/>
+            <a:r>
+              <a:rPr lang="en-US" sz="900" dirty="0">
+                <a:solidFill>
+                  <a:srgbClr val="000000"/>
+                </a:solidFill>
+                <a:latin typeface="Courier New" panose="02070309020205020404" pitchFamily="49" charset="0"/>
+                <a:cs typeface="Courier New" panose="02070309020205020404" pitchFamily="49" charset="0"/>
+              </a:rPr>
+              <a:t>R</a:t>
+            </a:r>
+          </a:p>
+        </p:txBody>
+      </p:sp>
+      <p:cxnSp>
+        <p:nvCxnSpPr>
+          <p:cNvPr id="297" name="Straight Connector 296"/>
+          <p:cNvCxnSpPr/>
+          <p:nvPr/>
+        </p:nvCxnSpPr>
+        <p:spPr>
+          <a:xfrm flipV="1">
+            <a:off x="14020799" y="3276604"/>
+            <a:ext cx="152400" cy="152404"/>
+          </a:xfrm>
+          <a:prstGeom prst="line">
+            <a:avLst/>
+          </a:prstGeom>
+          <a:ln w="12700">
+            <a:solidFill>
+              <a:srgbClr val="000000"/>
+            </a:solidFill>
+            <a:headEnd type="none" w="med" len="med"/>
+            <a:tailEnd type="none" w="med" len="med"/>
+          </a:ln>
+        </p:spPr>
+        <p:style>
+          <a:lnRef idx="1">
+            <a:schemeClr val="accent1"/>
+          </a:lnRef>
+          <a:fillRef idx="0">
+            <a:schemeClr val="accent1"/>
+          </a:fillRef>
+          <a:effectRef idx="0">
+            <a:schemeClr val="accent1"/>
+          </a:effectRef>
+          <a:fontRef idx="minor">
+            <a:schemeClr val="tx1"/>
+          </a:fontRef>
+        </p:style>
+      </p:cxnSp>
+      <p:sp>
+        <p:nvSpPr>
+          <p:cNvPr id="298" name="Rectangle 297"/>
+          <p:cNvSpPr/>
+          <p:nvPr/>
+        </p:nvSpPr>
+        <p:spPr>
+          <a:xfrm>
+            <a:off x="14020800" y="3200404"/>
+            <a:ext cx="152400" cy="76200"/>
+          </a:xfrm>
+          <a:prstGeom prst="rect">
+            <a:avLst/>
+          </a:prstGeom>
+          <a:noFill/>
+          <a:ln>
+            <a:noFill/>
+          </a:ln>
+        </p:spPr>
+        <p:style>
+          <a:lnRef idx="2">
+            <a:schemeClr val="accent1">
+              <a:shade val="50000"/>
+            </a:schemeClr>
+          </a:lnRef>
+          <a:fillRef idx="1">
+            <a:schemeClr val="accent1"/>
+          </a:fillRef>
+          <a:effectRef idx="0">
+            <a:schemeClr val="accent1"/>
+          </a:effectRef>
+          <a:fontRef idx="minor">
+            <a:schemeClr val="lt1"/>
+          </a:fontRef>
+        </p:style>
+        <p:txBody>
+          <a:bodyPr wrap="none" lIns="45720" rIns="45720" rtlCol="0" anchor="ctr"/>
+          <a:lstStyle/>
+          <a:p>
+            <a:pPr algn="ctr"/>
+            <a:r>
+              <a:rPr lang="en-US" sz="900" dirty="0" smtClean="0">
+                <a:solidFill>
+                  <a:srgbClr val="000000"/>
+                </a:solidFill>
+                <a:latin typeface="Courier New" panose="02070309020205020404" pitchFamily="49" charset="0"/>
+                <a:cs typeface="Courier New" panose="02070309020205020404" pitchFamily="49" charset="0"/>
+              </a:rPr>
+              <a:t>64</a:t>
             </a:r>
             <a:endParaRPr lang="en-US" sz="900" dirty="0">
               <a:solidFill>
@@ -8959,13 +11275,13 @@
       </p:sp>
       <p:sp>
         <p:nvSpPr>
-          <p:cNvPr id="213" name="Rectangle 212"/>
+          <p:cNvPr id="300" name="Rectangle 299"/>
           <p:cNvSpPr/>
           <p:nvPr/>
         </p:nvSpPr>
         <p:spPr>
           <a:xfrm>
-            <a:off x="5410200" y="4953000"/>
+            <a:off x="13639799" y="3505200"/>
             <a:ext cx="304800" cy="152400"/>
           </a:xfrm>
           <a:prstGeom prst="rect">
@@ -9004,7 +11320,244 @@
                 <a:latin typeface="Courier New" panose="02070309020205020404" pitchFamily="49" charset="0"/>
                 <a:cs typeface="Courier New" panose="02070309020205020404" pitchFamily="49" charset="0"/>
               </a:rPr>
-              <a:t>INC</a:t>
+              <a:t>EN</a:t>
+            </a:r>
+          </a:p>
+        </p:txBody>
+      </p:sp>
+      <p:cxnSp>
+        <p:nvCxnSpPr>
+          <p:cNvPr id="301" name="Straight Connector 300"/>
+          <p:cNvCxnSpPr/>
+          <p:nvPr/>
+        </p:nvCxnSpPr>
+        <p:spPr>
+          <a:xfrm>
+            <a:off x="11811000" y="3352800"/>
+            <a:ext cx="1828800" cy="0"/>
+          </a:xfrm>
+          <a:prstGeom prst="line">
+            <a:avLst/>
+          </a:prstGeom>
+          <a:ln w="12700">
+            <a:solidFill>
+              <a:srgbClr val="000000"/>
+            </a:solidFill>
+            <a:headEnd type="none" w="med" len="med"/>
+            <a:tailEnd type="triangle" w="med" len="med"/>
+          </a:ln>
+        </p:spPr>
+        <p:style>
+          <a:lnRef idx="1">
+            <a:schemeClr val="accent1"/>
+          </a:lnRef>
+          <a:fillRef idx="0">
+            <a:schemeClr val="accent1"/>
+          </a:fillRef>
+          <a:effectRef idx="0">
+            <a:schemeClr val="accent1"/>
+          </a:effectRef>
+          <a:fontRef idx="minor">
+            <a:schemeClr val="tx1"/>
+          </a:fontRef>
+        </p:style>
+      </p:cxnSp>
+      <p:cxnSp>
+        <p:nvCxnSpPr>
+          <p:cNvPr id="303" name="Straight Connector 302"/>
+          <p:cNvCxnSpPr/>
+          <p:nvPr/>
+        </p:nvCxnSpPr>
+        <p:spPr>
+          <a:xfrm flipV="1">
+            <a:off x="7848600" y="4343400"/>
+            <a:ext cx="0" cy="3657600"/>
+          </a:xfrm>
+          <a:prstGeom prst="line">
+            <a:avLst/>
+          </a:prstGeom>
+          <a:ln w="12700">
+            <a:solidFill>
+              <a:srgbClr val="000000"/>
+            </a:solidFill>
+            <a:headEnd type="oval" w="med" len="med"/>
+            <a:tailEnd type="none" w="med" len="med"/>
+          </a:ln>
+        </p:spPr>
+        <p:style>
+          <a:lnRef idx="1">
+            <a:schemeClr val="accent1"/>
+          </a:lnRef>
+          <a:fillRef idx="0">
+            <a:schemeClr val="accent1"/>
+          </a:fillRef>
+          <a:effectRef idx="0">
+            <a:schemeClr val="accent1"/>
+          </a:effectRef>
+          <a:fontRef idx="minor">
+            <a:schemeClr val="tx1"/>
+          </a:fontRef>
+        </p:style>
+      </p:cxnSp>
+      <p:cxnSp>
+        <p:nvCxnSpPr>
+          <p:cNvPr id="309" name="Straight Connector 308"/>
+          <p:cNvCxnSpPr/>
+          <p:nvPr/>
+        </p:nvCxnSpPr>
+        <p:spPr>
+          <a:xfrm>
+            <a:off x="13335000" y="3581400"/>
+            <a:ext cx="304800" cy="0"/>
+          </a:xfrm>
+          <a:prstGeom prst="line">
+            <a:avLst/>
+          </a:prstGeom>
+          <a:ln w="12700">
+            <a:solidFill>
+              <a:srgbClr val="000000"/>
+            </a:solidFill>
+            <a:headEnd type="none" w="med" len="med"/>
+            <a:tailEnd type="none" w="med" len="med"/>
+          </a:ln>
+        </p:spPr>
+        <p:style>
+          <a:lnRef idx="1">
+            <a:schemeClr val="accent1"/>
+          </a:lnRef>
+          <a:fillRef idx="0">
+            <a:schemeClr val="accent1"/>
+          </a:fillRef>
+          <a:effectRef idx="0">
+            <a:schemeClr val="accent1"/>
+          </a:effectRef>
+          <a:fontRef idx="minor">
+            <a:schemeClr val="tx1"/>
+          </a:fontRef>
+        </p:style>
+      </p:cxnSp>
+      <p:cxnSp>
+        <p:nvCxnSpPr>
+          <p:cNvPr id="313" name="Straight Connector 312"/>
+          <p:cNvCxnSpPr/>
+          <p:nvPr/>
+        </p:nvCxnSpPr>
+        <p:spPr>
+          <a:xfrm flipV="1">
+            <a:off x="13335000" y="3581400"/>
+            <a:ext cx="0" cy="3733800"/>
+          </a:xfrm>
+          <a:prstGeom prst="line">
+            <a:avLst/>
+          </a:prstGeom>
+          <a:ln w="12700">
+            <a:solidFill>
+              <a:srgbClr val="000000"/>
+            </a:solidFill>
+            <a:headEnd type="none" w="med" len="med"/>
+            <a:tailEnd type="none" w="med" len="med"/>
+          </a:ln>
+        </p:spPr>
+        <p:style>
+          <a:lnRef idx="1">
+            <a:schemeClr val="accent1"/>
+          </a:lnRef>
+          <a:fillRef idx="0">
+            <a:schemeClr val="accent1"/>
+          </a:fillRef>
+          <a:effectRef idx="0">
+            <a:schemeClr val="accent1"/>
+          </a:effectRef>
+          <a:fontRef idx="minor">
+            <a:schemeClr val="tx1"/>
+          </a:fontRef>
+        </p:style>
+      </p:cxnSp>
+      <p:cxnSp>
+        <p:nvCxnSpPr>
+          <p:cNvPr id="316" name="Straight Connector 315"/>
+          <p:cNvCxnSpPr/>
+          <p:nvPr/>
+        </p:nvCxnSpPr>
+        <p:spPr>
+          <a:xfrm flipV="1">
+            <a:off x="11658600" y="3581400"/>
+            <a:ext cx="0" cy="152400"/>
+          </a:xfrm>
+          <a:prstGeom prst="line">
+            <a:avLst/>
+          </a:prstGeom>
+          <a:ln w="12700">
+            <a:solidFill>
+              <a:srgbClr val="000000"/>
+            </a:solidFill>
+            <a:headEnd type="none" w="med" len="med"/>
+            <a:tailEnd type="none" w="med" len="med"/>
+          </a:ln>
+        </p:spPr>
+        <p:style>
+          <a:lnRef idx="1">
+            <a:schemeClr val="accent1"/>
+          </a:lnRef>
+          <a:fillRef idx="0">
+            <a:schemeClr val="accent1"/>
+          </a:fillRef>
+          <a:effectRef idx="0">
+            <a:schemeClr val="accent1"/>
+          </a:effectRef>
+          <a:fontRef idx="minor">
+            <a:schemeClr val="tx1"/>
+          </a:fontRef>
+        </p:style>
+      </p:cxnSp>
+      <p:sp>
+        <p:nvSpPr>
+          <p:cNvPr id="318" name="Rectangle 317"/>
+          <p:cNvSpPr/>
+          <p:nvPr/>
+        </p:nvSpPr>
+        <p:spPr>
+          <a:xfrm>
+            <a:off x="11658600" y="3657600"/>
+            <a:ext cx="457200" cy="152400"/>
+          </a:xfrm>
+          <a:prstGeom prst="rect">
+            <a:avLst/>
+          </a:prstGeom>
+          <a:noFill/>
+          <a:ln>
+            <a:noFill/>
+          </a:ln>
+        </p:spPr>
+        <p:style>
+          <a:lnRef idx="2">
+            <a:schemeClr val="accent1">
+              <a:shade val="50000"/>
+            </a:schemeClr>
+          </a:lnRef>
+          <a:fillRef idx="1">
+            <a:schemeClr val="accent1"/>
+          </a:fillRef>
+          <a:effectRef idx="0">
+            <a:schemeClr val="accent1"/>
+          </a:effectRef>
+          <a:fontRef idx="minor">
+            <a:schemeClr val="lt1"/>
+          </a:fontRef>
+        </p:style>
+        <p:txBody>
+          <a:bodyPr wrap="none" lIns="45720" rIns="45720" rtlCol="0" anchor="ctr"/>
+          <a:lstStyle/>
+          <a:p>
+            <a:r>
+              <a:rPr lang="en-US" sz="900" dirty="0" smtClean="0">
+                <a:solidFill>
+                  <a:srgbClr val="000000"/>
+                </a:solidFill>
+                <a:latin typeface="Courier New" panose="02070309020205020404" pitchFamily="49" charset="0"/>
+                <a:cs typeface="Courier New" panose="02070309020205020404" pitchFamily="49" charset="0"/>
+              </a:rPr>
+              <a:t>CLKS</a:t>
             </a:r>
             <a:endParaRPr lang="en-US" sz="900" dirty="0">
               <a:solidFill>
@@ -9018,14 +11571,16 @@
       </p:sp>
       <p:cxnSp>
         <p:nvCxnSpPr>
-          <p:cNvPr id="214" name="Straight Connector 213"/>
-          <p:cNvCxnSpPr/>
+          <p:cNvPr id="320" name="Straight Connector 319"/>
+          <p:cNvCxnSpPr>
+            <a:stCxn id="210" idx="3"/>
+          </p:cNvCxnSpPr>
           <p:nvPr/>
         </p:nvCxnSpPr>
         <p:spPr>
           <a:xfrm>
-            <a:off x="5105400" y="5029200"/>
-            <a:ext cx="304800" cy="0"/>
+            <a:off x="762000" y="7238996"/>
+            <a:ext cx="8305800" cy="0"/>
           </a:xfrm>
           <a:prstGeom prst="line">
             <a:avLst/>
@@ -9053,128 +11608,92 @@
           </a:fontRef>
         </p:style>
       </p:cxnSp>
-      <p:sp>
-        <p:nvSpPr>
-          <p:cNvPr id="215" name="Rectangle 214"/>
-          <p:cNvSpPr/>
-          <p:nvPr/>
-        </p:nvSpPr>
-        <p:spPr>
-          <a:xfrm>
-            <a:off x="4800600" y="4876800"/>
-            <a:ext cx="457200" cy="152400"/>
-          </a:xfrm>
-          <a:prstGeom prst="rect">
-            <a:avLst/>
-          </a:prstGeom>
-          <a:noFill/>
-          <a:ln>
-            <a:noFill/>
-          </a:ln>
-        </p:spPr>
-        <p:style>
-          <a:lnRef idx="2">
-            <a:schemeClr val="accent1">
-              <a:shade val="50000"/>
-            </a:schemeClr>
-          </a:lnRef>
-          <a:fillRef idx="1">
-            <a:schemeClr val="accent1"/>
-          </a:fillRef>
-          <a:effectRef idx="0">
-            <a:schemeClr val="accent1"/>
-          </a:effectRef>
-          <a:fontRef idx="minor">
-            <a:schemeClr val="lt1"/>
-          </a:fontRef>
-        </p:style>
-        <p:txBody>
-          <a:bodyPr wrap="none" lIns="45720" rIns="45720" rtlCol="0" anchor="ctr"/>
-          <a:lstStyle/>
-          <a:p>
-            <a:pPr algn="r"/>
-            <a:r>
-              <a:rPr lang="en-US" sz="900" dirty="0">
-                <a:solidFill>
-                  <a:srgbClr val="000000"/>
-                </a:solidFill>
-                <a:latin typeface="Courier New" panose="02070309020205020404" pitchFamily="49" charset="0"/>
-                <a:cs typeface="Courier New" panose="02070309020205020404" pitchFamily="49" charset="0"/>
-              </a:rPr>
-              <a:t>1’b0</a:t>
-            </a:r>
-          </a:p>
-        </p:txBody>
-      </p:sp>
-      <p:sp>
-        <p:nvSpPr>
-          <p:cNvPr id="216" name="Rectangle 215"/>
-          <p:cNvSpPr/>
-          <p:nvPr/>
-        </p:nvSpPr>
-        <p:spPr>
-          <a:xfrm>
-            <a:off x="5410200" y="5181600"/>
-            <a:ext cx="304800" cy="152400"/>
-          </a:xfrm>
-          <a:prstGeom prst="rect">
-            <a:avLst/>
-          </a:prstGeom>
-          <a:noFill/>
-          <a:ln>
-            <a:noFill/>
-          </a:ln>
-        </p:spPr>
-        <p:style>
-          <a:lnRef idx="2">
-            <a:schemeClr val="accent1">
-              <a:shade val="50000"/>
-            </a:schemeClr>
-          </a:lnRef>
-          <a:fillRef idx="1">
-            <a:schemeClr val="accent1"/>
-          </a:fillRef>
-          <a:effectRef idx="0">
-            <a:schemeClr val="accent1"/>
-          </a:effectRef>
-          <a:fontRef idx="minor">
-            <a:schemeClr val="lt1"/>
-          </a:fontRef>
-        </p:style>
-        <p:txBody>
-          <a:bodyPr wrap="none" lIns="45720" rIns="45720" rtlCol="0" anchor="ctr"/>
-          <a:lstStyle/>
-          <a:p>
-            <a:r>
-              <a:rPr lang="en-US" sz="900" dirty="0">
-                <a:solidFill>
-                  <a:srgbClr val="000000"/>
-                </a:solidFill>
-                <a:latin typeface="Courier New" panose="02070309020205020404" pitchFamily="49" charset="0"/>
-                <a:cs typeface="Courier New" panose="02070309020205020404" pitchFamily="49" charset="0"/>
-              </a:rPr>
-              <a:t>CE</a:t>
-            </a:r>
-            <a:endParaRPr lang="en-US" sz="900" dirty="0">
-              <a:solidFill>
-                <a:srgbClr val="000000"/>
-              </a:solidFill>
-              <a:latin typeface="Courier New" panose="02070309020205020404" pitchFamily="49" charset="0"/>
-              <a:cs typeface="Courier New" panose="02070309020205020404" pitchFamily="49" charset="0"/>
-            </a:endParaRPr>
-          </a:p>
-        </p:txBody>
-      </p:sp>
       <p:cxnSp>
         <p:nvCxnSpPr>
-          <p:cNvPr id="217" name="Straight Connector 216"/>
+          <p:cNvPr id="328" name="Straight Connector 327"/>
           <p:cNvCxnSpPr/>
           <p:nvPr/>
         </p:nvCxnSpPr>
         <p:spPr>
-          <a:xfrm>
-            <a:off x="5105400" y="5257800"/>
-            <a:ext cx="304800" cy="0"/>
+          <a:xfrm flipV="1">
+            <a:off x="4800600" y="6324600"/>
+            <a:ext cx="0" cy="914400"/>
+          </a:xfrm>
+          <a:prstGeom prst="line">
+            <a:avLst/>
+          </a:prstGeom>
+          <a:ln w="12700">
+            <a:solidFill>
+              <a:srgbClr val="000000"/>
+            </a:solidFill>
+            <a:headEnd type="oval" w="med" len="med"/>
+            <a:tailEnd type="none" w="med" len="med"/>
+          </a:ln>
+        </p:spPr>
+        <p:style>
+          <a:lnRef idx="1">
+            <a:schemeClr val="accent1"/>
+          </a:lnRef>
+          <a:fillRef idx="0">
+            <a:schemeClr val="accent1"/>
+          </a:fillRef>
+          <a:effectRef idx="0">
+            <a:schemeClr val="accent1"/>
+          </a:effectRef>
+          <a:fontRef idx="minor">
+            <a:schemeClr val="tx1"/>
+          </a:fontRef>
+        </p:style>
+      </p:cxnSp>
+      <p:cxnSp>
+        <p:nvCxnSpPr>
+          <p:cNvPr id="346" name="Straight Connector 345"/>
+          <p:cNvCxnSpPr/>
+          <p:nvPr/>
+        </p:nvCxnSpPr>
+        <p:spPr>
+          <a:xfrm flipV="1">
+            <a:off x="5105400" y="6553200"/>
+            <a:ext cx="0" cy="1752600"/>
+          </a:xfrm>
+          <a:prstGeom prst="line">
+            <a:avLst/>
+          </a:prstGeom>
+          <a:ln w="12700">
+            <a:solidFill>
+              <a:srgbClr val="000000"/>
+            </a:solidFill>
+            <a:headEnd type="oval" w="med" len="med"/>
+            <a:tailEnd type="none" w="med" len="med"/>
+          </a:ln>
+        </p:spPr>
+        <p:style>
+          <a:lnRef idx="1">
+            <a:schemeClr val="accent1"/>
+          </a:lnRef>
+          <a:fillRef idx="0">
+            <a:schemeClr val="accent1"/>
+          </a:fillRef>
+          <a:effectRef idx="0">
+            <a:schemeClr val="accent1"/>
+          </a:effectRef>
+          <a:fontRef idx="minor">
+            <a:schemeClr val="tx1"/>
+          </a:fontRef>
+        </p:style>
+      </p:cxnSp>
+      <p:cxnSp>
+        <p:nvCxnSpPr>
+          <p:cNvPr id="348" name="Straight Connector 347"/>
+          <p:cNvCxnSpPr>
+            <a:stCxn id="351" idx="3"/>
+          </p:cNvCxnSpPr>
+          <p:nvPr/>
+        </p:nvCxnSpPr>
+        <p:spPr>
+          <a:xfrm>
+            <a:off x="762000" y="8305796"/>
+            <a:ext cx="7696200" cy="0"/>
           </a:xfrm>
           <a:prstGeom prst="line">
             <a:avLst/>
@@ -9202,137 +11721,16 @@
           </a:fontRef>
         </p:style>
       </p:cxnSp>
-      <p:sp>
-        <p:nvSpPr>
-          <p:cNvPr id="218" name="Rectangle 217"/>
-          <p:cNvSpPr/>
-          <p:nvPr/>
-        </p:nvSpPr>
-        <p:spPr>
-          <a:xfrm>
-            <a:off x="4800600" y="5105400"/>
-            <a:ext cx="457200" cy="152400"/>
-          </a:xfrm>
-          <a:prstGeom prst="rect">
-            <a:avLst/>
-          </a:prstGeom>
-          <a:noFill/>
-          <a:ln>
-            <a:noFill/>
-          </a:ln>
-        </p:spPr>
-        <p:style>
-          <a:lnRef idx="2">
-            <a:schemeClr val="accent1">
-              <a:shade val="50000"/>
-            </a:schemeClr>
-          </a:lnRef>
-          <a:fillRef idx="1">
-            <a:schemeClr val="accent1"/>
-          </a:fillRef>
-          <a:effectRef idx="0">
-            <a:schemeClr val="accent1"/>
-          </a:effectRef>
-          <a:fontRef idx="minor">
-            <a:schemeClr val="lt1"/>
-          </a:fontRef>
-        </p:style>
-        <p:txBody>
-          <a:bodyPr wrap="none" lIns="45720" rIns="45720" rtlCol="0" anchor="ctr"/>
-          <a:lstStyle/>
-          <a:p>
-            <a:pPr algn="r"/>
-            <a:r>
-              <a:rPr lang="en-US" sz="900" dirty="0">
-                <a:solidFill>
-                  <a:srgbClr val="000000"/>
-                </a:solidFill>
-                <a:latin typeface="Courier New" panose="02070309020205020404" pitchFamily="49" charset="0"/>
-                <a:cs typeface="Courier New" panose="02070309020205020404" pitchFamily="49" charset="0"/>
-              </a:rPr>
-              <a:t>1’b1</a:t>
-            </a:r>
-            <a:endParaRPr lang="en-US" sz="900" dirty="0">
-              <a:solidFill>
-                <a:srgbClr val="000000"/>
-              </a:solidFill>
-              <a:latin typeface="Courier New" panose="02070309020205020404" pitchFamily="49" charset="0"/>
-              <a:cs typeface="Courier New" panose="02070309020205020404" pitchFamily="49" charset="0"/>
-            </a:endParaRPr>
-          </a:p>
-        </p:txBody>
-      </p:sp>
-      <p:sp>
-        <p:nvSpPr>
-          <p:cNvPr id="219" name="Rectangle 218"/>
-          <p:cNvSpPr/>
-          <p:nvPr/>
-        </p:nvSpPr>
-        <p:spPr>
-          <a:xfrm>
-            <a:off x="5410200" y="6477000"/>
-            <a:ext cx="304800" cy="152400"/>
-          </a:xfrm>
-          <a:prstGeom prst="rect">
-            <a:avLst/>
-          </a:prstGeom>
-          <a:noFill/>
-          <a:ln>
-            <a:noFill/>
-          </a:ln>
-        </p:spPr>
-        <p:style>
-          <a:lnRef idx="2">
-            <a:schemeClr val="accent1">
-              <a:shade val="50000"/>
-            </a:schemeClr>
-          </a:lnRef>
-          <a:fillRef idx="1">
-            <a:schemeClr val="accent1"/>
-          </a:fillRef>
-          <a:effectRef idx="0">
-            <a:schemeClr val="accent1"/>
-          </a:effectRef>
-          <a:fontRef idx="minor">
-            <a:schemeClr val="lt1"/>
-          </a:fontRef>
-        </p:style>
-        <p:txBody>
-          <a:bodyPr wrap="none" lIns="45720" rIns="45720" rtlCol="0" anchor="ctr"/>
-          <a:lstStyle/>
-          <a:p>
-            <a:r>
-              <a:rPr lang="en-US" sz="900" dirty="0">
-                <a:solidFill>
-                  <a:srgbClr val="000000"/>
-                </a:solidFill>
-                <a:latin typeface="Courier New" panose="02070309020205020404" pitchFamily="49" charset="0"/>
-                <a:cs typeface="Courier New" panose="02070309020205020404" pitchFamily="49" charset="0"/>
-              </a:rPr>
-              <a:t>RST</a:t>
-            </a:r>
-            <a:endParaRPr lang="en-US" sz="900" dirty="0">
-              <a:solidFill>
-                <a:srgbClr val="000000"/>
-              </a:solidFill>
-              <a:latin typeface="Courier New" panose="02070309020205020404" pitchFamily="49" charset="0"/>
-              <a:cs typeface="Courier New" panose="02070309020205020404" pitchFamily="49" charset="0"/>
-            </a:endParaRPr>
-          </a:p>
-        </p:txBody>
-      </p:sp>
       <p:cxnSp>
         <p:nvCxnSpPr>
-          <p:cNvPr id="220" name="Straight Connector 219"/>
-          <p:cNvCxnSpPr>
-            <a:endCxn id="353" idx="2"/>
-          </p:cNvCxnSpPr>
+          <p:cNvPr id="349" name="Straight Connector 348"/>
+          <p:cNvCxnSpPr/>
           <p:nvPr/>
         </p:nvCxnSpPr>
         <p:spPr>
-          <a:xfrm>
-            <a:off x="5105400" y="6553200"/>
-            <a:ext cx="152400" cy="0"/>
+          <a:xfrm flipV="1">
+            <a:off x="838200" y="8229596"/>
+            <a:ext cx="152400" cy="152404"/>
           </a:xfrm>
           <a:prstGeom prst="line">
             <a:avLst/>
@@ -9360,713 +11758,15 @@
           </a:fontRef>
         </p:style>
       </p:cxnSp>
-      <p:cxnSp>
-        <p:nvCxnSpPr>
-          <p:cNvPr id="222" name="Straight Connector 221"/>
-          <p:cNvCxnSpPr/>
-          <p:nvPr/>
-        </p:nvCxnSpPr>
-        <p:spPr>
-          <a:xfrm>
-            <a:off x="7239000" y="4800600"/>
-            <a:ext cx="304800" cy="0"/>
-          </a:xfrm>
-          <a:prstGeom prst="line">
-            <a:avLst/>
-          </a:prstGeom>
-          <a:ln w="12700">
-            <a:solidFill>
-              <a:srgbClr val="000000"/>
-            </a:solidFill>
-            <a:headEnd type="none" w="med" len="med"/>
-            <a:tailEnd type="none" w="med" len="med"/>
-          </a:ln>
-        </p:spPr>
-        <p:style>
-          <a:lnRef idx="1">
-            <a:schemeClr val="accent1"/>
-          </a:lnRef>
-          <a:fillRef idx="0">
-            <a:schemeClr val="accent1"/>
-          </a:fillRef>
-          <a:effectRef idx="0">
-            <a:schemeClr val="accent1"/>
-          </a:effectRef>
-          <a:fontRef idx="minor">
-            <a:schemeClr val="tx1"/>
-          </a:fontRef>
-        </p:style>
-      </p:cxnSp>
-      <p:cxnSp>
-        <p:nvCxnSpPr>
-          <p:cNvPr id="223" name="Straight Connector 222"/>
-          <p:cNvCxnSpPr/>
-          <p:nvPr/>
-        </p:nvCxnSpPr>
-        <p:spPr>
-          <a:xfrm flipV="1">
-            <a:off x="7467600" y="4724400"/>
-            <a:ext cx="152400" cy="152400"/>
-          </a:xfrm>
-          <a:prstGeom prst="line">
-            <a:avLst/>
-          </a:prstGeom>
-          <a:ln w="12700">
-            <a:solidFill>
-              <a:srgbClr val="000000"/>
-            </a:solidFill>
-            <a:headEnd type="none" w="med" len="med"/>
-            <a:tailEnd type="none" w="med" len="med"/>
-          </a:ln>
-        </p:spPr>
-        <p:style>
-          <a:lnRef idx="1">
-            <a:schemeClr val="accent1"/>
-          </a:lnRef>
-          <a:fillRef idx="0">
-            <a:schemeClr val="accent1"/>
-          </a:fillRef>
-          <a:effectRef idx="0">
-            <a:schemeClr val="accent1"/>
-          </a:effectRef>
-          <a:fontRef idx="minor">
-            <a:schemeClr val="tx1"/>
-          </a:fontRef>
-        </p:style>
-      </p:cxnSp>
-      <p:cxnSp>
-        <p:nvCxnSpPr>
-          <p:cNvPr id="224" name="Straight Connector 223"/>
-          <p:cNvCxnSpPr/>
-          <p:nvPr/>
-        </p:nvCxnSpPr>
-        <p:spPr>
-          <a:xfrm>
-            <a:off x="7467600" y="4724400"/>
-            <a:ext cx="152400" cy="152400"/>
-          </a:xfrm>
-          <a:prstGeom prst="line">
-            <a:avLst/>
-          </a:prstGeom>
-          <a:ln w="12700">
-            <a:solidFill>
-              <a:srgbClr val="000000"/>
-            </a:solidFill>
-            <a:headEnd type="none" w="med" len="med"/>
-            <a:tailEnd type="none" w="med" len="med"/>
-          </a:ln>
-        </p:spPr>
-        <p:style>
-          <a:lnRef idx="1">
-            <a:schemeClr val="accent1"/>
-          </a:lnRef>
-          <a:fillRef idx="0">
-            <a:schemeClr val="accent1"/>
-          </a:fillRef>
-          <a:effectRef idx="0">
-            <a:schemeClr val="accent1"/>
-          </a:effectRef>
-          <a:fontRef idx="minor">
-            <a:schemeClr val="tx1"/>
-          </a:fontRef>
-        </p:style>
-      </p:cxnSp>
-      <p:sp>
-        <p:nvSpPr>
-          <p:cNvPr id="225" name="Rectangle 224"/>
+      <p:sp>
+        <p:nvSpPr>
+          <p:cNvPr id="350" name="Rectangle 349"/>
           <p:cNvSpPr/>
           <p:nvPr/>
         </p:nvSpPr>
         <p:spPr>
           <a:xfrm>
-            <a:off x="6934200" y="4038600"/>
-            <a:ext cx="304800" cy="152400"/>
-          </a:xfrm>
-          <a:prstGeom prst="rect">
-            <a:avLst/>
-          </a:prstGeom>
-          <a:noFill/>
-          <a:ln>
-            <a:noFill/>
-          </a:ln>
-        </p:spPr>
-        <p:style>
-          <a:lnRef idx="2">
-            <a:schemeClr val="accent1">
-              <a:shade val="50000"/>
-            </a:schemeClr>
-          </a:lnRef>
-          <a:fillRef idx="1">
-            <a:schemeClr val="accent1"/>
-          </a:fillRef>
-          <a:effectRef idx="0">
-            <a:schemeClr val="accent1"/>
-          </a:effectRef>
-          <a:fontRef idx="minor">
-            <a:schemeClr val="lt1"/>
-          </a:fontRef>
-        </p:style>
-        <p:txBody>
-          <a:bodyPr wrap="none" lIns="45720" rIns="45720" rtlCol="0" anchor="ctr"/>
-          <a:lstStyle/>
-          <a:p>
-            <a:pPr algn="r"/>
-            <a:r>
-              <a:rPr lang="en-US" sz="900" dirty="0">
-                <a:solidFill>
-                  <a:srgbClr val="000000"/>
-                </a:solidFill>
-                <a:latin typeface="Courier New" panose="02070309020205020404" pitchFamily="49" charset="0"/>
-                <a:cs typeface="Courier New" panose="02070309020205020404" pitchFamily="49" charset="0"/>
-              </a:rPr>
-              <a:t>DATAOUT2</a:t>
-            </a:r>
-            <a:endParaRPr lang="en-US" sz="900" dirty="0">
-              <a:solidFill>
-                <a:srgbClr val="000000"/>
-              </a:solidFill>
-              <a:latin typeface="Courier New" panose="02070309020205020404" pitchFamily="49" charset="0"/>
-              <a:cs typeface="Courier New" panose="02070309020205020404" pitchFamily="49" charset="0"/>
-            </a:endParaRPr>
-          </a:p>
-        </p:txBody>
-      </p:sp>
-      <p:cxnSp>
-        <p:nvCxnSpPr>
-          <p:cNvPr id="226" name="Straight Connector 225"/>
-          <p:cNvCxnSpPr/>
-          <p:nvPr/>
-        </p:nvCxnSpPr>
-        <p:spPr>
-          <a:xfrm>
-            <a:off x="7239000" y="4114800"/>
-            <a:ext cx="304800" cy="0"/>
-          </a:xfrm>
-          <a:prstGeom prst="line">
-            <a:avLst/>
-          </a:prstGeom>
-          <a:ln w="12700">
-            <a:solidFill>
-              <a:srgbClr val="000000"/>
-            </a:solidFill>
-            <a:headEnd type="none" w="med" len="med"/>
-            <a:tailEnd type="none" w="med" len="med"/>
-          </a:ln>
-        </p:spPr>
-        <p:style>
-          <a:lnRef idx="1">
-            <a:schemeClr val="accent1"/>
-          </a:lnRef>
-          <a:fillRef idx="0">
-            <a:schemeClr val="accent1"/>
-          </a:fillRef>
-          <a:effectRef idx="0">
-            <a:schemeClr val="accent1"/>
-          </a:effectRef>
-          <a:fontRef idx="minor">
-            <a:schemeClr val="tx1"/>
-          </a:fontRef>
-        </p:style>
-      </p:cxnSp>
-      <p:cxnSp>
-        <p:nvCxnSpPr>
-          <p:cNvPr id="227" name="Straight Connector 226"/>
-          <p:cNvCxnSpPr/>
-          <p:nvPr/>
-        </p:nvCxnSpPr>
-        <p:spPr>
-          <a:xfrm flipV="1">
-            <a:off x="7467600" y="4038600"/>
-            <a:ext cx="152400" cy="152400"/>
-          </a:xfrm>
-          <a:prstGeom prst="line">
-            <a:avLst/>
-          </a:prstGeom>
-          <a:ln w="12700">
-            <a:solidFill>
-              <a:srgbClr val="000000"/>
-            </a:solidFill>
-            <a:headEnd type="none" w="med" len="med"/>
-            <a:tailEnd type="none" w="med" len="med"/>
-          </a:ln>
-        </p:spPr>
-        <p:style>
-          <a:lnRef idx="1">
-            <a:schemeClr val="accent1"/>
-          </a:lnRef>
-          <a:fillRef idx="0">
-            <a:schemeClr val="accent1"/>
-          </a:fillRef>
-          <a:effectRef idx="0">
-            <a:schemeClr val="accent1"/>
-          </a:effectRef>
-          <a:fontRef idx="minor">
-            <a:schemeClr val="tx1"/>
-          </a:fontRef>
-        </p:style>
-      </p:cxnSp>
-      <p:cxnSp>
-        <p:nvCxnSpPr>
-          <p:cNvPr id="228" name="Straight Connector 227"/>
-          <p:cNvCxnSpPr/>
-          <p:nvPr/>
-        </p:nvCxnSpPr>
-        <p:spPr>
-          <a:xfrm>
-            <a:off x="7467600" y="4038600"/>
-            <a:ext cx="152400" cy="152400"/>
-          </a:xfrm>
-          <a:prstGeom prst="line">
-            <a:avLst/>
-          </a:prstGeom>
-          <a:ln w="12700">
-            <a:solidFill>
-              <a:srgbClr val="000000"/>
-            </a:solidFill>
-            <a:headEnd type="none" w="med" len="med"/>
-            <a:tailEnd type="none" w="med" len="med"/>
-          </a:ln>
-        </p:spPr>
-        <p:style>
-          <a:lnRef idx="1">
-            <a:schemeClr val="accent1"/>
-          </a:lnRef>
-          <a:fillRef idx="0">
-            <a:schemeClr val="accent1"/>
-          </a:fillRef>
-          <a:effectRef idx="0">
-            <a:schemeClr val="accent1"/>
-          </a:effectRef>
-          <a:fontRef idx="minor">
-            <a:schemeClr val="tx1"/>
-          </a:fontRef>
-        </p:style>
-      </p:cxnSp>
-      <p:sp>
-        <p:nvSpPr>
-          <p:cNvPr id="229" name="Rectangle 228"/>
-          <p:cNvSpPr/>
-          <p:nvPr/>
-        </p:nvSpPr>
-        <p:spPr>
-          <a:xfrm>
-            <a:off x="6934200" y="4267200"/>
-            <a:ext cx="304800" cy="152400"/>
-          </a:xfrm>
-          <a:prstGeom prst="rect">
-            <a:avLst/>
-          </a:prstGeom>
-          <a:noFill/>
-          <a:ln>
-            <a:noFill/>
-          </a:ln>
-        </p:spPr>
-        <p:style>
-          <a:lnRef idx="2">
-            <a:schemeClr val="accent1">
-              <a:shade val="50000"/>
-            </a:schemeClr>
-          </a:lnRef>
-          <a:fillRef idx="1">
-            <a:schemeClr val="accent1"/>
-          </a:fillRef>
-          <a:effectRef idx="0">
-            <a:schemeClr val="accent1"/>
-          </a:effectRef>
-          <a:fontRef idx="minor">
-            <a:schemeClr val="lt1"/>
-          </a:fontRef>
-        </p:style>
-        <p:txBody>
-          <a:bodyPr wrap="none" lIns="45720" rIns="45720" rtlCol="0" anchor="ctr"/>
-          <a:lstStyle/>
-          <a:p>
-            <a:pPr algn="r"/>
-            <a:r>
-              <a:rPr lang="en-US" sz="900" dirty="0">
-                <a:solidFill>
-                  <a:srgbClr val="000000"/>
-                </a:solidFill>
-                <a:latin typeface="Courier New" panose="02070309020205020404" pitchFamily="49" charset="0"/>
-                <a:cs typeface="Courier New" panose="02070309020205020404" pitchFamily="49" charset="0"/>
-              </a:rPr>
-              <a:t>TOUT</a:t>
-            </a:r>
-            <a:endParaRPr lang="en-US" sz="900" dirty="0">
-              <a:solidFill>
-                <a:srgbClr val="000000"/>
-              </a:solidFill>
-              <a:latin typeface="Courier New" panose="02070309020205020404" pitchFamily="49" charset="0"/>
-              <a:cs typeface="Courier New" panose="02070309020205020404" pitchFamily="49" charset="0"/>
-            </a:endParaRPr>
-          </a:p>
-        </p:txBody>
-      </p:sp>
-      <p:sp>
-        <p:nvSpPr>
-          <p:cNvPr id="230" name="Rectangle 229"/>
-          <p:cNvSpPr/>
-          <p:nvPr/>
-        </p:nvSpPr>
-        <p:spPr>
-          <a:xfrm>
-            <a:off x="6934200" y="4495800"/>
-            <a:ext cx="304800" cy="152400"/>
-          </a:xfrm>
-          <a:prstGeom prst="rect">
-            <a:avLst/>
-          </a:prstGeom>
-          <a:noFill/>
-          <a:ln>
-            <a:noFill/>
-          </a:ln>
-        </p:spPr>
-        <p:style>
-          <a:lnRef idx="2">
-            <a:schemeClr val="accent1">
-              <a:shade val="50000"/>
-            </a:schemeClr>
-          </a:lnRef>
-          <a:fillRef idx="1">
-            <a:schemeClr val="accent1"/>
-          </a:fillRef>
-          <a:effectRef idx="0">
-            <a:schemeClr val="accent1"/>
-          </a:effectRef>
-          <a:fontRef idx="minor">
-            <a:schemeClr val="lt1"/>
-          </a:fontRef>
-        </p:style>
-        <p:txBody>
-          <a:bodyPr wrap="none" lIns="45720" rIns="45720" rtlCol="0" anchor="ctr"/>
-          <a:lstStyle/>
-          <a:p>
-            <a:pPr algn="r"/>
-            <a:r>
-              <a:rPr lang="en-US" sz="900" dirty="0">
-                <a:solidFill>
-                  <a:srgbClr val="000000"/>
-                </a:solidFill>
-                <a:latin typeface="Courier New" panose="02070309020205020404" pitchFamily="49" charset="0"/>
-                <a:cs typeface="Courier New" panose="02070309020205020404" pitchFamily="49" charset="0"/>
-              </a:rPr>
-              <a:t>DOUT</a:t>
-            </a:r>
-            <a:endParaRPr lang="en-US" sz="900" dirty="0">
-              <a:solidFill>
-                <a:srgbClr val="000000"/>
-              </a:solidFill>
-              <a:latin typeface="Courier New" panose="02070309020205020404" pitchFamily="49" charset="0"/>
-              <a:cs typeface="Courier New" panose="02070309020205020404" pitchFamily="49" charset="0"/>
-            </a:endParaRPr>
-          </a:p>
-        </p:txBody>
-      </p:sp>
-      <p:cxnSp>
-        <p:nvCxnSpPr>
-          <p:cNvPr id="231" name="Straight Connector 230"/>
-          <p:cNvCxnSpPr/>
-          <p:nvPr/>
-        </p:nvCxnSpPr>
-        <p:spPr>
-          <a:xfrm>
-            <a:off x="7239000" y="4343400"/>
-            <a:ext cx="304800" cy="0"/>
-          </a:xfrm>
-          <a:prstGeom prst="line">
-            <a:avLst/>
-          </a:prstGeom>
-          <a:ln w="12700">
-            <a:solidFill>
-              <a:srgbClr val="000000"/>
-            </a:solidFill>
-            <a:headEnd type="none" w="med" len="med"/>
-            <a:tailEnd type="none" w="med" len="med"/>
-          </a:ln>
-        </p:spPr>
-        <p:style>
-          <a:lnRef idx="1">
-            <a:schemeClr val="accent1"/>
-          </a:lnRef>
-          <a:fillRef idx="0">
-            <a:schemeClr val="accent1"/>
-          </a:fillRef>
-          <a:effectRef idx="0">
-            <a:schemeClr val="accent1"/>
-          </a:effectRef>
-          <a:fontRef idx="minor">
-            <a:schemeClr val="tx1"/>
-          </a:fontRef>
-        </p:style>
-      </p:cxnSp>
-      <p:cxnSp>
-        <p:nvCxnSpPr>
-          <p:cNvPr id="232" name="Straight Connector 231"/>
-          <p:cNvCxnSpPr/>
-          <p:nvPr/>
-        </p:nvCxnSpPr>
-        <p:spPr>
-          <a:xfrm flipV="1">
-            <a:off x="7467600" y="4267200"/>
-            <a:ext cx="152400" cy="152400"/>
-          </a:xfrm>
-          <a:prstGeom prst="line">
-            <a:avLst/>
-          </a:prstGeom>
-          <a:ln w="12700">
-            <a:solidFill>
-              <a:srgbClr val="000000"/>
-            </a:solidFill>
-            <a:headEnd type="none" w="med" len="med"/>
-            <a:tailEnd type="none" w="med" len="med"/>
-          </a:ln>
-        </p:spPr>
-        <p:style>
-          <a:lnRef idx="1">
-            <a:schemeClr val="accent1"/>
-          </a:lnRef>
-          <a:fillRef idx="0">
-            <a:schemeClr val="accent1"/>
-          </a:fillRef>
-          <a:effectRef idx="0">
-            <a:schemeClr val="accent1"/>
-          </a:effectRef>
-          <a:fontRef idx="minor">
-            <a:schemeClr val="tx1"/>
-          </a:fontRef>
-        </p:style>
-      </p:cxnSp>
-      <p:cxnSp>
-        <p:nvCxnSpPr>
-          <p:cNvPr id="233" name="Straight Connector 232"/>
-          <p:cNvCxnSpPr/>
-          <p:nvPr/>
-        </p:nvCxnSpPr>
-        <p:spPr>
-          <a:xfrm>
-            <a:off x="7467600" y="4267200"/>
-            <a:ext cx="152400" cy="152400"/>
-          </a:xfrm>
-          <a:prstGeom prst="line">
-            <a:avLst/>
-          </a:prstGeom>
-          <a:ln w="12700">
-            <a:solidFill>
-              <a:srgbClr val="000000"/>
-            </a:solidFill>
-            <a:headEnd type="none" w="med" len="med"/>
-            <a:tailEnd type="none" w="med" len="med"/>
-          </a:ln>
-        </p:spPr>
-        <p:style>
-          <a:lnRef idx="1">
-            <a:schemeClr val="accent1"/>
-          </a:lnRef>
-          <a:fillRef idx="0">
-            <a:schemeClr val="accent1"/>
-          </a:fillRef>
-          <a:effectRef idx="0">
-            <a:schemeClr val="accent1"/>
-          </a:effectRef>
-          <a:fontRef idx="minor">
-            <a:schemeClr val="tx1"/>
-          </a:fontRef>
-        </p:style>
-      </p:cxnSp>
-      <p:cxnSp>
-        <p:nvCxnSpPr>
-          <p:cNvPr id="234" name="Straight Connector 233"/>
-          <p:cNvCxnSpPr/>
-          <p:nvPr/>
-        </p:nvCxnSpPr>
-        <p:spPr>
-          <a:xfrm>
-            <a:off x="7239000" y="4572000"/>
-            <a:ext cx="304800" cy="0"/>
-          </a:xfrm>
-          <a:prstGeom prst="line">
-            <a:avLst/>
-          </a:prstGeom>
-          <a:ln w="12700">
-            <a:solidFill>
-              <a:srgbClr val="000000"/>
-            </a:solidFill>
-            <a:headEnd type="none" w="med" len="med"/>
-            <a:tailEnd type="none" w="med" len="med"/>
-          </a:ln>
-        </p:spPr>
-        <p:style>
-          <a:lnRef idx="1">
-            <a:schemeClr val="accent1"/>
-          </a:lnRef>
-          <a:fillRef idx="0">
-            <a:schemeClr val="accent1"/>
-          </a:fillRef>
-          <a:effectRef idx="0">
-            <a:schemeClr val="accent1"/>
-          </a:effectRef>
-          <a:fontRef idx="minor">
-            <a:schemeClr val="tx1"/>
-          </a:fontRef>
-        </p:style>
-      </p:cxnSp>
-      <p:cxnSp>
-        <p:nvCxnSpPr>
-          <p:cNvPr id="235" name="Straight Connector 234"/>
-          <p:cNvCxnSpPr/>
-          <p:nvPr/>
-        </p:nvCxnSpPr>
-        <p:spPr>
-          <a:xfrm flipV="1">
-            <a:off x="7467600" y="4495800"/>
-            <a:ext cx="152400" cy="152400"/>
-          </a:xfrm>
-          <a:prstGeom prst="line">
-            <a:avLst/>
-          </a:prstGeom>
-          <a:ln w="12700">
-            <a:solidFill>
-              <a:srgbClr val="000000"/>
-            </a:solidFill>
-            <a:headEnd type="none" w="med" len="med"/>
-            <a:tailEnd type="none" w="med" len="med"/>
-          </a:ln>
-        </p:spPr>
-        <p:style>
-          <a:lnRef idx="1">
-            <a:schemeClr val="accent1"/>
-          </a:lnRef>
-          <a:fillRef idx="0">
-            <a:schemeClr val="accent1"/>
-          </a:fillRef>
-          <a:effectRef idx="0">
-            <a:schemeClr val="accent1"/>
-          </a:effectRef>
-          <a:fontRef idx="minor">
-            <a:schemeClr val="tx1"/>
-          </a:fontRef>
-        </p:style>
-      </p:cxnSp>
-      <p:cxnSp>
-        <p:nvCxnSpPr>
-          <p:cNvPr id="236" name="Straight Connector 235"/>
-          <p:cNvCxnSpPr/>
-          <p:nvPr/>
-        </p:nvCxnSpPr>
-        <p:spPr>
-          <a:xfrm>
-            <a:off x="7467600" y="4495800"/>
-            <a:ext cx="152400" cy="152400"/>
-          </a:xfrm>
-          <a:prstGeom prst="line">
-            <a:avLst/>
-          </a:prstGeom>
-          <a:ln w="12700">
-            <a:solidFill>
-              <a:srgbClr val="000000"/>
-            </a:solidFill>
-            <a:headEnd type="none" w="med" len="med"/>
-            <a:tailEnd type="none" w="med" len="med"/>
-          </a:ln>
-        </p:spPr>
-        <p:style>
-          <a:lnRef idx="1">
-            <a:schemeClr val="accent1"/>
-          </a:lnRef>
-          <a:fillRef idx="0">
-            <a:schemeClr val="accent1"/>
-          </a:fillRef>
-          <a:effectRef idx="0">
-            <a:schemeClr val="accent1"/>
-          </a:effectRef>
-          <a:fontRef idx="minor">
-            <a:schemeClr val="tx1"/>
-          </a:fontRef>
-        </p:style>
-      </p:cxnSp>
-      <p:cxnSp>
-        <p:nvCxnSpPr>
-          <p:cNvPr id="238" name="Straight Connector 237"/>
-          <p:cNvCxnSpPr/>
-          <p:nvPr/>
-        </p:nvCxnSpPr>
-        <p:spPr>
-          <a:xfrm>
-            <a:off x="7848600" y="4343400"/>
-            <a:ext cx="914400" cy="0"/>
-          </a:xfrm>
-          <a:prstGeom prst="line">
-            <a:avLst/>
-          </a:prstGeom>
-          <a:ln w="12700">
-            <a:solidFill>
-              <a:srgbClr val="000000"/>
-            </a:solidFill>
-            <a:headEnd type="none" w="med" len="med"/>
-            <a:tailEnd type="triangle" w="med" len="med"/>
-          </a:ln>
-        </p:spPr>
-        <p:style>
-          <a:lnRef idx="1">
-            <a:schemeClr val="accent1"/>
-          </a:lnRef>
-          <a:fillRef idx="0">
-            <a:schemeClr val="accent1"/>
-          </a:fillRef>
-          <a:effectRef idx="0">
-            <a:schemeClr val="accent1"/>
-          </a:effectRef>
-          <a:fontRef idx="minor">
-            <a:schemeClr val="tx1"/>
-          </a:fontRef>
-        </p:style>
-      </p:cxnSp>
-      <p:cxnSp>
-        <p:nvCxnSpPr>
-          <p:cNvPr id="243" name="Straight Connector 242"/>
-          <p:cNvCxnSpPr/>
-          <p:nvPr/>
-        </p:nvCxnSpPr>
-        <p:spPr>
-          <a:xfrm flipV="1">
-            <a:off x="9753600" y="4038600"/>
-            <a:ext cx="152400" cy="152400"/>
-          </a:xfrm>
-          <a:prstGeom prst="line">
-            <a:avLst/>
-          </a:prstGeom>
-          <a:ln w="12700">
-            <a:solidFill>
-              <a:srgbClr val="000000"/>
-            </a:solidFill>
-            <a:headEnd type="none" w="med" len="med"/>
-            <a:tailEnd type="none" w="med" len="med"/>
-          </a:ln>
-        </p:spPr>
-        <p:style>
-          <a:lnRef idx="1">
-            <a:schemeClr val="accent1"/>
-          </a:lnRef>
-          <a:fillRef idx="0">
-            <a:schemeClr val="accent1"/>
-          </a:fillRef>
-          <a:effectRef idx="0">
-            <a:schemeClr val="accent1"/>
-          </a:effectRef>
-          <a:fontRef idx="minor">
-            <a:schemeClr val="tx1"/>
-          </a:fontRef>
-        </p:style>
-      </p:cxnSp>
-      <p:sp>
-        <p:nvSpPr>
-          <p:cNvPr id="244" name="Rectangle 243"/>
-          <p:cNvSpPr/>
-          <p:nvPr/>
-        </p:nvSpPr>
-        <p:spPr>
-          <a:xfrm>
-            <a:off x="9753600" y="3962400"/>
+            <a:off x="838201" y="8153396"/>
             <a:ext cx="152400" cy="76200"/>
           </a:xfrm>
           <a:prstGeom prst="rect">
@@ -10111,286 +11811,25 @@
           </a:p>
         </p:txBody>
       </p:sp>
-      <p:cxnSp>
-        <p:nvCxnSpPr>
-          <p:cNvPr id="245" name="Straight Connector 244"/>
-          <p:cNvCxnSpPr>
-            <a:stCxn id="481" idx="3"/>
-          </p:cNvCxnSpPr>
-          <p:nvPr/>
-        </p:nvCxnSpPr>
-        <p:spPr>
-          <a:xfrm>
-            <a:off x="9677400" y="3886200"/>
-            <a:ext cx="533400" cy="0"/>
-          </a:xfrm>
-          <a:prstGeom prst="line">
-            <a:avLst/>
-          </a:prstGeom>
+      <p:sp>
+        <p:nvSpPr>
+          <p:cNvPr id="351" name="Pentagon 350"/>
+          <p:cNvSpPr/>
+          <p:nvPr/>
+        </p:nvSpPr>
+        <p:spPr>
+          <a:xfrm>
+            <a:off x="533400" y="8229596"/>
+            <a:ext cx="228600" cy="152400"/>
+          </a:xfrm>
+          <a:prstGeom prst="homePlate">
+            <a:avLst/>
+          </a:prstGeom>
+          <a:noFill/>
           <a:ln w="12700">
             <a:solidFill>
-              <a:srgbClr val="000000"/>
+              <a:schemeClr val="tx1"/>
             </a:solidFill>
-            <a:headEnd type="none" w="med" len="med"/>
-            <a:tailEnd type="none" w="med" len="med"/>
-          </a:ln>
-        </p:spPr>
-        <p:style>
-          <a:lnRef idx="1">
-            <a:schemeClr val="accent1"/>
-          </a:lnRef>
-          <a:fillRef idx="0">
-            <a:schemeClr val="accent1"/>
-          </a:fillRef>
-          <a:effectRef idx="0">
-            <a:schemeClr val="accent1"/>
-          </a:effectRef>
-          <a:fontRef idx="minor">
-            <a:schemeClr val="tx1"/>
-          </a:fontRef>
-        </p:style>
-      </p:cxnSp>
-      <p:cxnSp>
-        <p:nvCxnSpPr>
-          <p:cNvPr id="247" name="Straight Connector 246"/>
-          <p:cNvCxnSpPr>
-            <a:stCxn id="179" idx="3"/>
-          </p:cNvCxnSpPr>
-          <p:nvPr/>
-        </p:nvCxnSpPr>
-        <p:spPr>
-          <a:xfrm>
-            <a:off x="9677400" y="4114800"/>
-            <a:ext cx="533400" cy="0"/>
-          </a:xfrm>
-          <a:prstGeom prst="line">
-            <a:avLst/>
-          </a:prstGeom>
-          <a:ln w="12700">
-            <a:solidFill>
-              <a:srgbClr val="000000"/>
-            </a:solidFill>
-            <a:headEnd type="none" w="med" len="med"/>
-            <a:tailEnd type="none" w="med" len="med"/>
-          </a:ln>
-        </p:spPr>
-        <p:style>
-          <a:lnRef idx="1">
-            <a:schemeClr val="accent1"/>
-          </a:lnRef>
-          <a:fillRef idx="0">
-            <a:schemeClr val="accent1"/>
-          </a:fillRef>
-          <a:effectRef idx="0">
-            <a:schemeClr val="accent1"/>
-          </a:effectRef>
-          <a:fontRef idx="minor">
-            <a:schemeClr val="tx1"/>
-          </a:fontRef>
-        </p:style>
-      </p:cxnSp>
-      <p:cxnSp>
-        <p:nvCxnSpPr>
-          <p:cNvPr id="249" name="Straight Connector 248"/>
-          <p:cNvCxnSpPr/>
-          <p:nvPr/>
-        </p:nvCxnSpPr>
-        <p:spPr>
-          <a:xfrm flipV="1">
-            <a:off x="10210800" y="4038600"/>
-            <a:ext cx="76200" cy="76200"/>
-          </a:xfrm>
-          <a:prstGeom prst="line">
-            <a:avLst/>
-          </a:prstGeom>
-          <a:ln w="12700">
-            <a:solidFill>
-              <a:srgbClr val="000000"/>
-            </a:solidFill>
-            <a:headEnd type="none" w="med" len="med"/>
-            <a:tailEnd type="none" w="med" len="med"/>
-          </a:ln>
-        </p:spPr>
-        <p:style>
-          <a:lnRef idx="1">
-            <a:schemeClr val="accent1"/>
-          </a:lnRef>
-          <a:fillRef idx="0">
-            <a:schemeClr val="accent1"/>
-          </a:fillRef>
-          <a:effectRef idx="0">
-            <a:schemeClr val="accent1"/>
-          </a:effectRef>
-          <a:fontRef idx="minor">
-            <a:schemeClr val="tx1"/>
-          </a:fontRef>
-        </p:style>
-      </p:cxnSp>
-      <p:cxnSp>
-        <p:nvCxnSpPr>
-          <p:cNvPr id="251" name="Straight Connector 250"/>
-          <p:cNvCxnSpPr/>
-          <p:nvPr/>
-        </p:nvCxnSpPr>
-        <p:spPr>
-          <a:xfrm flipV="1">
-            <a:off x="10210800" y="3810000"/>
-            <a:ext cx="76200" cy="76200"/>
-          </a:xfrm>
-          <a:prstGeom prst="line">
-            <a:avLst/>
-          </a:prstGeom>
-          <a:ln w="12700">
-            <a:solidFill>
-              <a:srgbClr val="000000"/>
-            </a:solidFill>
-            <a:headEnd type="none" w="med" len="med"/>
-            <a:tailEnd type="none" w="med" len="med"/>
-          </a:ln>
-        </p:spPr>
-        <p:style>
-          <a:lnRef idx="1">
-            <a:schemeClr val="accent1"/>
-          </a:lnRef>
-          <a:fillRef idx="0">
-            <a:schemeClr val="accent1"/>
-          </a:fillRef>
-          <a:effectRef idx="0">
-            <a:schemeClr val="accent1"/>
-          </a:effectRef>
-          <a:fontRef idx="minor">
-            <a:schemeClr val="tx1"/>
-          </a:fontRef>
-        </p:style>
-      </p:cxnSp>
-      <p:cxnSp>
-        <p:nvCxnSpPr>
-          <p:cNvPr id="252" name="Straight Connector 251"/>
-          <p:cNvCxnSpPr/>
-          <p:nvPr/>
-        </p:nvCxnSpPr>
-        <p:spPr>
-          <a:xfrm flipV="1">
-            <a:off x="10287000" y="3581400"/>
-            <a:ext cx="0" cy="457200"/>
-          </a:xfrm>
-          <a:prstGeom prst="line">
-            <a:avLst/>
-          </a:prstGeom>
-          <a:ln w="12700">
-            <a:solidFill>
-              <a:srgbClr val="000000"/>
-            </a:solidFill>
-            <a:headEnd type="none" w="med" len="med"/>
-            <a:tailEnd type="none" w="med" len="med"/>
-          </a:ln>
-        </p:spPr>
-        <p:style>
-          <a:lnRef idx="1">
-            <a:schemeClr val="accent1"/>
-          </a:lnRef>
-          <a:fillRef idx="0">
-            <a:schemeClr val="accent1"/>
-          </a:fillRef>
-          <a:effectRef idx="0">
-            <a:schemeClr val="accent1"/>
-          </a:effectRef>
-          <a:fontRef idx="minor">
-            <a:schemeClr val="tx1"/>
-          </a:fontRef>
-        </p:style>
-      </p:cxnSp>
-      <p:cxnSp>
-        <p:nvCxnSpPr>
-          <p:cNvPr id="254" name="Straight Connector 253"/>
-          <p:cNvCxnSpPr/>
-          <p:nvPr/>
-        </p:nvCxnSpPr>
-        <p:spPr>
-          <a:xfrm>
-            <a:off x="10287000" y="3581400"/>
-            <a:ext cx="838200" cy="0"/>
-          </a:xfrm>
-          <a:prstGeom prst="line">
-            <a:avLst/>
-          </a:prstGeom>
-          <a:ln w="12700">
-            <a:solidFill>
-              <a:srgbClr val="000000"/>
-            </a:solidFill>
-            <a:headEnd type="none" w="med" len="med"/>
-            <a:tailEnd type="none" w="med" len="med"/>
-          </a:ln>
-        </p:spPr>
-        <p:style>
-          <a:lnRef idx="1">
-            <a:schemeClr val="accent1"/>
-          </a:lnRef>
-          <a:fillRef idx="0">
-            <a:schemeClr val="accent1"/>
-          </a:fillRef>
-          <a:effectRef idx="0">
-            <a:schemeClr val="accent1"/>
-          </a:effectRef>
-          <a:fontRef idx="minor">
-            <a:schemeClr val="tx1"/>
-          </a:fontRef>
-        </p:style>
-      </p:cxnSp>
-      <p:cxnSp>
-        <p:nvCxnSpPr>
-          <p:cNvPr id="256" name="Straight Connector 255"/>
-          <p:cNvCxnSpPr/>
-          <p:nvPr/>
-        </p:nvCxnSpPr>
-        <p:spPr>
-          <a:xfrm flipV="1">
-            <a:off x="10439400" y="3505200"/>
-            <a:ext cx="152400" cy="152400"/>
-          </a:xfrm>
-          <a:prstGeom prst="line">
-            <a:avLst/>
-          </a:prstGeom>
-          <a:ln w="12700">
-            <a:solidFill>
-              <a:srgbClr val="000000"/>
-            </a:solidFill>
-            <a:headEnd type="none" w="med" len="med"/>
-            <a:tailEnd type="none" w="med" len="med"/>
-          </a:ln>
-        </p:spPr>
-        <p:style>
-          <a:lnRef idx="1">
-            <a:schemeClr val="accent1"/>
-          </a:lnRef>
-          <a:fillRef idx="0">
-            <a:schemeClr val="accent1"/>
-          </a:fillRef>
-          <a:effectRef idx="0">
-            <a:schemeClr val="accent1"/>
-          </a:effectRef>
-          <a:fontRef idx="minor">
-            <a:schemeClr val="tx1"/>
-          </a:fontRef>
-        </p:style>
-      </p:cxnSp>
-      <p:sp>
-        <p:nvSpPr>
-          <p:cNvPr id="257" name="Rectangle 256"/>
-          <p:cNvSpPr/>
-          <p:nvPr/>
-        </p:nvSpPr>
-        <p:spPr>
-          <a:xfrm>
-            <a:off x="10439400" y="3429000"/>
-            <a:ext cx="152400" cy="76200"/>
-          </a:xfrm>
-          <a:prstGeom prst="rect">
-            <a:avLst/>
-          </a:prstGeom>
-          <a:noFill/>
-          <a:ln>
-            <a:noFill/>
           </a:ln>
         </p:spPr>
         <p:style>
@@ -10410,19 +11849,67 @@
           </a:fontRef>
         </p:style>
         <p:txBody>
+          <a:bodyPr rot="0" spcFirstLastPara="0" vertOverflow="overflow" horzOverflow="overflow" vert="horz" wrap="square" lIns="91440" tIns="45720" rIns="91440" bIns="45720" numCol="1" spcCol="0" rtlCol="0" fromWordArt="0" anchor="ctr" anchorCtr="0" forceAA="0" compatLnSpc="1">
+            <a:prstTxWarp prst="textNoShape">
+              <a:avLst/>
+            </a:prstTxWarp>
+            <a:noAutofit/>
+          </a:bodyPr>
+          <a:lstStyle/>
+          <a:p>
+            <a:pPr algn="ctr"/>
+            <a:endParaRPr lang="en-US" sz="3730"/>
+          </a:p>
+        </p:txBody>
+      </p:sp>
+      <p:sp>
+        <p:nvSpPr>
+          <p:cNvPr id="352" name="Rectangle 351"/>
+          <p:cNvSpPr/>
+          <p:nvPr/>
+        </p:nvSpPr>
+        <p:spPr>
+          <a:xfrm>
+            <a:off x="1143000" y="8153396"/>
+            <a:ext cx="457200" cy="152400"/>
+          </a:xfrm>
+          <a:prstGeom prst="rect">
+            <a:avLst/>
+          </a:prstGeom>
+          <a:noFill/>
+          <a:ln>
+            <a:noFill/>
+          </a:ln>
+        </p:spPr>
+        <p:style>
+          <a:lnRef idx="2">
+            <a:schemeClr val="accent1">
+              <a:shade val="50000"/>
+            </a:schemeClr>
+          </a:lnRef>
+          <a:fillRef idx="1">
+            <a:schemeClr val="accent1"/>
+          </a:fillRef>
+          <a:effectRef idx="0">
+            <a:schemeClr val="accent1"/>
+          </a:effectRef>
+          <a:fontRef idx="minor">
+            <a:schemeClr val="lt1"/>
+          </a:fontRef>
+        </p:style>
+        <p:txBody>
           <a:bodyPr wrap="none" lIns="45720" rIns="45720" rtlCol="0" anchor="ctr"/>
           <a:lstStyle/>
           <a:p>
-            <a:pPr algn="ctr"/>
-            <a:r>
-              <a:rPr lang="en-US" sz="900" dirty="0">
+            <a:r>
+              <a:rPr lang="en-US" sz="900" smtClean="0">
                 <a:solidFill>
                   <a:srgbClr val="000000"/>
                 </a:solidFill>
                 <a:latin typeface="Courier New" panose="02070309020205020404" pitchFamily="49" charset="0"/>
                 <a:cs typeface="Courier New" panose="02070309020205020404" pitchFamily="49" charset="0"/>
               </a:rPr>
-              <a:t>2</a:t>
+              <a:t>RSTXS</a:t>
             </a:r>
             <a:endParaRPr lang="en-US" sz="900" dirty="0">
               <a:solidFill>
@@ -10436,21 +11923,23 @@
       </p:sp>
       <p:sp>
         <p:nvSpPr>
-          <p:cNvPr id="258" name="Rectangle 257"/>
+          <p:cNvPr id="353" name="Oval 352"/>
           <p:cNvSpPr/>
           <p:nvPr/>
         </p:nvSpPr>
         <p:spPr>
           <a:xfrm>
-            <a:off x="10287000" y="3733800"/>
-            <a:ext cx="304800" cy="152400"/>
-          </a:xfrm>
-          <a:prstGeom prst="rect">
+            <a:off x="5257800" y="6477000"/>
+            <a:ext cx="152400" cy="152400"/>
+          </a:xfrm>
+          <a:prstGeom prst="ellipse">
             <a:avLst/>
           </a:prstGeom>
           <a:noFill/>
-          <a:ln>
-            <a:noFill/>
+          <a:ln w="12700">
+            <a:solidFill>
+              <a:schemeClr val="tx1"/>
+            </a:solidFill>
           </a:ln>
         </p:spPr>
         <p:style>
@@ -10470,100 +11959,24 @@
           </a:fontRef>
         </p:style>
         <p:txBody>
-          <a:bodyPr wrap="none" lIns="45720" rIns="45720" rtlCol="0" anchor="ctr"/>
-          <a:lstStyle/>
-          <a:p>
-            <a:r>
-              <a:rPr lang="en-US" sz="900" dirty="0">
-                <a:solidFill>
-                  <a:srgbClr val="000000"/>
-                </a:solidFill>
-                <a:latin typeface="Courier New" panose="02070309020205020404" pitchFamily="49" charset="0"/>
-                <a:cs typeface="Courier New" panose="02070309020205020404" pitchFamily="49" charset="0"/>
-              </a:rPr>
-              <a:t>[1]</a:t>
-            </a:r>
-            <a:endParaRPr lang="en-US" sz="900" dirty="0">
-              <a:solidFill>
-                <a:srgbClr val="000000"/>
-              </a:solidFill>
-              <a:latin typeface="Courier New" panose="02070309020205020404" pitchFamily="49" charset="0"/>
-              <a:cs typeface="Courier New" panose="02070309020205020404" pitchFamily="49" charset="0"/>
-            </a:endParaRPr>
-          </a:p>
-        </p:txBody>
-      </p:sp>
-      <p:sp>
-        <p:nvSpPr>
-          <p:cNvPr id="259" name="Rectangle 258"/>
-          <p:cNvSpPr/>
-          <p:nvPr/>
-        </p:nvSpPr>
-        <p:spPr>
-          <a:xfrm>
-            <a:off x="10287000" y="3962400"/>
-            <a:ext cx="304800" cy="152400"/>
-          </a:xfrm>
-          <a:prstGeom prst="rect">
-            <a:avLst/>
-          </a:prstGeom>
-          <a:noFill/>
-          <a:ln>
-            <a:noFill/>
-          </a:ln>
-        </p:spPr>
-        <p:style>
-          <a:lnRef idx="2">
-            <a:schemeClr val="accent1">
-              <a:shade val="50000"/>
-            </a:schemeClr>
-          </a:lnRef>
-          <a:fillRef idx="1">
-            <a:schemeClr val="accent1"/>
-          </a:fillRef>
-          <a:effectRef idx="0">
-            <a:schemeClr val="accent1"/>
-          </a:effectRef>
-          <a:fontRef idx="minor">
-            <a:schemeClr val="lt1"/>
-          </a:fontRef>
-        </p:style>
-        <p:txBody>
-          <a:bodyPr wrap="none" lIns="45720" rIns="45720" rtlCol="0" anchor="ctr"/>
-          <a:lstStyle/>
-          <a:p>
-            <a:r>
-              <a:rPr lang="en-US" sz="900" dirty="0">
-                <a:solidFill>
-                  <a:srgbClr val="000000"/>
-                </a:solidFill>
-                <a:latin typeface="Courier New" panose="02070309020205020404" pitchFamily="49" charset="0"/>
-                <a:cs typeface="Courier New" panose="02070309020205020404" pitchFamily="49" charset="0"/>
-              </a:rPr>
-              <a:t>[0]</a:t>
-            </a:r>
-            <a:endParaRPr lang="en-US" sz="900" dirty="0">
-              <a:solidFill>
-                <a:srgbClr val="000000"/>
-              </a:solidFill>
-              <a:latin typeface="Courier New" panose="02070309020205020404" pitchFamily="49" charset="0"/>
-              <a:cs typeface="Courier New" panose="02070309020205020404" pitchFamily="49" charset="0"/>
-            </a:endParaRPr>
+          <a:bodyPr rtlCol="0" anchor="ctr"/>
+          <a:lstStyle/>
+          <a:p>
+            <a:pPr algn="ctr"/>
+            <a:endParaRPr lang="en-US"/>
           </a:p>
         </p:txBody>
       </p:sp>
       <p:cxnSp>
         <p:nvCxnSpPr>
-          <p:cNvPr id="260" name="Straight Connector 259"/>
-          <p:cNvCxnSpPr>
-            <a:endCxn id="748" idx="1"/>
-          </p:cNvCxnSpPr>
+          <p:cNvPr id="355" name="Straight Connector 354"/>
+          <p:cNvCxnSpPr/>
           <p:nvPr/>
         </p:nvCxnSpPr>
         <p:spPr>
           <a:xfrm>
-            <a:off x="13944600" y="3352800"/>
-            <a:ext cx="1981200" cy="0"/>
+            <a:off x="8153400" y="5029200"/>
+            <a:ext cx="457200" cy="0"/>
           </a:xfrm>
           <a:prstGeom prst="line">
             <a:avLst/>
@@ -10593,14 +12006,14 @@
       </p:cxnSp>
       <p:cxnSp>
         <p:nvCxnSpPr>
-          <p:cNvPr id="262" name="Straight Connector 261"/>
+          <p:cNvPr id="358" name="Straight Connector 357"/>
           <p:cNvCxnSpPr/>
           <p:nvPr/>
         </p:nvCxnSpPr>
         <p:spPr>
           <a:xfrm flipV="1">
-            <a:off x="12801600" y="2819400"/>
-            <a:ext cx="0" cy="533400"/>
+            <a:off x="8153400" y="5029200"/>
+            <a:ext cx="0" cy="3276600"/>
           </a:xfrm>
           <a:prstGeom prst="line">
             <a:avLst/>
@@ -10628,639 +12041,16 @@
           </a:fontRef>
         </p:style>
       </p:cxnSp>
-      <p:cxnSp>
-        <p:nvCxnSpPr>
-          <p:cNvPr id="265" name="Straight Connector 264"/>
-          <p:cNvCxnSpPr/>
-          <p:nvPr/>
-        </p:nvCxnSpPr>
-        <p:spPr>
-          <a:xfrm flipH="1">
-            <a:off x="10820400" y="2819400"/>
-            <a:ext cx="1981200" cy="0"/>
-          </a:xfrm>
-          <a:prstGeom prst="line">
-            <a:avLst/>
-          </a:prstGeom>
-          <a:ln w="12700">
-            <a:solidFill>
-              <a:srgbClr val="000000"/>
-            </a:solidFill>
-            <a:headEnd type="none" w="med" len="med"/>
-            <a:tailEnd type="none" w="med" len="med"/>
-          </a:ln>
-        </p:spPr>
-        <p:style>
-          <a:lnRef idx="1">
-            <a:schemeClr val="accent1"/>
-          </a:lnRef>
-          <a:fillRef idx="0">
-            <a:schemeClr val="accent1"/>
-          </a:fillRef>
-          <a:effectRef idx="0">
-            <a:schemeClr val="accent1"/>
-          </a:effectRef>
-          <a:fontRef idx="minor">
-            <a:schemeClr val="tx1"/>
-          </a:fontRef>
-        </p:style>
-      </p:cxnSp>
-      <p:cxnSp>
-        <p:nvCxnSpPr>
-          <p:cNvPr id="267" name="Straight Connector 266"/>
-          <p:cNvCxnSpPr/>
-          <p:nvPr/>
-        </p:nvCxnSpPr>
-        <p:spPr>
-          <a:xfrm flipH="1" flipV="1">
-            <a:off x="11811000" y="2743203"/>
-            <a:ext cx="76200" cy="76201"/>
-          </a:xfrm>
-          <a:prstGeom prst="line">
-            <a:avLst/>
-          </a:prstGeom>
-          <a:ln w="12700">
-            <a:solidFill>
-              <a:srgbClr val="000000"/>
-            </a:solidFill>
-            <a:headEnd type="none" w="med" len="med"/>
-            <a:tailEnd type="none" w="med" len="med"/>
-          </a:ln>
-        </p:spPr>
-        <p:style>
-          <a:lnRef idx="1">
-            <a:schemeClr val="accent1"/>
-          </a:lnRef>
-          <a:fillRef idx="0">
-            <a:schemeClr val="accent1"/>
-          </a:fillRef>
-          <a:effectRef idx="0">
-            <a:schemeClr val="accent1"/>
-          </a:effectRef>
-          <a:fontRef idx="minor">
-            <a:schemeClr val="tx1"/>
-          </a:fontRef>
-        </p:style>
-      </p:cxnSp>
-      <p:cxnSp>
-        <p:nvCxnSpPr>
-          <p:cNvPr id="270" name="Straight Connector 269"/>
-          <p:cNvCxnSpPr/>
-          <p:nvPr/>
-        </p:nvCxnSpPr>
-        <p:spPr>
-          <a:xfrm flipV="1">
-            <a:off x="11811000" y="2590800"/>
-            <a:ext cx="0" cy="152402"/>
-          </a:xfrm>
-          <a:prstGeom prst="line">
-            <a:avLst/>
-          </a:prstGeom>
-          <a:ln w="12700">
-            <a:solidFill>
-              <a:srgbClr val="000000"/>
-            </a:solidFill>
-            <a:headEnd type="none" w="med" len="med"/>
-            <a:tailEnd type="none" w="med" len="med"/>
-          </a:ln>
-        </p:spPr>
-        <p:style>
-          <a:lnRef idx="1">
-            <a:schemeClr val="accent1"/>
-          </a:lnRef>
-          <a:fillRef idx="0">
-            <a:schemeClr val="accent1"/>
-          </a:fillRef>
-          <a:effectRef idx="0">
-            <a:schemeClr val="accent1"/>
-          </a:effectRef>
-          <a:fontRef idx="minor">
-            <a:schemeClr val="tx1"/>
-          </a:fontRef>
-        </p:style>
-      </p:cxnSp>
-      <p:cxnSp>
-        <p:nvCxnSpPr>
-          <p:cNvPr id="272" name="Straight Connector 271"/>
-          <p:cNvCxnSpPr/>
-          <p:nvPr/>
-        </p:nvCxnSpPr>
-        <p:spPr>
-          <a:xfrm flipH="1">
-            <a:off x="11125200" y="2590802"/>
-            <a:ext cx="685800" cy="0"/>
-          </a:xfrm>
-          <a:prstGeom prst="line">
-            <a:avLst/>
-          </a:prstGeom>
-          <a:ln w="12700">
-            <a:solidFill>
-              <a:srgbClr val="000000"/>
-            </a:solidFill>
-            <a:headEnd type="none" w="med" len="med"/>
-            <a:tailEnd type="none" w="med" len="med"/>
-          </a:ln>
-        </p:spPr>
-        <p:style>
-          <a:lnRef idx="1">
-            <a:schemeClr val="accent1"/>
-          </a:lnRef>
-          <a:fillRef idx="0">
-            <a:schemeClr val="accent1"/>
-          </a:fillRef>
-          <a:effectRef idx="0">
-            <a:schemeClr val="accent1"/>
-          </a:effectRef>
-          <a:fontRef idx="minor">
-            <a:schemeClr val="tx1"/>
-          </a:fontRef>
-        </p:style>
-      </p:cxnSp>
-      <p:cxnSp>
-        <p:nvCxnSpPr>
-          <p:cNvPr id="274" name="Straight Connector 273"/>
-          <p:cNvCxnSpPr/>
-          <p:nvPr/>
-        </p:nvCxnSpPr>
-        <p:spPr>
-          <a:xfrm flipH="1">
-            <a:off x="11049000" y="2514600"/>
-            <a:ext cx="152400" cy="152400"/>
-          </a:xfrm>
-          <a:prstGeom prst="line">
-            <a:avLst/>
-          </a:prstGeom>
-          <a:ln w="12700">
-            <a:solidFill>
-              <a:srgbClr val="000000"/>
-            </a:solidFill>
-            <a:headEnd type="none" w="med" len="med"/>
-            <a:tailEnd type="none" w="med" len="med"/>
-          </a:ln>
-        </p:spPr>
-        <p:style>
-          <a:lnRef idx="1">
-            <a:schemeClr val="accent1"/>
-          </a:lnRef>
-          <a:fillRef idx="0">
-            <a:schemeClr val="accent1"/>
-          </a:fillRef>
-          <a:effectRef idx="0">
-            <a:schemeClr val="accent1"/>
-          </a:effectRef>
-          <a:fontRef idx="minor">
-            <a:schemeClr val="tx1"/>
-          </a:fontRef>
-        </p:style>
-      </p:cxnSp>
-      <p:cxnSp>
-        <p:nvCxnSpPr>
-          <p:cNvPr id="276" name="Straight Connector 275"/>
-          <p:cNvCxnSpPr/>
-          <p:nvPr/>
-        </p:nvCxnSpPr>
-        <p:spPr>
-          <a:xfrm flipH="1" flipV="1">
-            <a:off x="11049000" y="2514600"/>
-            <a:ext cx="152400" cy="152400"/>
-          </a:xfrm>
-          <a:prstGeom prst="line">
-            <a:avLst/>
-          </a:prstGeom>
-          <a:ln w="12700">
-            <a:solidFill>
-              <a:srgbClr val="000000"/>
-            </a:solidFill>
-            <a:headEnd type="none" w="med" len="med"/>
-            <a:tailEnd type="none" w="med" len="med"/>
-          </a:ln>
-        </p:spPr>
-        <p:style>
-          <a:lnRef idx="1">
-            <a:schemeClr val="accent1"/>
-          </a:lnRef>
-          <a:fillRef idx="0">
-            <a:schemeClr val="accent1"/>
-          </a:fillRef>
-          <a:effectRef idx="0">
-            <a:schemeClr val="accent1"/>
-          </a:effectRef>
-          <a:fontRef idx="minor">
-            <a:schemeClr val="tx1"/>
-          </a:fontRef>
-        </p:style>
-      </p:cxnSp>
-      <p:cxnSp>
-        <p:nvCxnSpPr>
-          <p:cNvPr id="278" name="Straight Connector 277"/>
-          <p:cNvCxnSpPr/>
-          <p:nvPr/>
-        </p:nvCxnSpPr>
-        <p:spPr>
-          <a:xfrm flipV="1">
-            <a:off x="11430000" y="2514600"/>
-            <a:ext cx="152400" cy="152400"/>
-          </a:xfrm>
-          <a:prstGeom prst="line">
-            <a:avLst/>
-          </a:prstGeom>
-          <a:ln w="12700">
-            <a:solidFill>
-              <a:srgbClr val="000000"/>
-            </a:solidFill>
-            <a:headEnd type="none" w="med" len="med"/>
-            <a:tailEnd type="none" w="med" len="med"/>
-          </a:ln>
-        </p:spPr>
-        <p:style>
-          <a:lnRef idx="1">
-            <a:schemeClr val="accent1"/>
-          </a:lnRef>
-          <a:fillRef idx="0">
-            <a:schemeClr val="accent1"/>
-          </a:fillRef>
-          <a:effectRef idx="0">
-            <a:schemeClr val="accent1"/>
-          </a:effectRef>
-          <a:fontRef idx="minor">
-            <a:schemeClr val="tx1"/>
-          </a:fontRef>
-        </p:style>
-      </p:cxnSp>
-      <p:sp>
-        <p:nvSpPr>
-          <p:cNvPr id="279" name="Rectangle 278"/>
+      <p:sp>
+        <p:nvSpPr>
+          <p:cNvPr id="363" name="Rectangle 362"/>
           <p:cNvSpPr/>
           <p:nvPr/>
         </p:nvSpPr>
         <p:spPr>
           <a:xfrm>
-            <a:off x="11430000" y="2438400"/>
-            <a:ext cx="152400" cy="76200"/>
-          </a:xfrm>
-          <a:prstGeom prst="rect">
-            <a:avLst/>
-          </a:prstGeom>
-          <a:noFill/>
-          <a:ln>
-            <a:noFill/>
-          </a:ln>
-        </p:spPr>
-        <p:style>
-          <a:lnRef idx="2">
-            <a:schemeClr val="accent1">
-              <a:shade val="50000"/>
-            </a:schemeClr>
-          </a:lnRef>
-          <a:fillRef idx="1">
-            <a:schemeClr val="accent1"/>
-          </a:fillRef>
-          <a:effectRef idx="0">
-            <a:schemeClr val="accent1"/>
-          </a:effectRef>
-          <a:fontRef idx="minor">
-            <a:schemeClr val="lt1"/>
-          </a:fontRef>
-        </p:style>
-        <p:txBody>
-          <a:bodyPr wrap="none" lIns="45720" rIns="45720" rtlCol="0" anchor="ctr"/>
-          <a:lstStyle/>
-          <a:p>
-            <a:pPr algn="ctr"/>
-            <a:r>
-              <a:rPr lang="en-US" sz="900" dirty="0">
-                <a:solidFill>
-                  <a:srgbClr val="000000"/>
-                </a:solidFill>
-                <a:latin typeface="Courier New" panose="02070309020205020404" pitchFamily="49" charset="0"/>
-                <a:cs typeface="Courier New" panose="02070309020205020404" pitchFamily="49" charset="0"/>
-              </a:rPr>
-              <a:t>2</a:t>
-            </a:r>
-            <a:endParaRPr lang="en-US" sz="900" dirty="0">
-              <a:solidFill>
-                <a:srgbClr val="000000"/>
-              </a:solidFill>
-              <a:latin typeface="Courier New" panose="02070309020205020404" pitchFamily="49" charset="0"/>
-              <a:cs typeface="Courier New" panose="02070309020205020404" pitchFamily="49" charset="0"/>
-            </a:endParaRPr>
-          </a:p>
-        </p:txBody>
-      </p:sp>
-      <p:cxnSp>
-        <p:nvCxnSpPr>
-          <p:cNvPr id="281" name="Straight Connector 280"/>
-          <p:cNvCxnSpPr/>
-          <p:nvPr/>
-        </p:nvCxnSpPr>
-        <p:spPr>
-          <a:xfrm>
-            <a:off x="10820400" y="2819400"/>
-            <a:ext cx="0" cy="533400"/>
-          </a:xfrm>
-          <a:prstGeom prst="line">
-            <a:avLst/>
-          </a:prstGeom>
-          <a:ln w="12700">
-            <a:solidFill>
-              <a:srgbClr val="000000"/>
-            </a:solidFill>
-            <a:headEnd type="none" w="med" len="med"/>
-            <a:tailEnd type="none" w="med" len="med"/>
-          </a:ln>
-        </p:spPr>
-        <p:style>
-          <a:lnRef idx="1">
-            <a:schemeClr val="accent1"/>
-          </a:lnRef>
-          <a:fillRef idx="0">
-            <a:schemeClr val="accent1"/>
-          </a:fillRef>
-          <a:effectRef idx="0">
-            <a:schemeClr val="accent1"/>
-          </a:effectRef>
-          <a:fontRef idx="minor">
-            <a:schemeClr val="tx1"/>
-          </a:fontRef>
-        </p:style>
-      </p:cxnSp>
-      <p:cxnSp>
-        <p:nvCxnSpPr>
-          <p:cNvPr id="283" name="Straight Connector 282"/>
-          <p:cNvCxnSpPr/>
-          <p:nvPr/>
-        </p:nvCxnSpPr>
-        <p:spPr>
-          <a:xfrm>
-            <a:off x="10820400" y="3352800"/>
-            <a:ext cx="685800" cy="0"/>
-          </a:xfrm>
-          <a:prstGeom prst="line">
-            <a:avLst/>
-          </a:prstGeom>
-          <a:ln w="12700">
-            <a:solidFill>
-              <a:srgbClr val="000000"/>
-            </a:solidFill>
-            <a:headEnd type="none" w="med" len="med"/>
-            <a:tailEnd type="triangle" w="med" len="med"/>
-          </a:ln>
-        </p:spPr>
-        <p:style>
-          <a:lnRef idx="1">
-            <a:schemeClr val="accent1"/>
-          </a:lnRef>
-          <a:fillRef idx="0">
-            <a:schemeClr val="accent1"/>
-          </a:fillRef>
-          <a:effectRef idx="0">
-            <a:schemeClr val="accent1"/>
-          </a:effectRef>
-          <a:fontRef idx="minor">
-            <a:schemeClr val="tx1"/>
-          </a:fontRef>
-        </p:style>
-      </p:cxnSp>
-      <p:cxnSp>
-        <p:nvCxnSpPr>
-          <p:cNvPr id="285" name="Straight Connector 284"/>
-          <p:cNvCxnSpPr/>
-          <p:nvPr/>
-        </p:nvCxnSpPr>
-        <p:spPr>
-          <a:xfrm flipV="1">
-            <a:off x="11125200" y="3429000"/>
-            <a:ext cx="0" cy="152400"/>
-          </a:xfrm>
-          <a:prstGeom prst="line">
-            <a:avLst/>
-          </a:prstGeom>
-          <a:ln w="12700">
-            <a:solidFill>
-              <a:srgbClr val="000000"/>
-            </a:solidFill>
-            <a:headEnd type="none" w="med" len="med"/>
-            <a:tailEnd type="none" w="med" len="med"/>
-          </a:ln>
-        </p:spPr>
-        <p:style>
-          <a:lnRef idx="1">
-            <a:schemeClr val="accent1"/>
-          </a:lnRef>
-          <a:fillRef idx="0">
-            <a:schemeClr val="accent1"/>
-          </a:fillRef>
-          <a:effectRef idx="0">
-            <a:schemeClr val="accent1"/>
-          </a:effectRef>
-          <a:fontRef idx="minor">
-            <a:schemeClr val="tx1"/>
-          </a:fontRef>
-        </p:style>
-      </p:cxnSp>
-      <p:cxnSp>
-        <p:nvCxnSpPr>
-          <p:cNvPr id="287" name="Straight Connector 286"/>
-          <p:cNvCxnSpPr/>
-          <p:nvPr/>
-        </p:nvCxnSpPr>
-        <p:spPr>
-          <a:xfrm flipV="1">
-            <a:off x="11125200" y="3352800"/>
-            <a:ext cx="76200" cy="76200"/>
-          </a:xfrm>
-          <a:prstGeom prst="line">
-            <a:avLst/>
-          </a:prstGeom>
-          <a:ln w="12700">
-            <a:solidFill>
-              <a:srgbClr val="000000"/>
-            </a:solidFill>
-            <a:headEnd type="none" w="med" len="med"/>
-            <a:tailEnd type="none" w="med" len="med"/>
-          </a:ln>
-        </p:spPr>
-        <p:style>
-          <a:lnRef idx="1">
-            <a:schemeClr val="accent1"/>
-          </a:lnRef>
-          <a:fillRef idx="0">
-            <a:schemeClr val="accent1"/>
-          </a:fillRef>
-          <a:effectRef idx="0">
-            <a:schemeClr val="accent1"/>
-          </a:effectRef>
-          <a:fontRef idx="minor">
-            <a:schemeClr val="tx1"/>
-          </a:fontRef>
-        </p:style>
-      </p:cxnSp>
-      <p:cxnSp>
-        <p:nvCxnSpPr>
-          <p:cNvPr id="289" name="Straight Connector 288"/>
-          <p:cNvCxnSpPr/>
-          <p:nvPr/>
-        </p:nvCxnSpPr>
-        <p:spPr>
-          <a:xfrm flipV="1">
-            <a:off x="11430000" y="2743200"/>
-            <a:ext cx="152400" cy="152400"/>
-          </a:xfrm>
-          <a:prstGeom prst="line">
-            <a:avLst/>
-          </a:prstGeom>
-          <a:ln w="12700">
-            <a:solidFill>
-              <a:srgbClr val="000000"/>
-            </a:solidFill>
-            <a:headEnd type="none" w="med" len="med"/>
-            <a:tailEnd type="none" w="med" len="med"/>
-          </a:ln>
-        </p:spPr>
-        <p:style>
-          <a:lnRef idx="1">
-            <a:schemeClr val="accent1"/>
-          </a:lnRef>
-          <a:fillRef idx="0">
-            <a:schemeClr val="accent1"/>
-          </a:fillRef>
-          <a:effectRef idx="0">
-            <a:schemeClr val="accent1"/>
-          </a:effectRef>
-          <a:fontRef idx="minor">
-            <a:schemeClr val="tx1"/>
-          </a:fontRef>
-        </p:style>
-      </p:cxnSp>
-      <p:sp>
-        <p:nvSpPr>
-          <p:cNvPr id="290" name="Rectangle 289"/>
-          <p:cNvSpPr/>
-          <p:nvPr/>
-        </p:nvSpPr>
-        <p:spPr>
-          <a:xfrm>
-            <a:off x="11430000" y="2667000"/>
-            <a:ext cx="152400" cy="76200"/>
-          </a:xfrm>
-          <a:prstGeom prst="rect">
-            <a:avLst/>
-          </a:prstGeom>
-          <a:noFill/>
-          <a:ln>
-            <a:noFill/>
-          </a:ln>
-        </p:spPr>
-        <p:style>
-          <a:lnRef idx="2">
-            <a:schemeClr val="accent1">
-              <a:shade val="50000"/>
-            </a:schemeClr>
-          </a:lnRef>
-          <a:fillRef idx="1">
-            <a:schemeClr val="accent1"/>
-          </a:fillRef>
-          <a:effectRef idx="0">
-            <a:schemeClr val="accent1"/>
-          </a:effectRef>
-          <a:fontRef idx="minor">
-            <a:schemeClr val="lt1"/>
-          </a:fontRef>
-        </p:style>
-        <p:txBody>
-          <a:bodyPr wrap="none" lIns="45720" rIns="45720" rtlCol="0" anchor="ctr"/>
-          <a:lstStyle/>
-          <a:p>
-            <a:pPr algn="ctr"/>
-            <a:r>
-              <a:rPr lang="en-US" sz="900" dirty="0">
-                <a:solidFill>
-                  <a:srgbClr val="000000"/>
-                </a:solidFill>
-                <a:latin typeface="Courier New" panose="02070309020205020404" pitchFamily="49" charset="0"/>
-                <a:cs typeface="Courier New" panose="02070309020205020404" pitchFamily="49" charset="0"/>
-              </a:rPr>
-              <a:t>30</a:t>
-            </a:r>
-            <a:endParaRPr lang="en-US" sz="900" dirty="0">
-              <a:solidFill>
-                <a:srgbClr val="000000"/>
-              </a:solidFill>
-              <a:latin typeface="Courier New" panose="02070309020205020404" pitchFamily="49" charset="0"/>
-              <a:cs typeface="Courier New" panose="02070309020205020404" pitchFamily="49" charset="0"/>
-            </a:endParaRPr>
-          </a:p>
-        </p:txBody>
-      </p:sp>
-      <p:sp>
-        <p:nvSpPr>
-          <p:cNvPr id="292" name="Rectangle 291"/>
-          <p:cNvSpPr/>
-          <p:nvPr/>
-        </p:nvSpPr>
-        <p:spPr>
-          <a:xfrm>
-            <a:off x="12115800" y="3200400"/>
-            <a:ext cx="457200" cy="152400"/>
-          </a:xfrm>
-          <a:prstGeom prst="rect">
-            <a:avLst/>
-          </a:prstGeom>
-          <a:noFill/>
-          <a:ln>
-            <a:noFill/>
-          </a:ln>
-        </p:spPr>
-        <p:style>
-          <a:lnRef idx="2">
-            <a:schemeClr val="accent1">
-              <a:shade val="50000"/>
-            </a:schemeClr>
-          </a:lnRef>
-          <a:fillRef idx="1">
-            <a:schemeClr val="accent1"/>
-          </a:fillRef>
-          <a:effectRef idx="0">
-            <a:schemeClr val="accent1"/>
-          </a:effectRef>
-          <a:fontRef idx="minor">
-            <a:schemeClr val="lt1"/>
-          </a:fontRef>
-        </p:style>
-        <p:txBody>
-          <a:bodyPr wrap="none" lIns="45720" rIns="45720" rtlCol="0" anchor="ctr"/>
-          <a:lstStyle/>
-          <a:p>
-            <a:r>
-              <a:rPr lang="en-US" sz="900" dirty="0">
-                <a:solidFill>
-                  <a:srgbClr val="000000"/>
-                </a:solidFill>
-                <a:latin typeface="Courier New" panose="02070309020205020404" pitchFamily="49" charset="0"/>
-                <a:cs typeface="Courier New" panose="02070309020205020404" pitchFamily="49" charset="0"/>
-              </a:rPr>
-              <a:t>shift</a:t>
-            </a:r>
-            <a:endParaRPr lang="en-US" sz="900" dirty="0">
-              <a:solidFill>
-                <a:srgbClr val="000000"/>
-              </a:solidFill>
-              <a:latin typeface="Courier New" panose="02070309020205020404" pitchFamily="49" charset="0"/>
-              <a:cs typeface="Courier New" panose="02070309020205020404" pitchFamily="49" charset="0"/>
-            </a:endParaRPr>
-          </a:p>
-        </p:txBody>
-      </p:sp>
-      <p:sp>
-        <p:nvSpPr>
-          <p:cNvPr id="293" name="Rectangle 292"/>
-          <p:cNvSpPr/>
-          <p:nvPr/>
-        </p:nvSpPr>
-        <p:spPr>
-          <a:xfrm>
-            <a:off x="13639799" y="3276608"/>
-            <a:ext cx="304800" cy="457192"/>
+            <a:off x="8915400" y="8229619"/>
+            <a:ext cx="304800" cy="304793"/>
           </a:xfrm>
           <a:prstGeom prst="rect">
             <a:avLst/>
@@ -11299,13 +12089,13 @@
       </p:sp>
       <p:cxnSp>
         <p:nvCxnSpPr>
-          <p:cNvPr id="294" name="Straight Connector 293"/>
+          <p:cNvPr id="364" name="Straight Connector 363"/>
           <p:cNvCxnSpPr/>
           <p:nvPr/>
         </p:nvCxnSpPr>
         <p:spPr>
           <a:xfrm flipV="1">
-            <a:off x="13716000" y="3657600"/>
+            <a:off x="8991601" y="8458173"/>
             <a:ext cx="76200" cy="76200"/>
           </a:xfrm>
           <a:prstGeom prst="line">
@@ -11334,13 +12124,13 @@
       </p:cxnSp>
       <p:cxnSp>
         <p:nvCxnSpPr>
-          <p:cNvPr id="295" name="Straight Connector 294"/>
+          <p:cNvPr id="366" name="Straight Connector 365"/>
           <p:cNvCxnSpPr/>
           <p:nvPr/>
         </p:nvCxnSpPr>
         <p:spPr>
           <a:xfrm flipH="1" flipV="1">
-            <a:off x="13792200" y="3657600"/>
+            <a:off x="9067801" y="8458173"/>
             <a:ext cx="76200" cy="76200"/>
           </a:xfrm>
           <a:prstGeom prst="line">
@@ -11369,13 +12159,13 @@
       </p:cxnSp>
       <p:sp>
         <p:nvSpPr>
-          <p:cNvPr id="296" name="Rectangle 295"/>
+          <p:cNvPr id="367" name="Rectangle 366"/>
           <p:cNvSpPr/>
           <p:nvPr/>
         </p:nvSpPr>
         <p:spPr>
           <a:xfrm>
-            <a:off x="13715999" y="3276564"/>
+            <a:off x="8991600" y="8229580"/>
             <a:ext cx="152400" cy="152400"/>
           </a:xfrm>
           <a:prstGeom prst="rect">
@@ -11420,53 +12210,16 @@
           </a:p>
         </p:txBody>
       </p:sp>
-      <p:cxnSp>
-        <p:nvCxnSpPr>
-          <p:cNvPr id="297" name="Straight Connector 296"/>
-          <p:cNvCxnSpPr/>
-          <p:nvPr/>
-        </p:nvCxnSpPr>
-        <p:spPr>
-          <a:xfrm flipV="1">
-            <a:off x="14020799" y="3276604"/>
-            <a:ext cx="152400" cy="152404"/>
-          </a:xfrm>
-          <a:prstGeom prst="line">
-            <a:avLst/>
-          </a:prstGeom>
-          <a:ln w="12700">
-            <a:solidFill>
-              <a:srgbClr val="000000"/>
-            </a:solidFill>
-            <a:headEnd type="none" w="med" len="med"/>
-            <a:tailEnd type="none" w="med" len="med"/>
-          </a:ln>
-        </p:spPr>
-        <p:style>
-          <a:lnRef idx="1">
-            <a:schemeClr val="accent1"/>
-          </a:lnRef>
-          <a:fillRef idx="0">
-            <a:schemeClr val="accent1"/>
-          </a:fillRef>
-          <a:effectRef idx="0">
-            <a:schemeClr val="accent1"/>
-          </a:effectRef>
-          <a:fontRef idx="minor">
-            <a:schemeClr val="tx1"/>
-          </a:fontRef>
-        </p:style>
-      </p:cxnSp>
-      <p:sp>
-        <p:nvSpPr>
-          <p:cNvPr id="298" name="Rectangle 297"/>
+      <p:sp>
+        <p:nvSpPr>
+          <p:cNvPr id="369" name="Rectangle 368"/>
           <p:cNvSpPr/>
           <p:nvPr/>
         </p:nvSpPr>
         <p:spPr>
           <a:xfrm>
-            <a:off x="14020800" y="3200404"/>
-            <a:ext cx="152400" cy="76200"/>
+            <a:off x="8534400" y="8229600"/>
+            <a:ext cx="457200" cy="152400"/>
           </a:xfrm>
           <a:prstGeom prst="rect">
             <a:avLst/>
@@ -11496,7 +12249,6 @@
           <a:bodyPr wrap="none" lIns="45720" rIns="45720" rtlCol="0" anchor="ctr"/>
           <a:lstStyle/>
           <a:p>
-            <a:pPr algn="ctr"/>
             <a:r>
               <a:rPr lang="en-US" sz="900" dirty="0">
                 <a:solidFill>
@@ -11505,21 +12257,21 @@
                 <a:latin typeface="Courier New" panose="02070309020205020404" pitchFamily="49" charset="0"/>
                 <a:cs typeface="Courier New" panose="02070309020205020404" pitchFamily="49" charset="0"/>
               </a:rPr>
-              <a:t>32</a:t>
-            </a:r>
-          </a:p>
-        </p:txBody>
-      </p:sp>
-      <p:sp>
-        <p:nvSpPr>
-          <p:cNvPr id="300" name="Rectangle 299"/>
+              <a:t>to</a:t>
+            </a:r>
+          </a:p>
+        </p:txBody>
+      </p:sp>
+      <p:sp>
+        <p:nvSpPr>
+          <p:cNvPr id="370" name="Rectangle 369"/>
           <p:cNvSpPr/>
           <p:nvPr/>
         </p:nvSpPr>
         <p:spPr>
           <a:xfrm>
-            <a:off x="13639799" y="3505200"/>
-            <a:ext cx="304800" cy="152400"/>
+            <a:off x="9372600" y="8229600"/>
+            <a:ext cx="457200" cy="152400"/>
           </a:xfrm>
           <a:prstGeom prst="rect">
             <a:avLst/>
@@ -11557,7 +12309,59 @@
                 <a:latin typeface="Courier New" panose="02070309020205020404" pitchFamily="49" charset="0"/>
                 <a:cs typeface="Courier New" panose="02070309020205020404" pitchFamily="49" charset="0"/>
               </a:rPr>
-              <a:t>EN</a:t>
+              <a:t>as low active asynchronous reset</a:t>
+            </a:r>
+          </a:p>
+        </p:txBody>
+      </p:sp>
+      <p:sp>
+        <p:nvSpPr>
+          <p:cNvPr id="204" name="Rectangle 203"/>
+          <p:cNvSpPr/>
+          <p:nvPr/>
+        </p:nvSpPr>
+        <p:spPr>
+          <a:xfrm>
+            <a:off x="4495800" y="3733800"/>
+            <a:ext cx="457200" cy="152400"/>
+          </a:xfrm>
+          <a:prstGeom prst="rect">
+            <a:avLst/>
+          </a:prstGeom>
+          <a:noFill/>
+          <a:ln>
+            <a:noFill/>
+          </a:ln>
+        </p:spPr>
+        <p:style>
+          <a:lnRef idx="2">
+            <a:schemeClr val="accent1">
+              <a:shade val="50000"/>
+            </a:schemeClr>
+          </a:lnRef>
+          <a:fillRef idx="1">
+            <a:schemeClr val="accent1"/>
+          </a:fillRef>
+          <a:effectRef idx="0">
+            <a:schemeClr val="accent1"/>
+          </a:effectRef>
+          <a:fontRef idx="minor">
+            <a:schemeClr val="lt1"/>
+          </a:fontRef>
+        </p:style>
+        <p:txBody>
+          <a:bodyPr wrap="none" lIns="45720" rIns="45720" rtlCol="0" anchor="ctr"/>
+          <a:lstStyle/>
+          <a:p>
+            <a:r>
+              <a:rPr lang="en-US" sz="900" dirty="0" err="1" smtClean="0">
+                <a:solidFill>
+                  <a:srgbClr val="000000"/>
+                </a:solidFill>
+                <a:latin typeface="Courier New" panose="02070309020205020404" pitchFamily="49" charset="0"/>
+                <a:cs typeface="Courier New" panose="02070309020205020404" pitchFamily="49" charset="0"/>
+              </a:rPr>
+              <a:t>din_se</a:t>
             </a:r>
             <a:endParaRPr lang="en-US" sz="900" dirty="0">
               <a:solidFill>
@@ -11569,200 +12373,15 @@
           </a:p>
         </p:txBody>
       </p:sp>
-      <p:cxnSp>
-        <p:nvCxnSpPr>
-          <p:cNvPr id="301" name="Straight Connector 300"/>
-          <p:cNvCxnSpPr/>
-          <p:nvPr/>
-        </p:nvCxnSpPr>
-        <p:spPr>
-          <a:xfrm>
-            <a:off x="11811000" y="3352800"/>
-            <a:ext cx="1828800" cy="0"/>
-          </a:xfrm>
-          <a:prstGeom prst="line">
-            <a:avLst/>
-          </a:prstGeom>
-          <a:ln w="12700">
-            <a:solidFill>
-              <a:srgbClr val="000000"/>
-            </a:solidFill>
-            <a:headEnd type="none" w="med" len="med"/>
-            <a:tailEnd type="triangle" w="med" len="med"/>
-          </a:ln>
-        </p:spPr>
-        <p:style>
-          <a:lnRef idx="1">
-            <a:schemeClr val="accent1"/>
-          </a:lnRef>
-          <a:fillRef idx="0">
-            <a:schemeClr val="accent1"/>
-          </a:fillRef>
-          <a:effectRef idx="0">
-            <a:schemeClr val="accent1"/>
-          </a:effectRef>
-          <a:fontRef idx="minor">
-            <a:schemeClr val="tx1"/>
-          </a:fontRef>
-        </p:style>
-      </p:cxnSp>
-      <p:cxnSp>
-        <p:nvCxnSpPr>
-          <p:cNvPr id="303" name="Straight Connector 302"/>
-          <p:cNvCxnSpPr/>
-          <p:nvPr/>
-        </p:nvCxnSpPr>
-        <p:spPr>
-          <a:xfrm flipV="1">
-            <a:off x="7848600" y="4343400"/>
-            <a:ext cx="0" cy="3657600"/>
-          </a:xfrm>
-          <a:prstGeom prst="line">
-            <a:avLst/>
-          </a:prstGeom>
-          <a:ln w="12700">
-            <a:solidFill>
-              <a:srgbClr val="000000"/>
-            </a:solidFill>
-            <a:headEnd type="oval" w="med" len="med"/>
-            <a:tailEnd type="none" w="med" len="med"/>
-          </a:ln>
-        </p:spPr>
-        <p:style>
-          <a:lnRef idx="1">
-            <a:schemeClr val="accent1"/>
-          </a:lnRef>
-          <a:fillRef idx="0">
-            <a:schemeClr val="accent1"/>
-          </a:fillRef>
-          <a:effectRef idx="0">
-            <a:schemeClr val="accent1"/>
-          </a:effectRef>
-          <a:fontRef idx="minor">
-            <a:schemeClr val="tx1"/>
-          </a:fontRef>
-        </p:style>
-      </p:cxnSp>
-      <p:cxnSp>
-        <p:nvCxnSpPr>
-          <p:cNvPr id="309" name="Straight Connector 308"/>
-          <p:cNvCxnSpPr/>
-          <p:nvPr/>
-        </p:nvCxnSpPr>
-        <p:spPr>
-          <a:xfrm>
-            <a:off x="13335000" y="3581400"/>
-            <a:ext cx="304800" cy="0"/>
-          </a:xfrm>
-          <a:prstGeom prst="line">
-            <a:avLst/>
-          </a:prstGeom>
-          <a:ln w="12700">
-            <a:solidFill>
-              <a:srgbClr val="000000"/>
-            </a:solidFill>
-            <a:headEnd type="none" w="med" len="med"/>
-            <a:tailEnd type="none" w="med" len="med"/>
-          </a:ln>
-        </p:spPr>
-        <p:style>
-          <a:lnRef idx="1">
-            <a:schemeClr val="accent1"/>
-          </a:lnRef>
-          <a:fillRef idx="0">
-            <a:schemeClr val="accent1"/>
-          </a:fillRef>
-          <a:effectRef idx="0">
-            <a:schemeClr val="accent1"/>
-          </a:effectRef>
-          <a:fontRef idx="minor">
-            <a:schemeClr val="tx1"/>
-          </a:fontRef>
-        </p:style>
-      </p:cxnSp>
-      <p:cxnSp>
-        <p:nvCxnSpPr>
-          <p:cNvPr id="313" name="Straight Connector 312"/>
-          <p:cNvCxnSpPr/>
-          <p:nvPr/>
-        </p:nvCxnSpPr>
-        <p:spPr>
-          <a:xfrm flipV="1">
-            <a:off x="13335000" y="3581400"/>
-            <a:ext cx="0" cy="3733800"/>
-          </a:xfrm>
-          <a:prstGeom prst="line">
-            <a:avLst/>
-          </a:prstGeom>
-          <a:ln w="12700">
-            <a:solidFill>
-              <a:srgbClr val="000000"/>
-            </a:solidFill>
-            <a:headEnd type="none" w="med" len="med"/>
-            <a:tailEnd type="none" w="med" len="med"/>
-          </a:ln>
-        </p:spPr>
-        <p:style>
-          <a:lnRef idx="1">
-            <a:schemeClr val="accent1"/>
-          </a:lnRef>
-          <a:fillRef idx="0">
-            <a:schemeClr val="accent1"/>
-          </a:fillRef>
-          <a:effectRef idx="0">
-            <a:schemeClr val="accent1"/>
-          </a:effectRef>
-          <a:fontRef idx="minor">
-            <a:schemeClr val="tx1"/>
-          </a:fontRef>
-        </p:style>
-      </p:cxnSp>
-      <p:cxnSp>
-        <p:nvCxnSpPr>
-          <p:cNvPr id="316" name="Straight Connector 315"/>
-          <p:cNvCxnSpPr/>
-          <p:nvPr/>
-        </p:nvCxnSpPr>
-        <p:spPr>
-          <a:xfrm flipV="1">
-            <a:off x="11658600" y="3581400"/>
-            <a:ext cx="0" cy="152400"/>
-          </a:xfrm>
-          <a:prstGeom prst="line">
-            <a:avLst/>
-          </a:prstGeom>
-          <a:ln w="12700">
-            <a:solidFill>
-              <a:srgbClr val="000000"/>
-            </a:solidFill>
-            <a:headEnd type="none" w="med" len="med"/>
-            <a:tailEnd type="none" w="med" len="med"/>
-          </a:ln>
-        </p:spPr>
-        <p:style>
-          <a:lnRef idx="1">
-            <a:schemeClr val="accent1"/>
-          </a:lnRef>
-          <a:fillRef idx="0">
-            <a:schemeClr val="accent1"/>
-          </a:fillRef>
-          <a:effectRef idx="0">
-            <a:schemeClr val="accent1"/>
-          </a:effectRef>
-          <a:fontRef idx="minor">
-            <a:schemeClr val="tx1"/>
-          </a:fontRef>
-        </p:style>
-      </p:cxnSp>
-      <p:sp>
-        <p:nvSpPr>
-          <p:cNvPr id="318" name="Rectangle 317"/>
+      <p:sp>
+        <p:nvSpPr>
+          <p:cNvPr id="221" name="Rectangle 220"/>
           <p:cNvSpPr/>
           <p:nvPr/>
         </p:nvSpPr>
         <p:spPr>
           <a:xfrm>
-            <a:off x="11658600" y="3657600"/>
+            <a:off x="7543800" y="3733800"/>
             <a:ext cx="457200" cy="152400"/>
           </a:xfrm>
           <a:prstGeom prst="rect">
@@ -11794,14 +12413,14 @@
           <a:lstStyle/>
           <a:p>
             <a:r>
-              <a:rPr lang="en-US" sz="900" dirty="0">
+              <a:rPr lang="en-US" sz="900" dirty="0" err="1" smtClean="0">
                 <a:solidFill>
                   <a:srgbClr val="000000"/>
                 </a:solidFill>
                 <a:latin typeface="Courier New" panose="02070309020205020404" pitchFamily="49" charset="0"/>
                 <a:cs typeface="Courier New" panose="02070309020205020404" pitchFamily="49" charset="0"/>
               </a:rPr>
-              <a:t>CLKP</a:t>
+              <a:t>din_delay</a:t>
             </a:r>
             <a:endParaRPr lang="en-US" sz="900" dirty="0">
               <a:solidFill>
@@ -11815,166 +12434,14 @@
       </p:sp>
       <p:cxnSp>
         <p:nvCxnSpPr>
-          <p:cNvPr id="320" name="Straight Connector 319"/>
-          <p:cNvCxnSpPr>
-            <a:stCxn id="210" idx="3"/>
-          </p:cNvCxnSpPr>
+          <p:cNvPr id="237" name="Straight Connector 236"/>
+          <p:cNvCxnSpPr/>
           <p:nvPr/>
         </p:nvCxnSpPr>
         <p:spPr>
-          <a:xfrm>
-            <a:off x="762000" y="7238996"/>
-            <a:ext cx="8305800" cy="0"/>
-          </a:xfrm>
-          <a:prstGeom prst="line">
-            <a:avLst/>
-          </a:prstGeom>
-          <a:ln w="12700">
-            <a:solidFill>
-              <a:srgbClr val="000000"/>
-            </a:solidFill>
-            <a:headEnd type="none" w="med" len="med"/>
-            <a:tailEnd type="triangle" w="med" len="med"/>
-          </a:ln>
-        </p:spPr>
-        <p:style>
-          <a:lnRef idx="1">
-            <a:schemeClr val="accent1"/>
-          </a:lnRef>
-          <a:fillRef idx="0">
-            <a:schemeClr val="accent1"/>
-          </a:fillRef>
-          <a:effectRef idx="0">
-            <a:schemeClr val="accent1"/>
-          </a:effectRef>
-          <a:fontRef idx="minor">
-            <a:schemeClr val="tx1"/>
-          </a:fontRef>
-        </p:style>
-      </p:cxnSp>
-      <p:cxnSp>
-        <p:nvCxnSpPr>
-          <p:cNvPr id="328" name="Straight Connector 327"/>
-          <p:cNvCxnSpPr/>
-          <p:nvPr/>
-        </p:nvCxnSpPr>
-        <p:spPr>
           <a:xfrm flipV="1">
-            <a:off x="4800600" y="6324600"/>
-            <a:ext cx="0" cy="914400"/>
-          </a:xfrm>
-          <a:prstGeom prst="line">
-            <a:avLst/>
-          </a:prstGeom>
-          <a:ln w="12700">
-            <a:solidFill>
-              <a:srgbClr val="000000"/>
-            </a:solidFill>
-            <a:headEnd type="oval" w="med" len="med"/>
-            <a:tailEnd type="none" w="med" len="med"/>
-          </a:ln>
-        </p:spPr>
-        <p:style>
-          <a:lnRef idx="1">
-            <a:schemeClr val="accent1"/>
-          </a:lnRef>
-          <a:fillRef idx="0">
-            <a:schemeClr val="accent1"/>
-          </a:fillRef>
-          <a:effectRef idx="0">
-            <a:schemeClr val="accent1"/>
-          </a:effectRef>
-          <a:fontRef idx="minor">
-            <a:schemeClr val="tx1"/>
-          </a:fontRef>
-        </p:style>
-      </p:cxnSp>
-      <p:cxnSp>
-        <p:nvCxnSpPr>
-          <p:cNvPr id="346" name="Straight Connector 345"/>
-          <p:cNvCxnSpPr/>
-          <p:nvPr/>
-        </p:nvCxnSpPr>
-        <p:spPr>
-          <a:xfrm flipV="1">
-            <a:off x="5105400" y="6553200"/>
-            <a:ext cx="0" cy="1752600"/>
-          </a:xfrm>
-          <a:prstGeom prst="line">
-            <a:avLst/>
-          </a:prstGeom>
-          <a:ln w="12700">
-            <a:solidFill>
-              <a:srgbClr val="000000"/>
-            </a:solidFill>
-            <a:headEnd type="oval" w="med" len="med"/>
-            <a:tailEnd type="none" w="med" len="med"/>
-          </a:ln>
-        </p:spPr>
-        <p:style>
-          <a:lnRef idx="1">
-            <a:schemeClr val="accent1"/>
-          </a:lnRef>
-          <a:fillRef idx="0">
-            <a:schemeClr val="accent1"/>
-          </a:fillRef>
-          <a:effectRef idx="0">
-            <a:schemeClr val="accent1"/>
-          </a:effectRef>
-          <a:fontRef idx="minor">
-            <a:schemeClr val="tx1"/>
-          </a:fontRef>
-        </p:style>
-      </p:cxnSp>
-      <p:cxnSp>
-        <p:nvCxnSpPr>
-          <p:cNvPr id="348" name="Straight Connector 347"/>
-          <p:cNvCxnSpPr>
-            <a:stCxn id="351" idx="3"/>
-          </p:cNvCxnSpPr>
-          <p:nvPr/>
-        </p:nvCxnSpPr>
-        <p:spPr>
-          <a:xfrm>
-            <a:off x="762000" y="8305796"/>
-            <a:ext cx="7696200" cy="0"/>
-          </a:xfrm>
-          <a:prstGeom prst="line">
-            <a:avLst/>
-          </a:prstGeom>
-          <a:ln w="12700">
-            <a:solidFill>
-              <a:srgbClr val="000000"/>
-            </a:solidFill>
-            <a:headEnd type="none" w="med" len="med"/>
-            <a:tailEnd type="triangle" w="med" len="med"/>
-          </a:ln>
-        </p:spPr>
-        <p:style>
-          <a:lnRef idx="1">
-            <a:schemeClr val="accent1"/>
-          </a:lnRef>
-          <a:fillRef idx="0">
-            <a:schemeClr val="accent1"/>
-          </a:fillRef>
-          <a:effectRef idx="0">
-            <a:schemeClr val="accent1"/>
-          </a:effectRef>
-          <a:fontRef idx="minor">
-            <a:schemeClr val="tx1"/>
-          </a:fontRef>
-        </p:style>
-      </p:cxnSp>
-      <p:cxnSp>
-        <p:nvCxnSpPr>
-          <p:cNvPr id="349" name="Straight Connector 348"/>
-          <p:cNvCxnSpPr/>
-          <p:nvPr/>
-        </p:nvCxnSpPr>
-        <p:spPr>
-          <a:xfrm flipV="1">
-            <a:off x="838200" y="8229596"/>
-            <a:ext cx="152400" cy="152404"/>
+            <a:off x="7315200" y="3810000"/>
+            <a:ext cx="152400" cy="152400"/>
           </a:xfrm>
           <a:prstGeom prst="line">
             <a:avLst/>
@@ -12004,13 +12471,13 @@
       </p:cxnSp>
       <p:sp>
         <p:nvSpPr>
-          <p:cNvPr id="350" name="Rectangle 349"/>
+          <p:cNvPr id="239" name="Rectangle 238"/>
           <p:cNvSpPr/>
           <p:nvPr/>
         </p:nvSpPr>
         <p:spPr>
           <a:xfrm>
-            <a:off x="838201" y="8153396"/>
+            <a:off x="7315200" y="3733800"/>
             <a:ext cx="152400" cy="76200"/>
           </a:xfrm>
           <a:prstGeom prst="rect">
@@ -12052,6 +12519,95 @@
               </a:rPr>
               <a:t>1</a:t>
             </a:r>
+          </a:p>
+        </p:txBody>
+      </p:sp>
+      <p:cxnSp>
+        <p:nvCxnSpPr>
+          <p:cNvPr id="240" name="Straight Connector 239"/>
+          <p:cNvCxnSpPr/>
+          <p:nvPr/>
+        </p:nvCxnSpPr>
+        <p:spPr>
+          <a:xfrm flipV="1">
+            <a:off x="13792200" y="3733800"/>
+            <a:ext cx="0" cy="152400"/>
+          </a:xfrm>
+          <a:prstGeom prst="line">
+            <a:avLst/>
+          </a:prstGeom>
+          <a:ln w="12700">
+            <a:solidFill>
+              <a:srgbClr val="000000"/>
+            </a:solidFill>
+            <a:headEnd type="none" w="med" len="med"/>
+            <a:tailEnd type="none" w="med" len="med"/>
+          </a:ln>
+        </p:spPr>
+        <p:style>
+          <a:lnRef idx="1">
+            <a:schemeClr val="accent1"/>
+          </a:lnRef>
+          <a:fillRef idx="0">
+            <a:schemeClr val="accent1"/>
+          </a:fillRef>
+          <a:effectRef idx="0">
+            <a:schemeClr val="accent1"/>
+          </a:effectRef>
+          <a:fontRef idx="minor">
+            <a:schemeClr val="tx1"/>
+          </a:fontRef>
+        </p:style>
+      </p:cxnSp>
+      <p:sp>
+        <p:nvSpPr>
+          <p:cNvPr id="241" name="Rectangle 240"/>
+          <p:cNvSpPr/>
+          <p:nvPr/>
+        </p:nvSpPr>
+        <p:spPr>
+          <a:xfrm>
+            <a:off x="13792200" y="3810000"/>
+            <a:ext cx="457200" cy="152400"/>
+          </a:xfrm>
+          <a:prstGeom prst="rect">
+            <a:avLst/>
+          </a:prstGeom>
+          <a:noFill/>
+          <a:ln>
+            <a:noFill/>
+          </a:ln>
+        </p:spPr>
+        <p:style>
+          <a:lnRef idx="2">
+            <a:schemeClr val="accent1">
+              <a:shade val="50000"/>
+            </a:schemeClr>
+          </a:lnRef>
+          <a:fillRef idx="1">
+            <a:schemeClr val="accent1"/>
+          </a:fillRef>
+          <a:effectRef idx="0">
+            <a:schemeClr val="accent1"/>
+          </a:effectRef>
+          <a:fontRef idx="minor">
+            <a:schemeClr val="lt1"/>
+          </a:fontRef>
+        </p:style>
+        <p:txBody>
+          <a:bodyPr wrap="none" lIns="45720" rIns="45720" rtlCol="0" anchor="ctr"/>
+          <a:lstStyle/>
+          <a:p>
+            <a:r>
+              <a:rPr lang="en-US" sz="900" dirty="0" smtClean="0">
+                <a:solidFill>
+                  <a:srgbClr val="000000"/>
+                </a:solidFill>
+                <a:latin typeface="Courier New" panose="02070309020205020404" pitchFamily="49" charset="0"/>
+                <a:cs typeface="Courier New" panose="02070309020205020404" pitchFamily="49" charset="0"/>
+              </a:rPr>
+              <a:t>CLKS</a:t>
+            </a:r>
             <a:endParaRPr lang="en-US" sz="900" dirty="0">
               <a:solidFill>
                 <a:srgbClr val="000000"/>
@@ -12059,509 +12615,6 @@
               <a:latin typeface="Courier New" panose="02070309020205020404" pitchFamily="49" charset="0"/>
               <a:cs typeface="Courier New" panose="02070309020205020404" pitchFamily="49" charset="0"/>
             </a:endParaRPr>
-          </a:p>
-        </p:txBody>
-      </p:sp>
-      <p:sp>
-        <p:nvSpPr>
-          <p:cNvPr id="351" name="Pentagon 350"/>
-          <p:cNvSpPr/>
-          <p:nvPr/>
-        </p:nvSpPr>
-        <p:spPr>
-          <a:xfrm>
-            <a:off x="533400" y="8229596"/>
-            <a:ext cx="228600" cy="152400"/>
-          </a:xfrm>
-          <a:prstGeom prst="homePlate">
-            <a:avLst/>
-          </a:prstGeom>
-          <a:noFill/>
-          <a:ln w="12700">
-            <a:solidFill>
-              <a:schemeClr val="tx1"/>
-            </a:solidFill>
-          </a:ln>
-        </p:spPr>
-        <p:style>
-          <a:lnRef idx="2">
-            <a:schemeClr val="accent1">
-              <a:shade val="50000"/>
-            </a:schemeClr>
-          </a:lnRef>
-          <a:fillRef idx="1">
-            <a:schemeClr val="accent1"/>
-          </a:fillRef>
-          <a:effectRef idx="0">
-            <a:schemeClr val="accent1"/>
-          </a:effectRef>
-          <a:fontRef idx="minor">
-            <a:schemeClr val="lt1"/>
-          </a:fontRef>
-        </p:style>
-        <p:txBody>
-          <a:bodyPr rot="0" spcFirstLastPara="0" vertOverflow="overflow" horzOverflow="overflow" vert="horz" wrap="square" lIns="91440" tIns="45720" rIns="91440" bIns="45720" numCol="1" spcCol="0" rtlCol="0" fromWordArt="0" anchor="ctr" anchorCtr="0" forceAA="0" compatLnSpc="1">
-            <a:prstTxWarp prst="textNoShape">
-              <a:avLst/>
-            </a:prstTxWarp>
-            <a:noAutofit/>
-          </a:bodyPr>
-          <a:lstStyle/>
-          <a:p>
-            <a:pPr algn="ctr"/>
-            <a:endParaRPr lang="en-US" sz="3730"/>
-          </a:p>
-        </p:txBody>
-      </p:sp>
-      <p:sp>
-        <p:nvSpPr>
-          <p:cNvPr id="352" name="Rectangle 351"/>
-          <p:cNvSpPr/>
-          <p:nvPr/>
-        </p:nvSpPr>
-        <p:spPr>
-          <a:xfrm>
-            <a:off x="1143000" y="8153396"/>
-            <a:ext cx="457200" cy="152400"/>
-          </a:xfrm>
-          <a:prstGeom prst="rect">
-            <a:avLst/>
-          </a:prstGeom>
-          <a:noFill/>
-          <a:ln>
-            <a:noFill/>
-          </a:ln>
-        </p:spPr>
-        <p:style>
-          <a:lnRef idx="2">
-            <a:schemeClr val="accent1">
-              <a:shade val="50000"/>
-            </a:schemeClr>
-          </a:lnRef>
-          <a:fillRef idx="1">
-            <a:schemeClr val="accent1"/>
-          </a:fillRef>
-          <a:effectRef idx="0">
-            <a:schemeClr val="accent1"/>
-          </a:effectRef>
-          <a:fontRef idx="minor">
-            <a:schemeClr val="lt1"/>
-          </a:fontRef>
-        </p:style>
-        <p:txBody>
-          <a:bodyPr wrap="none" lIns="45720" rIns="45720" rtlCol="0" anchor="ctr"/>
-          <a:lstStyle/>
-          <a:p>
-            <a:r>
-              <a:rPr lang="en-US" sz="900" dirty="0">
-                <a:solidFill>
-                  <a:srgbClr val="000000"/>
-                </a:solidFill>
-                <a:latin typeface="Courier New" panose="02070309020205020404" pitchFamily="49" charset="0"/>
-                <a:cs typeface="Courier New" panose="02070309020205020404" pitchFamily="49" charset="0"/>
-              </a:rPr>
-              <a:t>RSTX</a:t>
-            </a:r>
-            <a:endParaRPr lang="en-US" sz="900" dirty="0">
-              <a:solidFill>
-                <a:srgbClr val="000000"/>
-              </a:solidFill>
-              <a:latin typeface="Courier New" panose="02070309020205020404" pitchFamily="49" charset="0"/>
-              <a:cs typeface="Courier New" panose="02070309020205020404" pitchFamily="49" charset="0"/>
-            </a:endParaRPr>
-          </a:p>
-        </p:txBody>
-      </p:sp>
-      <p:sp>
-        <p:nvSpPr>
-          <p:cNvPr id="353" name="Oval 352"/>
-          <p:cNvSpPr/>
-          <p:nvPr/>
-        </p:nvSpPr>
-        <p:spPr>
-          <a:xfrm>
-            <a:off x="5257800" y="6477000"/>
-            <a:ext cx="152400" cy="152400"/>
-          </a:xfrm>
-          <a:prstGeom prst="ellipse">
-            <a:avLst/>
-          </a:prstGeom>
-          <a:noFill/>
-          <a:ln w="12700">
-            <a:solidFill>
-              <a:schemeClr val="tx1"/>
-            </a:solidFill>
-          </a:ln>
-        </p:spPr>
-        <p:style>
-          <a:lnRef idx="2">
-            <a:schemeClr val="accent1">
-              <a:shade val="50000"/>
-            </a:schemeClr>
-          </a:lnRef>
-          <a:fillRef idx="1">
-            <a:schemeClr val="accent1"/>
-          </a:fillRef>
-          <a:effectRef idx="0">
-            <a:schemeClr val="accent1"/>
-          </a:effectRef>
-          <a:fontRef idx="minor">
-            <a:schemeClr val="lt1"/>
-          </a:fontRef>
-        </p:style>
-        <p:txBody>
-          <a:bodyPr rtlCol="0" anchor="ctr"/>
-          <a:lstStyle/>
-          <a:p>
-            <a:pPr algn="ctr"/>
-            <a:endParaRPr lang="en-US"/>
-          </a:p>
-        </p:txBody>
-      </p:sp>
-      <p:cxnSp>
-        <p:nvCxnSpPr>
-          <p:cNvPr id="355" name="Straight Connector 354"/>
-          <p:cNvCxnSpPr/>
-          <p:nvPr/>
-        </p:nvCxnSpPr>
-        <p:spPr>
-          <a:xfrm>
-            <a:off x="8153400" y="5029200"/>
-            <a:ext cx="457200" cy="0"/>
-          </a:xfrm>
-          <a:prstGeom prst="line">
-            <a:avLst/>
-          </a:prstGeom>
-          <a:ln w="12700">
-            <a:solidFill>
-              <a:srgbClr val="000000"/>
-            </a:solidFill>
-            <a:headEnd type="none" w="med" len="med"/>
-            <a:tailEnd type="none" w="med" len="med"/>
-          </a:ln>
-        </p:spPr>
-        <p:style>
-          <a:lnRef idx="1">
-            <a:schemeClr val="accent1"/>
-          </a:lnRef>
-          <a:fillRef idx="0">
-            <a:schemeClr val="accent1"/>
-          </a:fillRef>
-          <a:effectRef idx="0">
-            <a:schemeClr val="accent1"/>
-          </a:effectRef>
-          <a:fontRef idx="minor">
-            <a:schemeClr val="tx1"/>
-          </a:fontRef>
-        </p:style>
-      </p:cxnSp>
-      <p:cxnSp>
-        <p:nvCxnSpPr>
-          <p:cNvPr id="358" name="Straight Connector 357"/>
-          <p:cNvCxnSpPr/>
-          <p:nvPr/>
-        </p:nvCxnSpPr>
-        <p:spPr>
-          <a:xfrm flipV="1">
-            <a:off x="8153400" y="5029200"/>
-            <a:ext cx="0" cy="3276600"/>
-          </a:xfrm>
-          <a:prstGeom prst="line">
-            <a:avLst/>
-          </a:prstGeom>
-          <a:ln w="12700">
-            <a:solidFill>
-              <a:srgbClr val="000000"/>
-            </a:solidFill>
-            <a:headEnd type="oval" w="med" len="med"/>
-            <a:tailEnd type="none" w="med" len="med"/>
-          </a:ln>
-        </p:spPr>
-        <p:style>
-          <a:lnRef idx="1">
-            <a:schemeClr val="accent1"/>
-          </a:lnRef>
-          <a:fillRef idx="0">
-            <a:schemeClr val="accent1"/>
-          </a:fillRef>
-          <a:effectRef idx="0">
-            <a:schemeClr val="accent1"/>
-          </a:effectRef>
-          <a:fontRef idx="minor">
-            <a:schemeClr val="tx1"/>
-          </a:fontRef>
-        </p:style>
-      </p:cxnSp>
-      <p:sp>
-        <p:nvSpPr>
-          <p:cNvPr id="363" name="Rectangle 362"/>
-          <p:cNvSpPr/>
-          <p:nvPr/>
-        </p:nvSpPr>
-        <p:spPr>
-          <a:xfrm>
-            <a:off x="8915400" y="8229619"/>
-            <a:ext cx="304800" cy="304793"/>
-          </a:xfrm>
-          <a:prstGeom prst="rect">
-            <a:avLst/>
-          </a:prstGeom>
-          <a:noFill/>
-          <a:ln w="12700">
-            <a:solidFill>
-              <a:srgbClr val="000000"/>
-            </a:solidFill>
-          </a:ln>
-        </p:spPr>
-        <p:style>
-          <a:lnRef idx="2">
-            <a:schemeClr val="accent1">
-              <a:shade val="50000"/>
-            </a:schemeClr>
-          </a:lnRef>
-          <a:fillRef idx="1">
-            <a:schemeClr val="accent1"/>
-          </a:fillRef>
-          <a:effectRef idx="0">
-            <a:schemeClr val="accent1"/>
-          </a:effectRef>
-          <a:fontRef idx="minor">
-            <a:schemeClr val="lt1"/>
-          </a:fontRef>
-        </p:style>
-        <p:txBody>
-          <a:bodyPr rtlCol="0" anchor="ctr"/>
-          <a:lstStyle/>
-          <a:p>
-            <a:pPr algn="ctr"/>
-            <a:endParaRPr lang="en-US" sz="3730"/>
-          </a:p>
-        </p:txBody>
-      </p:sp>
-      <p:cxnSp>
-        <p:nvCxnSpPr>
-          <p:cNvPr id="364" name="Straight Connector 363"/>
-          <p:cNvCxnSpPr/>
-          <p:nvPr/>
-        </p:nvCxnSpPr>
-        <p:spPr>
-          <a:xfrm flipV="1">
-            <a:off x="8991601" y="8458173"/>
-            <a:ext cx="76200" cy="76200"/>
-          </a:xfrm>
-          <a:prstGeom prst="line">
-            <a:avLst/>
-          </a:prstGeom>
-          <a:ln w="12700">
-            <a:solidFill>
-              <a:srgbClr val="000000"/>
-            </a:solidFill>
-          </a:ln>
-        </p:spPr>
-        <p:style>
-          <a:lnRef idx="1">
-            <a:schemeClr val="accent1"/>
-          </a:lnRef>
-          <a:fillRef idx="0">
-            <a:schemeClr val="accent1"/>
-          </a:fillRef>
-          <a:effectRef idx="0">
-            <a:schemeClr val="accent1"/>
-          </a:effectRef>
-          <a:fontRef idx="minor">
-            <a:schemeClr val="tx1"/>
-          </a:fontRef>
-        </p:style>
-      </p:cxnSp>
-      <p:cxnSp>
-        <p:nvCxnSpPr>
-          <p:cNvPr id="366" name="Straight Connector 365"/>
-          <p:cNvCxnSpPr/>
-          <p:nvPr/>
-        </p:nvCxnSpPr>
-        <p:spPr>
-          <a:xfrm flipH="1" flipV="1">
-            <a:off x="9067801" y="8458173"/>
-            <a:ext cx="76200" cy="76200"/>
-          </a:xfrm>
-          <a:prstGeom prst="line">
-            <a:avLst/>
-          </a:prstGeom>
-          <a:ln w="12700">
-            <a:solidFill>
-              <a:srgbClr val="000000"/>
-            </a:solidFill>
-          </a:ln>
-        </p:spPr>
-        <p:style>
-          <a:lnRef idx="1">
-            <a:schemeClr val="accent1"/>
-          </a:lnRef>
-          <a:fillRef idx="0">
-            <a:schemeClr val="accent1"/>
-          </a:fillRef>
-          <a:effectRef idx="0">
-            <a:schemeClr val="accent1"/>
-          </a:effectRef>
-          <a:fontRef idx="minor">
-            <a:schemeClr val="tx1"/>
-          </a:fontRef>
-        </p:style>
-      </p:cxnSp>
-      <p:sp>
-        <p:nvSpPr>
-          <p:cNvPr id="367" name="Rectangle 366"/>
-          <p:cNvSpPr/>
-          <p:nvPr/>
-        </p:nvSpPr>
-        <p:spPr>
-          <a:xfrm>
-            <a:off x="8991600" y="8229580"/>
-            <a:ext cx="152400" cy="152400"/>
-          </a:xfrm>
-          <a:prstGeom prst="rect">
-            <a:avLst/>
-          </a:prstGeom>
-          <a:noFill/>
-          <a:ln>
-            <a:noFill/>
-          </a:ln>
-        </p:spPr>
-        <p:style>
-          <a:lnRef idx="2">
-            <a:schemeClr val="accent1">
-              <a:shade val="50000"/>
-            </a:schemeClr>
-          </a:lnRef>
-          <a:fillRef idx="1">
-            <a:schemeClr val="accent1"/>
-          </a:fillRef>
-          <a:effectRef idx="0">
-            <a:schemeClr val="accent1"/>
-          </a:effectRef>
-          <a:fontRef idx="minor">
-            <a:schemeClr val="lt1"/>
-          </a:fontRef>
-        </p:style>
-        <p:txBody>
-          <a:bodyPr wrap="none" lIns="45720" rIns="45720" rtlCol="0" anchor="ctr"/>
-          <a:lstStyle/>
-          <a:p>
-            <a:pPr algn="ctr"/>
-            <a:r>
-              <a:rPr lang="en-US" sz="900" dirty="0">
-                <a:solidFill>
-                  <a:srgbClr val="000000"/>
-                </a:solidFill>
-                <a:latin typeface="Courier New" panose="02070309020205020404" pitchFamily="49" charset="0"/>
-                <a:cs typeface="Courier New" panose="02070309020205020404" pitchFamily="49" charset="0"/>
-              </a:rPr>
-              <a:t>R</a:t>
-            </a:r>
-          </a:p>
-        </p:txBody>
-      </p:sp>
-      <p:sp>
-        <p:nvSpPr>
-          <p:cNvPr id="369" name="Rectangle 368"/>
-          <p:cNvSpPr/>
-          <p:nvPr/>
-        </p:nvSpPr>
-        <p:spPr>
-          <a:xfrm>
-            <a:off x="8534400" y="8229600"/>
-            <a:ext cx="457200" cy="152400"/>
-          </a:xfrm>
-          <a:prstGeom prst="rect">
-            <a:avLst/>
-          </a:prstGeom>
-          <a:noFill/>
-          <a:ln>
-            <a:noFill/>
-          </a:ln>
-        </p:spPr>
-        <p:style>
-          <a:lnRef idx="2">
-            <a:schemeClr val="accent1">
-              <a:shade val="50000"/>
-            </a:schemeClr>
-          </a:lnRef>
-          <a:fillRef idx="1">
-            <a:schemeClr val="accent1"/>
-          </a:fillRef>
-          <a:effectRef idx="0">
-            <a:schemeClr val="accent1"/>
-          </a:effectRef>
-          <a:fontRef idx="minor">
-            <a:schemeClr val="lt1"/>
-          </a:fontRef>
-        </p:style>
-        <p:txBody>
-          <a:bodyPr wrap="none" lIns="45720" rIns="45720" rtlCol="0" anchor="ctr"/>
-          <a:lstStyle/>
-          <a:p>
-            <a:r>
-              <a:rPr lang="en-US" sz="900" dirty="0">
-                <a:solidFill>
-                  <a:srgbClr val="000000"/>
-                </a:solidFill>
-                <a:latin typeface="Courier New" panose="02070309020205020404" pitchFamily="49" charset="0"/>
-                <a:cs typeface="Courier New" panose="02070309020205020404" pitchFamily="49" charset="0"/>
-              </a:rPr>
-              <a:t>to</a:t>
-            </a:r>
-          </a:p>
-        </p:txBody>
-      </p:sp>
-      <p:sp>
-        <p:nvSpPr>
-          <p:cNvPr id="370" name="Rectangle 369"/>
-          <p:cNvSpPr/>
-          <p:nvPr/>
-        </p:nvSpPr>
-        <p:spPr>
-          <a:xfrm>
-            <a:off x="9372600" y="8229600"/>
-            <a:ext cx="457200" cy="152400"/>
-          </a:xfrm>
-          <a:prstGeom prst="rect">
-            <a:avLst/>
-          </a:prstGeom>
-          <a:noFill/>
-          <a:ln>
-            <a:noFill/>
-          </a:ln>
-        </p:spPr>
-        <p:style>
-          <a:lnRef idx="2">
-            <a:schemeClr val="accent1">
-              <a:shade val="50000"/>
-            </a:schemeClr>
-          </a:lnRef>
-          <a:fillRef idx="1">
-            <a:schemeClr val="accent1"/>
-          </a:fillRef>
-          <a:effectRef idx="0">
-            <a:schemeClr val="accent1"/>
-          </a:effectRef>
-          <a:fontRef idx="minor">
-            <a:schemeClr val="lt1"/>
-          </a:fontRef>
-        </p:style>
-        <p:txBody>
-          <a:bodyPr wrap="none" lIns="45720" rIns="45720" rtlCol="0" anchor="ctr"/>
-          <a:lstStyle/>
-          <a:p>
-            <a:r>
-              <a:rPr lang="en-US" sz="900" dirty="0">
-                <a:solidFill>
-                  <a:srgbClr val="000000"/>
-                </a:solidFill>
-                <a:latin typeface="Courier New" panose="02070309020205020404" pitchFamily="49" charset="0"/>
-                <a:cs typeface="Courier New" panose="02070309020205020404" pitchFamily="49" charset="0"/>
-              </a:rPr>
-              <a:t>as low active asynchronous reset</a:t>
-            </a:r>
           </a:p>
         </p:txBody>
       </p:sp>

--- a/0060_serial/rtl/schematic/serial_recv.pptx
+++ b/0060_serial/rtl/schematic/serial_recv.pptx
@@ -197,7 +197,7 @@
           <a:p>
             <a:fld id="{B9E5BF02-4A65-43B2-AA51-912306618617}" type="datetimeFigureOut">
               <a:rPr lang="en-US" smtClean="0"/>
-              <a:t>9/25/2017</a:t>
+              <a:t>9/26/2017</a:t>
             </a:fld>
             <a:endParaRPr lang="en-US"/>
           </a:p>
@@ -685,7 +685,7 @@
           <a:p>
             <a:fld id="{F8F920B2-3E99-4C9D-9450-62A3DEC5476B}" type="datetimeFigureOut">
               <a:rPr lang="en-US" smtClean="0"/>
-              <a:t>9/25/2017</a:t>
+              <a:t>9/26/2017</a:t>
             </a:fld>
             <a:endParaRPr lang="en-US"/>
           </a:p>
@@ -855,7 +855,7 @@
           <a:p>
             <a:fld id="{F8F920B2-3E99-4C9D-9450-62A3DEC5476B}" type="datetimeFigureOut">
               <a:rPr lang="en-US" smtClean="0"/>
-              <a:t>9/25/2017</a:t>
+              <a:t>9/26/2017</a:t>
             </a:fld>
             <a:endParaRPr lang="en-US"/>
           </a:p>
@@ -1035,7 +1035,7 @@
           <a:p>
             <a:fld id="{F8F920B2-3E99-4C9D-9450-62A3DEC5476B}" type="datetimeFigureOut">
               <a:rPr lang="en-US" smtClean="0"/>
-              <a:t>9/25/2017</a:t>
+              <a:t>9/26/2017</a:t>
             </a:fld>
             <a:endParaRPr lang="en-US"/>
           </a:p>
@@ -1205,7 +1205,7 @@
           <a:p>
             <a:fld id="{F8F920B2-3E99-4C9D-9450-62A3DEC5476B}" type="datetimeFigureOut">
               <a:rPr lang="en-US" smtClean="0"/>
-              <a:t>9/25/2017</a:t>
+              <a:t>9/26/2017</a:t>
             </a:fld>
             <a:endParaRPr lang="en-US"/>
           </a:p>
@@ -1449,7 +1449,7 @@
           <a:p>
             <a:fld id="{F8F920B2-3E99-4C9D-9450-62A3DEC5476B}" type="datetimeFigureOut">
               <a:rPr lang="en-US" smtClean="0"/>
-              <a:t>9/25/2017</a:t>
+              <a:t>9/26/2017</a:t>
             </a:fld>
             <a:endParaRPr lang="en-US"/>
           </a:p>
@@ -1681,7 +1681,7 @@
           <a:p>
             <a:fld id="{F8F920B2-3E99-4C9D-9450-62A3DEC5476B}" type="datetimeFigureOut">
               <a:rPr lang="en-US" smtClean="0"/>
-              <a:t>9/25/2017</a:t>
+              <a:t>9/26/2017</a:t>
             </a:fld>
             <a:endParaRPr lang="en-US"/>
           </a:p>
@@ -2048,7 +2048,7 @@
           <a:p>
             <a:fld id="{F8F920B2-3E99-4C9D-9450-62A3DEC5476B}" type="datetimeFigureOut">
               <a:rPr lang="en-US" smtClean="0"/>
-              <a:t>9/25/2017</a:t>
+              <a:t>9/26/2017</a:t>
             </a:fld>
             <a:endParaRPr lang="en-US"/>
           </a:p>
@@ -2166,7 +2166,7 @@
           <a:p>
             <a:fld id="{F8F920B2-3E99-4C9D-9450-62A3DEC5476B}" type="datetimeFigureOut">
               <a:rPr lang="en-US" smtClean="0"/>
-              <a:t>9/25/2017</a:t>
+              <a:t>9/26/2017</a:t>
             </a:fld>
             <a:endParaRPr lang="en-US"/>
           </a:p>
@@ -2261,7 +2261,7 @@
           <a:p>
             <a:fld id="{F8F920B2-3E99-4C9D-9450-62A3DEC5476B}" type="datetimeFigureOut">
               <a:rPr lang="en-US" smtClean="0"/>
-              <a:t>9/25/2017</a:t>
+              <a:t>9/26/2017</a:t>
             </a:fld>
             <a:endParaRPr lang="en-US"/>
           </a:p>
@@ -2538,7 +2538,7 @@
           <a:p>
             <a:fld id="{F8F920B2-3E99-4C9D-9450-62A3DEC5476B}" type="datetimeFigureOut">
               <a:rPr lang="en-US" smtClean="0"/>
-              <a:t>9/25/2017</a:t>
+              <a:t>9/26/2017</a:t>
             </a:fld>
             <a:endParaRPr lang="en-US"/>
           </a:p>
@@ -2795,7 +2795,7 @@
           <a:p>
             <a:fld id="{F8F920B2-3E99-4C9D-9450-62A3DEC5476B}" type="datetimeFigureOut">
               <a:rPr lang="en-US" smtClean="0"/>
-              <a:t>9/25/2017</a:t>
+              <a:t>9/26/2017</a:t>
             </a:fld>
             <a:endParaRPr lang="en-US"/>
           </a:p>
@@ -3008,7 +3008,7 @@
           <a:p>
             <a:fld id="{F8F920B2-3E99-4C9D-9450-62A3DEC5476B}" type="datetimeFigureOut">
               <a:rPr lang="en-US" smtClean="0"/>
-              <a:t>9/25/2017</a:t>
+              <a:t>9/26/2017</a:t>
             </a:fld>
             <a:endParaRPr lang="en-US"/>
           </a:p>
@@ -4154,7 +4154,7 @@
         </p:nvSpPr>
         <p:spPr>
           <a:xfrm>
-            <a:off x="9372600" y="3810000"/>
+            <a:off x="9372600" y="4038600"/>
             <a:ext cx="304800" cy="152400"/>
           </a:xfrm>
           <a:prstGeom prst="rect">
@@ -7199,7 +7199,7 @@
         </p:nvSpPr>
         <p:spPr>
           <a:xfrm>
-            <a:off x="9372600" y="4038600"/>
+            <a:off x="9372600" y="3810000"/>
             <a:ext cx="304800" cy="152400"/>
           </a:xfrm>
           <a:prstGeom prst="rect">
@@ -7847,6 +7847,103 @@
           <a:p>
             <a:pPr algn="r"/>
             <a:r>
+              <a:rPr lang="en-US" sz="900" dirty="0" smtClean="0">
+                <a:solidFill>
+                  <a:srgbClr val="000000"/>
+                </a:solidFill>
+                <a:latin typeface="Courier New" panose="02070309020205020404" pitchFamily="49" charset="0"/>
+                <a:cs typeface="Courier New" panose="02070309020205020404" pitchFamily="49" charset="0"/>
+              </a:rPr>
+              <a:t>1’b1</a:t>
+            </a:r>
+            <a:endParaRPr lang="en-US" sz="900" dirty="0">
+              <a:solidFill>
+                <a:srgbClr val="000000"/>
+              </a:solidFill>
+              <a:latin typeface="Courier New" panose="02070309020205020404" pitchFamily="49" charset="0"/>
+              <a:cs typeface="Courier New" panose="02070309020205020404" pitchFamily="49" charset="0"/>
+            </a:endParaRPr>
+          </a:p>
+        </p:txBody>
+      </p:sp>
+      <p:cxnSp>
+        <p:nvCxnSpPr>
+          <p:cNvPr id="192" name="Straight Connector 191"/>
+          <p:cNvCxnSpPr/>
+          <p:nvPr/>
+        </p:nvCxnSpPr>
+        <p:spPr>
+          <a:xfrm>
+            <a:off x="5105400" y="4572000"/>
+            <a:ext cx="304800" cy="0"/>
+          </a:xfrm>
+          <a:prstGeom prst="line">
+            <a:avLst/>
+          </a:prstGeom>
+          <a:ln w="12700">
+            <a:solidFill>
+              <a:srgbClr val="000000"/>
+            </a:solidFill>
+            <a:headEnd type="none" w="med" len="med"/>
+            <a:tailEnd type="triangle" w="med" len="med"/>
+          </a:ln>
+        </p:spPr>
+        <p:style>
+          <a:lnRef idx="1">
+            <a:schemeClr val="accent1"/>
+          </a:lnRef>
+          <a:fillRef idx="0">
+            <a:schemeClr val="accent1"/>
+          </a:fillRef>
+          <a:effectRef idx="0">
+            <a:schemeClr val="accent1"/>
+          </a:effectRef>
+          <a:fontRef idx="minor">
+            <a:schemeClr val="tx1"/>
+          </a:fontRef>
+        </p:style>
+      </p:cxnSp>
+      <p:sp>
+        <p:nvSpPr>
+          <p:cNvPr id="193" name="Rectangle 192"/>
+          <p:cNvSpPr/>
+          <p:nvPr/>
+        </p:nvSpPr>
+        <p:spPr>
+          <a:xfrm>
+            <a:off x="4800600" y="4419600"/>
+            <a:ext cx="457200" cy="152400"/>
+          </a:xfrm>
+          <a:prstGeom prst="rect">
+            <a:avLst/>
+          </a:prstGeom>
+          <a:noFill/>
+          <a:ln>
+            <a:noFill/>
+          </a:ln>
+        </p:spPr>
+        <p:style>
+          <a:lnRef idx="2">
+            <a:schemeClr val="accent1">
+              <a:shade val="50000"/>
+            </a:schemeClr>
+          </a:lnRef>
+          <a:fillRef idx="1">
+            <a:schemeClr val="accent1"/>
+          </a:fillRef>
+          <a:effectRef idx="0">
+            <a:schemeClr val="accent1"/>
+          </a:effectRef>
+          <a:fontRef idx="minor">
+            <a:schemeClr val="lt1"/>
+          </a:fontRef>
+        </p:style>
+        <p:txBody>
+          <a:bodyPr wrap="none" lIns="45720" rIns="45720" rtlCol="0" anchor="ctr"/>
+          <a:lstStyle/>
+          <a:p>
+            <a:pPr algn="r"/>
+            <a:r>
               <a:rPr lang="en-US" sz="900" dirty="0">
                 <a:solidFill>
                   <a:srgbClr val="000000"/>
@@ -7861,14 +7958,157 @@
       </p:sp>
       <p:cxnSp>
         <p:nvCxnSpPr>
-          <p:cNvPr id="192" name="Straight Connector 191"/>
+          <p:cNvPr id="194" name="Straight Connector 193"/>
           <p:cNvCxnSpPr/>
           <p:nvPr/>
         </p:nvCxnSpPr>
         <p:spPr>
-          <a:xfrm>
-            <a:off x="5105400" y="4572000"/>
-            <a:ext cx="304800" cy="0"/>
+          <a:xfrm flipV="1">
+            <a:off x="838200" y="5791200"/>
+            <a:ext cx="152400" cy="152404"/>
+          </a:xfrm>
+          <a:prstGeom prst="line">
+            <a:avLst/>
+          </a:prstGeom>
+          <a:ln w="12700">
+            <a:solidFill>
+              <a:srgbClr val="000000"/>
+            </a:solidFill>
+            <a:headEnd type="none" w="med" len="med"/>
+            <a:tailEnd type="none" w="med" len="med"/>
+          </a:ln>
+        </p:spPr>
+        <p:style>
+          <a:lnRef idx="1">
+            <a:schemeClr val="accent1"/>
+          </a:lnRef>
+          <a:fillRef idx="0">
+            <a:schemeClr val="accent1"/>
+          </a:fillRef>
+          <a:effectRef idx="0">
+            <a:schemeClr val="accent1"/>
+          </a:effectRef>
+          <a:fontRef idx="minor">
+            <a:schemeClr val="tx1"/>
+          </a:fontRef>
+        </p:style>
+      </p:cxnSp>
+      <p:sp>
+        <p:nvSpPr>
+          <p:cNvPr id="195" name="Rectangle 194"/>
+          <p:cNvSpPr/>
+          <p:nvPr/>
+        </p:nvSpPr>
+        <p:spPr>
+          <a:xfrm>
+            <a:off x="838201" y="5715000"/>
+            <a:ext cx="152400" cy="76200"/>
+          </a:xfrm>
+          <a:prstGeom prst="rect">
+            <a:avLst/>
+          </a:prstGeom>
+          <a:noFill/>
+          <a:ln>
+            <a:noFill/>
+          </a:ln>
+        </p:spPr>
+        <p:style>
+          <a:lnRef idx="2">
+            <a:schemeClr val="accent1">
+              <a:shade val="50000"/>
+            </a:schemeClr>
+          </a:lnRef>
+          <a:fillRef idx="1">
+            <a:schemeClr val="accent1"/>
+          </a:fillRef>
+          <a:effectRef idx="0">
+            <a:schemeClr val="accent1"/>
+          </a:effectRef>
+          <a:fontRef idx="minor">
+            <a:schemeClr val="lt1"/>
+          </a:fontRef>
+        </p:style>
+        <p:txBody>
+          <a:bodyPr wrap="none" lIns="45720" rIns="45720" rtlCol="0" anchor="ctr"/>
+          <a:lstStyle/>
+          <a:p>
+            <a:pPr algn="ctr"/>
+            <a:r>
+              <a:rPr lang="en-US" sz="900" dirty="0">
+                <a:solidFill>
+                  <a:srgbClr val="000000"/>
+                </a:solidFill>
+                <a:latin typeface="Courier New" panose="02070309020205020404" pitchFamily="49" charset="0"/>
+                <a:cs typeface="Courier New" panose="02070309020205020404" pitchFamily="49" charset="0"/>
+              </a:rPr>
+              <a:t>1</a:t>
+            </a:r>
+          </a:p>
+        </p:txBody>
+      </p:sp>
+      <p:sp>
+        <p:nvSpPr>
+          <p:cNvPr id="196" name="Pentagon 195"/>
+          <p:cNvSpPr/>
+          <p:nvPr/>
+        </p:nvSpPr>
+        <p:spPr>
+          <a:xfrm>
+            <a:off x="533400" y="5791200"/>
+            <a:ext cx="228600" cy="152400"/>
+          </a:xfrm>
+          <a:prstGeom prst="homePlate">
+            <a:avLst/>
+          </a:prstGeom>
+          <a:noFill/>
+          <a:ln w="12700">
+            <a:solidFill>
+              <a:schemeClr val="tx1"/>
+            </a:solidFill>
+          </a:ln>
+        </p:spPr>
+        <p:style>
+          <a:lnRef idx="2">
+            <a:schemeClr val="accent1">
+              <a:shade val="50000"/>
+            </a:schemeClr>
+          </a:lnRef>
+          <a:fillRef idx="1">
+            <a:schemeClr val="accent1"/>
+          </a:fillRef>
+          <a:effectRef idx="0">
+            <a:schemeClr val="accent1"/>
+          </a:effectRef>
+          <a:fontRef idx="minor">
+            <a:schemeClr val="lt1"/>
+          </a:fontRef>
+        </p:style>
+        <p:txBody>
+          <a:bodyPr rot="0" spcFirstLastPara="0" vertOverflow="overflow" horzOverflow="overflow" vert="horz" wrap="square" lIns="91440" tIns="45720" rIns="91440" bIns="45720" numCol="1" spcCol="0" rtlCol="0" fromWordArt="0" anchor="ctr" anchorCtr="0" forceAA="0" compatLnSpc="1">
+            <a:prstTxWarp prst="textNoShape">
+              <a:avLst/>
+            </a:prstTxWarp>
+            <a:noAutofit/>
+          </a:bodyPr>
+          <a:lstStyle/>
+          <a:p>
+            <a:pPr algn="ctr"/>
+            <a:endParaRPr lang="en-US" sz="3730"/>
+          </a:p>
+        </p:txBody>
+      </p:sp>
+      <p:cxnSp>
+        <p:nvCxnSpPr>
+          <p:cNvPr id="197" name="Straight Connector 196"/>
+          <p:cNvCxnSpPr>
+            <a:stCxn id="196" idx="3"/>
+          </p:cNvCxnSpPr>
+          <p:nvPr/>
+        </p:nvCxnSpPr>
+        <p:spPr>
+          <a:xfrm>
+            <a:off x="762000" y="5867400"/>
+            <a:ext cx="4648200" cy="0"/>
           </a:xfrm>
           <a:prstGeom prst="line">
             <a:avLst/>
@@ -7898,13 +8138,339 @@
       </p:cxnSp>
       <p:sp>
         <p:nvSpPr>
-          <p:cNvPr id="193" name="Rectangle 192"/>
+          <p:cNvPr id="198" name="Rectangle 197"/>
           <p:cNvSpPr/>
           <p:nvPr/>
         </p:nvSpPr>
         <p:spPr>
           <a:xfrm>
-            <a:off x="4800600" y="4419600"/>
+            <a:off x="1143000" y="5715000"/>
+            <a:ext cx="457200" cy="152400"/>
+          </a:xfrm>
+          <a:prstGeom prst="rect">
+            <a:avLst/>
+          </a:prstGeom>
+          <a:noFill/>
+          <a:ln>
+            <a:noFill/>
+          </a:ln>
+        </p:spPr>
+        <p:style>
+          <a:lnRef idx="2">
+            <a:schemeClr val="accent1">
+              <a:shade val="50000"/>
+            </a:schemeClr>
+          </a:lnRef>
+          <a:fillRef idx="1">
+            <a:schemeClr val="accent1"/>
+          </a:fillRef>
+          <a:effectRef idx="0">
+            <a:schemeClr val="accent1"/>
+          </a:effectRef>
+          <a:fontRef idx="minor">
+            <a:schemeClr val="lt1"/>
+          </a:fontRef>
+        </p:style>
+        <p:txBody>
+          <a:bodyPr wrap="none" lIns="45720" rIns="45720" rtlCol="0" anchor="ctr"/>
+          <a:lstStyle/>
+          <a:p>
+            <a:r>
+              <a:rPr lang="en-US" sz="900" dirty="0">
+                <a:solidFill>
+                  <a:srgbClr val="000000"/>
+                </a:solidFill>
+                <a:latin typeface="Courier New" panose="02070309020205020404" pitchFamily="49" charset="0"/>
+                <a:cs typeface="Courier New" panose="02070309020205020404" pitchFamily="49" charset="0"/>
+              </a:rPr>
+              <a:t>PHY_INIT</a:t>
+            </a:r>
+          </a:p>
+        </p:txBody>
+      </p:sp>
+      <p:cxnSp>
+        <p:nvCxnSpPr>
+          <p:cNvPr id="199" name="Straight Connector 198"/>
+          <p:cNvCxnSpPr/>
+          <p:nvPr/>
+        </p:nvCxnSpPr>
+        <p:spPr>
+          <a:xfrm flipV="1">
+            <a:off x="838200" y="7924796"/>
+            <a:ext cx="152400" cy="152404"/>
+          </a:xfrm>
+          <a:prstGeom prst="line">
+            <a:avLst/>
+          </a:prstGeom>
+          <a:ln w="12700">
+            <a:solidFill>
+              <a:srgbClr val="000000"/>
+            </a:solidFill>
+            <a:headEnd type="none" w="med" len="med"/>
+            <a:tailEnd type="none" w="med" len="med"/>
+          </a:ln>
+        </p:spPr>
+        <p:style>
+          <a:lnRef idx="1">
+            <a:schemeClr val="accent1"/>
+          </a:lnRef>
+          <a:fillRef idx="0">
+            <a:schemeClr val="accent1"/>
+          </a:fillRef>
+          <a:effectRef idx="0">
+            <a:schemeClr val="accent1"/>
+          </a:effectRef>
+          <a:fontRef idx="minor">
+            <a:schemeClr val="tx1"/>
+          </a:fontRef>
+        </p:style>
+      </p:cxnSp>
+      <p:sp>
+        <p:nvSpPr>
+          <p:cNvPr id="200" name="Rectangle 199"/>
+          <p:cNvSpPr/>
+          <p:nvPr/>
+        </p:nvSpPr>
+        <p:spPr>
+          <a:xfrm>
+            <a:off x="838201" y="7848596"/>
+            <a:ext cx="152400" cy="76200"/>
+          </a:xfrm>
+          <a:prstGeom prst="rect">
+            <a:avLst/>
+          </a:prstGeom>
+          <a:noFill/>
+          <a:ln>
+            <a:noFill/>
+          </a:ln>
+        </p:spPr>
+        <p:style>
+          <a:lnRef idx="2">
+            <a:schemeClr val="accent1">
+              <a:shade val="50000"/>
+            </a:schemeClr>
+          </a:lnRef>
+          <a:fillRef idx="1">
+            <a:schemeClr val="accent1"/>
+          </a:fillRef>
+          <a:effectRef idx="0">
+            <a:schemeClr val="accent1"/>
+          </a:effectRef>
+          <a:fontRef idx="minor">
+            <a:schemeClr val="lt1"/>
+          </a:fontRef>
+        </p:style>
+        <p:txBody>
+          <a:bodyPr wrap="none" lIns="45720" rIns="45720" rtlCol="0" anchor="ctr"/>
+          <a:lstStyle/>
+          <a:p>
+            <a:pPr algn="ctr"/>
+            <a:r>
+              <a:rPr lang="en-US" sz="900" dirty="0">
+                <a:solidFill>
+                  <a:srgbClr val="000000"/>
+                </a:solidFill>
+                <a:latin typeface="Courier New" panose="02070309020205020404" pitchFamily="49" charset="0"/>
+                <a:cs typeface="Courier New" panose="02070309020205020404" pitchFamily="49" charset="0"/>
+              </a:rPr>
+              <a:t>1</a:t>
+            </a:r>
+          </a:p>
+        </p:txBody>
+      </p:sp>
+      <p:sp>
+        <p:nvSpPr>
+          <p:cNvPr id="201" name="Pentagon 200"/>
+          <p:cNvSpPr/>
+          <p:nvPr/>
+        </p:nvSpPr>
+        <p:spPr>
+          <a:xfrm>
+            <a:off x="533400" y="7924796"/>
+            <a:ext cx="228600" cy="152400"/>
+          </a:xfrm>
+          <a:prstGeom prst="homePlate">
+            <a:avLst/>
+          </a:prstGeom>
+          <a:noFill/>
+          <a:ln w="12700">
+            <a:solidFill>
+              <a:schemeClr val="tx1"/>
+            </a:solidFill>
+          </a:ln>
+        </p:spPr>
+        <p:style>
+          <a:lnRef idx="2">
+            <a:schemeClr val="accent1">
+              <a:shade val="50000"/>
+            </a:schemeClr>
+          </a:lnRef>
+          <a:fillRef idx="1">
+            <a:schemeClr val="accent1"/>
+          </a:fillRef>
+          <a:effectRef idx="0">
+            <a:schemeClr val="accent1"/>
+          </a:effectRef>
+          <a:fontRef idx="minor">
+            <a:schemeClr val="lt1"/>
+          </a:fontRef>
+        </p:style>
+        <p:txBody>
+          <a:bodyPr rot="0" spcFirstLastPara="0" vertOverflow="overflow" horzOverflow="overflow" vert="horz" wrap="square" lIns="91440" tIns="45720" rIns="91440" bIns="45720" numCol="1" spcCol="0" rtlCol="0" fromWordArt="0" anchor="ctr" anchorCtr="0" forceAA="0" compatLnSpc="1">
+            <a:prstTxWarp prst="textNoShape">
+              <a:avLst/>
+            </a:prstTxWarp>
+            <a:noAutofit/>
+          </a:bodyPr>
+          <a:lstStyle/>
+          <a:p>
+            <a:pPr algn="ctr"/>
+            <a:endParaRPr lang="en-US" sz="3730"/>
+          </a:p>
+        </p:txBody>
+      </p:sp>
+      <p:cxnSp>
+        <p:nvCxnSpPr>
+          <p:cNvPr id="202" name="Straight Connector 201"/>
+          <p:cNvCxnSpPr/>
+          <p:nvPr/>
+        </p:nvCxnSpPr>
+        <p:spPr>
+          <a:xfrm>
+            <a:off x="4495800" y="6096000"/>
+            <a:ext cx="914400" cy="0"/>
+          </a:xfrm>
+          <a:prstGeom prst="line">
+            <a:avLst/>
+          </a:prstGeom>
+          <a:ln w="12700">
+            <a:solidFill>
+              <a:srgbClr val="000000"/>
+            </a:solidFill>
+            <a:headEnd type="none" w="med" len="med"/>
+            <a:tailEnd type="triangle" w="med" len="med"/>
+          </a:ln>
+        </p:spPr>
+        <p:style>
+          <a:lnRef idx="1">
+            <a:schemeClr val="accent1"/>
+          </a:lnRef>
+          <a:fillRef idx="0">
+            <a:schemeClr val="accent1"/>
+          </a:fillRef>
+          <a:effectRef idx="0">
+            <a:schemeClr val="accent1"/>
+          </a:effectRef>
+          <a:fontRef idx="minor">
+            <a:schemeClr val="tx1"/>
+          </a:fontRef>
+        </p:style>
+      </p:cxnSp>
+      <p:sp>
+        <p:nvSpPr>
+          <p:cNvPr id="203" name="Rectangle 202"/>
+          <p:cNvSpPr/>
+          <p:nvPr/>
+        </p:nvSpPr>
+        <p:spPr>
+          <a:xfrm>
+            <a:off x="1143000" y="7848596"/>
+            <a:ext cx="457200" cy="152400"/>
+          </a:xfrm>
+          <a:prstGeom prst="rect">
+            <a:avLst/>
+          </a:prstGeom>
+          <a:noFill/>
+          <a:ln>
+            <a:noFill/>
+          </a:ln>
+        </p:spPr>
+        <p:style>
+          <a:lnRef idx="2">
+            <a:schemeClr val="accent1">
+              <a:shade val="50000"/>
+            </a:schemeClr>
+          </a:lnRef>
+          <a:fillRef idx="1">
+            <a:schemeClr val="accent1"/>
+          </a:fillRef>
+          <a:effectRef idx="0">
+            <a:schemeClr val="accent1"/>
+          </a:effectRef>
+          <a:fontRef idx="minor">
+            <a:schemeClr val="lt1"/>
+          </a:fontRef>
+        </p:style>
+        <p:txBody>
+          <a:bodyPr wrap="none" lIns="45720" rIns="45720" rtlCol="0" anchor="ctr"/>
+          <a:lstStyle/>
+          <a:p>
+            <a:r>
+              <a:rPr lang="en-US" sz="900" dirty="0" smtClean="0">
+                <a:solidFill>
+                  <a:srgbClr val="000000"/>
+                </a:solidFill>
+                <a:latin typeface="Courier New" panose="02070309020205020404" pitchFamily="49" charset="0"/>
+                <a:cs typeface="Courier New" panose="02070309020205020404" pitchFamily="49" charset="0"/>
+              </a:rPr>
+              <a:t>CLKS</a:t>
+            </a:r>
+            <a:endParaRPr lang="en-US" sz="900" dirty="0">
+              <a:solidFill>
+                <a:srgbClr val="000000"/>
+              </a:solidFill>
+              <a:latin typeface="Courier New" panose="02070309020205020404" pitchFamily="49" charset="0"/>
+              <a:cs typeface="Courier New" panose="02070309020205020404" pitchFamily="49" charset="0"/>
+            </a:endParaRPr>
+          </a:p>
+        </p:txBody>
+      </p:sp>
+      <p:cxnSp>
+        <p:nvCxnSpPr>
+          <p:cNvPr id="205" name="Straight Connector 204"/>
+          <p:cNvCxnSpPr/>
+          <p:nvPr/>
+        </p:nvCxnSpPr>
+        <p:spPr>
+          <a:xfrm>
+            <a:off x="5105400" y="4800600"/>
+            <a:ext cx="304800" cy="0"/>
+          </a:xfrm>
+          <a:prstGeom prst="line">
+            <a:avLst/>
+          </a:prstGeom>
+          <a:ln w="12700">
+            <a:solidFill>
+              <a:srgbClr val="000000"/>
+            </a:solidFill>
+            <a:headEnd type="none" w="med" len="med"/>
+            <a:tailEnd type="triangle" w="med" len="med"/>
+          </a:ln>
+        </p:spPr>
+        <p:style>
+          <a:lnRef idx="1">
+            <a:schemeClr val="accent1"/>
+          </a:lnRef>
+          <a:fillRef idx="0">
+            <a:schemeClr val="accent1"/>
+          </a:fillRef>
+          <a:effectRef idx="0">
+            <a:schemeClr val="accent1"/>
+          </a:effectRef>
+          <a:fontRef idx="minor">
+            <a:schemeClr val="tx1"/>
+          </a:fontRef>
+        </p:style>
+      </p:cxnSp>
+      <p:sp>
+        <p:nvSpPr>
+          <p:cNvPr id="206" name="Rectangle 205"/>
+          <p:cNvSpPr/>
+          <p:nvPr/>
+        </p:nvSpPr>
+        <p:spPr>
+          <a:xfrm>
+            <a:off x="4800600" y="4648200"/>
             <a:ext cx="457200" cy="152400"/>
           </a:xfrm>
           <a:prstGeom prst="rect">
@@ -7949,15 +8515,67 @@
           </a:p>
         </p:txBody>
       </p:sp>
+      <p:sp>
+        <p:nvSpPr>
+          <p:cNvPr id="207" name="Rectangle 206"/>
+          <p:cNvSpPr/>
+          <p:nvPr/>
+        </p:nvSpPr>
+        <p:spPr>
+          <a:xfrm>
+            <a:off x="5410200" y="6248400"/>
+            <a:ext cx="304800" cy="152400"/>
+          </a:xfrm>
+          <a:prstGeom prst="rect">
+            <a:avLst/>
+          </a:prstGeom>
+          <a:noFill/>
+          <a:ln>
+            <a:noFill/>
+          </a:ln>
+        </p:spPr>
+        <p:style>
+          <a:lnRef idx="2">
+            <a:schemeClr val="accent1">
+              <a:shade val="50000"/>
+            </a:schemeClr>
+          </a:lnRef>
+          <a:fillRef idx="1">
+            <a:schemeClr val="accent1"/>
+          </a:fillRef>
+          <a:effectRef idx="0">
+            <a:schemeClr val="accent1"/>
+          </a:effectRef>
+          <a:fontRef idx="minor">
+            <a:schemeClr val="lt1"/>
+          </a:fontRef>
+        </p:style>
+        <p:txBody>
+          <a:bodyPr wrap="none" lIns="45720" rIns="45720" rtlCol="0" anchor="ctr"/>
+          <a:lstStyle/>
+          <a:p>
+            <a:r>
+              <a:rPr lang="en-US" sz="900" dirty="0">
+                <a:solidFill>
+                  <a:srgbClr val="000000"/>
+                </a:solidFill>
+                <a:latin typeface="Courier New" panose="02070309020205020404" pitchFamily="49" charset="0"/>
+                <a:cs typeface="Courier New" panose="02070309020205020404" pitchFamily="49" charset="0"/>
+              </a:rPr>
+              <a:t>CLK</a:t>
+            </a:r>
+          </a:p>
+        </p:txBody>
+      </p:sp>
       <p:cxnSp>
         <p:nvCxnSpPr>
-          <p:cNvPr id="194" name="Straight Connector 193"/>
+          <p:cNvPr id="208" name="Straight Connector 207"/>
           <p:cNvCxnSpPr/>
           <p:nvPr/>
         </p:nvCxnSpPr>
         <p:spPr>
           <a:xfrm flipV="1">
-            <a:off x="838200" y="5791200"/>
+            <a:off x="838200" y="7162796"/>
             <a:ext cx="152400" cy="152404"/>
           </a:xfrm>
           <a:prstGeom prst="line">
@@ -7988,13 +8606,13 @@
       </p:cxnSp>
       <p:sp>
         <p:nvSpPr>
-          <p:cNvPr id="195" name="Rectangle 194"/>
+          <p:cNvPr id="209" name="Rectangle 208"/>
           <p:cNvSpPr/>
           <p:nvPr/>
         </p:nvSpPr>
         <p:spPr>
           <a:xfrm>
-            <a:off x="838201" y="5715000"/>
+            <a:off x="838201" y="7086596"/>
             <a:ext cx="152400" cy="76200"/>
           </a:xfrm>
           <a:prstGeom prst="rect">
@@ -8041,13 +8659,13 @@
       </p:sp>
       <p:sp>
         <p:nvSpPr>
-          <p:cNvPr id="196" name="Pentagon 195"/>
+          <p:cNvPr id="210" name="Pentagon 209"/>
           <p:cNvSpPr/>
           <p:nvPr/>
         </p:nvSpPr>
         <p:spPr>
           <a:xfrm>
-            <a:off x="533400" y="5791200"/>
+            <a:off x="533400" y="7162796"/>
             <a:ext cx="228600" cy="152400"/>
           </a:xfrm>
           <a:prstGeom prst="homePlate">
@@ -8092,16 +8710,14 @@
       </p:sp>
       <p:cxnSp>
         <p:nvCxnSpPr>
-          <p:cNvPr id="197" name="Straight Connector 196"/>
-          <p:cNvCxnSpPr>
-            <a:stCxn id="196" idx="3"/>
-          </p:cNvCxnSpPr>
+          <p:cNvPr id="211" name="Straight Connector 210"/>
+          <p:cNvCxnSpPr/>
           <p:nvPr/>
         </p:nvCxnSpPr>
         <p:spPr>
-          <a:xfrm>
-            <a:off x="762000" y="5867400"/>
-            <a:ext cx="4648200" cy="0"/>
+          <a:xfrm flipV="1">
+            <a:off x="4800600" y="6324596"/>
+            <a:ext cx="609600" cy="4"/>
           </a:xfrm>
           <a:prstGeom prst="line">
             <a:avLst/>
@@ -8131,14 +8747,73 @@
       </p:cxnSp>
       <p:sp>
         <p:nvSpPr>
-          <p:cNvPr id="198" name="Rectangle 197"/>
+          <p:cNvPr id="212" name="Rectangle 211"/>
           <p:cNvSpPr/>
           <p:nvPr/>
         </p:nvSpPr>
         <p:spPr>
           <a:xfrm>
-            <a:off x="1143000" y="5715000"/>
+            <a:off x="1143000" y="7086596"/>
             <a:ext cx="457200" cy="152400"/>
+          </a:xfrm>
+          <a:prstGeom prst="rect">
+            <a:avLst/>
+          </a:prstGeom>
+          <a:noFill/>
+          <a:ln>
+            <a:noFill/>
+          </a:ln>
+        </p:spPr>
+        <p:style>
+          <a:lnRef idx="2">
+            <a:schemeClr val="accent1">
+              <a:shade val="50000"/>
+            </a:schemeClr>
+          </a:lnRef>
+          <a:fillRef idx="1">
+            <a:schemeClr val="accent1"/>
+          </a:fillRef>
+          <a:effectRef idx="0">
+            <a:schemeClr val="accent1"/>
+          </a:effectRef>
+          <a:fontRef idx="minor">
+            <a:schemeClr val="lt1"/>
+          </a:fontRef>
+        </p:style>
+        <p:txBody>
+          <a:bodyPr wrap="none" lIns="45720" rIns="45720" rtlCol="0" anchor="ctr"/>
+          <a:lstStyle/>
+          <a:p>
+            <a:r>
+              <a:rPr lang="en-US" sz="900" dirty="0" smtClean="0">
+                <a:solidFill>
+                  <a:srgbClr val="000000"/>
+                </a:solidFill>
+                <a:latin typeface="Courier New" panose="02070309020205020404" pitchFamily="49" charset="0"/>
+                <a:cs typeface="Courier New" panose="02070309020205020404" pitchFamily="49" charset="0"/>
+              </a:rPr>
+              <a:t>CLKF</a:t>
+            </a:r>
+            <a:endParaRPr lang="en-US" sz="900" dirty="0">
+              <a:solidFill>
+                <a:srgbClr val="000000"/>
+              </a:solidFill>
+              <a:latin typeface="Courier New" panose="02070309020205020404" pitchFamily="49" charset="0"/>
+              <a:cs typeface="Courier New" panose="02070309020205020404" pitchFamily="49" charset="0"/>
+            </a:endParaRPr>
+          </a:p>
+        </p:txBody>
+      </p:sp>
+      <p:sp>
+        <p:nvSpPr>
+          <p:cNvPr id="213" name="Rectangle 212"/>
+          <p:cNvSpPr/>
+          <p:nvPr/>
+        </p:nvSpPr>
+        <p:spPr>
+          <a:xfrm>
+            <a:off x="5410200" y="4953000"/>
+            <a:ext cx="304800" cy="152400"/>
           </a:xfrm>
           <a:prstGeom prst="rect">
             <a:avLst/>
@@ -8176,21 +8851,314 @@
                 <a:latin typeface="Courier New" panose="02070309020205020404" pitchFamily="49" charset="0"/>
                 <a:cs typeface="Courier New" panose="02070309020205020404" pitchFamily="49" charset="0"/>
               </a:rPr>
-              <a:t>PHY_INIT</a:t>
+              <a:t>INC</a:t>
             </a:r>
           </a:p>
         </p:txBody>
       </p:sp>
       <p:cxnSp>
         <p:nvCxnSpPr>
-          <p:cNvPr id="199" name="Straight Connector 198"/>
+          <p:cNvPr id="214" name="Straight Connector 213"/>
           <p:cNvCxnSpPr/>
           <p:nvPr/>
         </p:nvCxnSpPr>
         <p:spPr>
-          <a:xfrm flipV="1">
-            <a:off x="838200" y="7924796"/>
-            <a:ext cx="152400" cy="152404"/>
+          <a:xfrm>
+            <a:off x="5105400" y="5029200"/>
+            <a:ext cx="304800" cy="0"/>
+          </a:xfrm>
+          <a:prstGeom prst="line">
+            <a:avLst/>
+          </a:prstGeom>
+          <a:ln w="12700">
+            <a:solidFill>
+              <a:srgbClr val="000000"/>
+            </a:solidFill>
+            <a:headEnd type="none" w="med" len="med"/>
+            <a:tailEnd type="triangle" w="med" len="med"/>
+          </a:ln>
+        </p:spPr>
+        <p:style>
+          <a:lnRef idx="1">
+            <a:schemeClr val="accent1"/>
+          </a:lnRef>
+          <a:fillRef idx="0">
+            <a:schemeClr val="accent1"/>
+          </a:fillRef>
+          <a:effectRef idx="0">
+            <a:schemeClr val="accent1"/>
+          </a:effectRef>
+          <a:fontRef idx="minor">
+            <a:schemeClr val="tx1"/>
+          </a:fontRef>
+        </p:style>
+      </p:cxnSp>
+      <p:sp>
+        <p:nvSpPr>
+          <p:cNvPr id="215" name="Rectangle 214"/>
+          <p:cNvSpPr/>
+          <p:nvPr/>
+        </p:nvSpPr>
+        <p:spPr>
+          <a:xfrm>
+            <a:off x="4800600" y="4876800"/>
+            <a:ext cx="457200" cy="152400"/>
+          </a:xfrm>
+          <a:prstGeom prst="rect">
+            <a:avLst/>
+          </a:prstGeom>
+          <a:noFill/>
+          <a:ln>
+            <a:noFill/>
+          </a:ln>
+        </p:spPr>
+        <p:style>
+          <a:lnRef idx="2">
+            <a:schemeClr val="accent1">
+              <a:shade val="50000"/>
+            </a:schemeClr>
+          </a:lnRef>
+          <a:fillRef idx="1">
+            <a:schemeClr val="accent1"/>
+          </a:fillRef>
+          <a:effectRef idx="0">
+            <a:schemeClr val="accent1"/>
+          </a:effectRef>
+          <a:fontRef idx="minor">
+            <a:schemeClr val="lt1"/>
+          </a:fontRef>
+        </p:style>
+        <p:txBody>
+          <a:bodyPr wrap="none" lIns="45720" rIns="45720" rtlCol="0" anchor="ctr"/>
+          <a:lstStyle/>
+          <a:p>
+            <a:pPr algn="r"/>
+            <a:r>
+              <a:rPr lang="en-US" sz="900" dirty="0">
+                <a:solidFill>
+                  <a:srgbClr val="000000"/>
+                </a:solidFill>
+                <a:latin typeface="Courier New" panose="02070309020205020404" pitchFamily="49" charset="0"/>
+                <a:cs typeface="Courier New" panose="02070309020205020404" pitchFamily="49" charset="0"/>
+              </a:rPr>
+              <a:t>1’b0</a:t>
+            </a:r>
+          </a:p>
+        </p:txBody>
+      </p:sp>
+      <p:sp>
+        <p:nvSpPr>
+          <p:cNvPr id="216" name="Rectangle 215"/>
+          <p:cNvSpPr/>
+          <p:nvPr/>
+        </p:nvSpPr>
+        <p:spPr>
+          <a:xfrm>
+            <a:off x="5410200" y="5181600"/>
+            <a:ext cx="304800" cy="152400"/>
+          </a:xfrm>
+          <a:prstGeom prst="rect">
+            <a:avLst/>
+          </a:prstGeom>
+          <a:noFill/>
+          <a:ln>
+            <a:noFill/>
+          </a:ln>
+        </p:spPr>
+        <p:style>
+          <a:lnRef idx="2">
+            <a:schemeClr val="accent1">
+              <a:shade val="50000"/>
+            </a:schemeClr>
+          </a:lnRef>
+          <a:fillRef idx="1">
+            <a:schemeClr val="accent1"/>
+          </a:fillRef>
+          <a:effectRef idx="0">
+            <a:schemeClr val="accent1"/>
+          </a:effectRef>
+          <a:fontRef idx="minor">
+            <a:schemeClr val="lt1"/>
+          </a:fontRef>
+        </p:style>
+        <p:txBody>
+          <a:bodyPr wrap="none" lIns="45720" rIns="45720" rtlCol="0" anchor="ctr"/>
+          <a:lstStyle/>
+          <a:p>
+            <a:r>
+              <a:rPr lang="en-US" sz="900" dirty="0">
+                <a:solidFill>
+                  <a:srgbClr val="000000"/>
+                </a:solidFill>
+                <a:latin typeface="Courier New" panose="02070309020205020404" pitchFamily="49" charset="0"/>
+                <a:cs typeface="Courier New" panose="02070309020205020404" pitchFamily="49" charset="0"/>
+              </a:rPr>
+              <a:t>CE</a:t>
+            </a:r>
+          </a:p>
+        </p:txBody>
+      </p:sp>
+      <p:cxnSp>
+        <p:nvCxnSpPr>
+          <p:cNvPr id="217" name="Straight Connector 216"/>
+          <p:cNvCxnSpPr/>
+          <p:nvPr/>
+        </p:nvCxnSpPr>
+        <p:spPr>
+          <a:xfrm>
+            <a:off x="5105400" y="5257800"/>
+            <a:ext cx="304800" cy="0"/>
+          </a:xfrm>
+          <a:prstGeom prst="line">
+            <a:avLst/>
+          </a:prstGeom>
+          <a:ln w="12700">
+            <a:solidFill>
+              <a:srgbClr val="000000"/>
+            </a:solidFill>
+            <a:headEnd type="none" w="med" len="med"/>
+            <a:tailEnd type="triangle" w="med" len="med"/>
+          </a:ln>
+        </p:spPr>
+        <p:style>
+          <a:lnRef idx="1">
+            <a:schemeClr val="accent1"/>
+          </a:lnRef>
+          <a:fillRef idx="0">
+            <a:schemeClr val="accent1"/>
+          </a:fillRef>
+          <a:effectRef idx="0">
+            <a:schemeClr val="accent1"/>
+          </a:effectRef>
+          <a:fontRef idx="minor">
+            <a:schemeClr val="tx1"/>
+          </a:fontRef>
+        </p:style>
+      </p:cxnSp>
+      <p:sp>
+        <p:nvSpPr>
+          <p:cNvPr id="218" name="Rectangle 217"/>
+          <p:cNvSpPr/>
+          <p:nvPr/>
+        </p:nvSpPr>
+        <p:spPr>
+          <a:xfrm>
+            <a:off x="4800600" y="5105400"/>
+            <a:ext cx="457200" cy="152400"/>
+          </a:xfrm>
+          <a:prstGeom prst="rect">
+            <a:avLst/>
+          </a:prstGeom>
+          <a:noFill/>
+          <a:ln>
+            <a:noFill/>
+          </a:ln>
+        </p:spPr>
+        <p:style>
+          <a:lnRef idx="2">
+            <a:schemeClr val="accent1">
+              <a:shade val="50000"/>
+            </a:schemeClr>
+          </a:lnRef>
+          <a:fillRef idx="1">
+            <a:schemeClr val="accent1"/>
+          </a:fillRef>
+          <a:effectRef idx="0">
+            <a:schemeClr val="accent1"/>
+          </a:effectRef>
+          <a:fontRef idx="minor">
+            <a:schemeClr val="lt1"/>
+          </a:fontRef>
+        </p:style>
+        <p:txBody>
+          <a:bodyPr wrap="none" lIns="45720" rIns="45720" rtlCol="0" anchor="ctr"/>
+          <a:lstStyle/>
+          <a:p>
+            <a:pPr algn="r"/>
+            <a:r>
+              <a:rPr lang="en-US" sz="900" dirty="0" smtClean="0">
+                <a:solidFill>
+                  <a:srgbClr val="000000"/>
+                </a:solidFill>
+                <a:latin typeface="Courier New" panose="02070309020205020404" pitchFamily="49" charset="0"/>
+                <a:cs typeface="Courier New" panose="02070309020205020404" pitchFamily="49" charset="0"/>
+              </a:rPr>
+              <a:t>1’b0</a:t>
+            </a:r>
+            <a:endParaRPr lang="en-US" sz="900" dirty="0">
+              <a:solidFill>
+                <a:srgbClr val="000000"/>
+              </a:solidFill>
+              <a:latin typeface="Courier New" panose="02070309020205020404" pitchFamily="49" charset="0"/>
+              <a:cs typeface="Courier New" panose="02070309020205020404" pitchFamily="49" charset="0"/>
+            </a:endParaRPr>
+          </a:p>
+        </p:txBody>
+      </p:sp>
+      <p:sp>
+        <p:nvSpPr>
+          <p:cNvPr id="219" name="Rectangle 218"/>
+          <p:cNvSpPr/>
+          <p:nvPr/>
+        </p:nvSpPr>
+        <p:spPr>
+          <a:xfrm>
+            <a:off x="5410200" y="6477000"/>
+            <a:ext cx="304800" cy="152400"/>
+          </a:xfrm>
+          <a:prstGeom prst="rect">
+            <a:avLst/>
+          </a:prstGeom>
+          <a:noFill/>
+          <a:ln>
+            <a:noFill/>
+          </a:ln>
+        </p:spPr>
+        <p:style>
+          <a:lnRef idx="2">
+            <a:schemeClr val="accent1">
+              <a:shade val="50000"/>
+            </a:schemeClr>
+          </a:lnRef>
+          <a:fillRef idx="1">
+            <a:schemeClr val="accent1"/>
+          </a:fillRef>
+          <a:effectRef idx="0">
+            <a:schemeClr val="accent1"/>
+          </a:effectRef>
+          <a:fontRef idx="minor">
+            <a:schemeClr val="lt1"/>
+          </a:fontRef>
+        </p:style>
+        <p:txBody>
+          <a:bodyPr wrap="none" lIns="45720" rIns="45720" rtlCol="0" anchor="ctr"/>
+          <a:lstStyle/>
+          <a:p>
+            <a:r>
+              <a:rPr lang="en-US" sz="900" dirty="0">
+                <a:solidFill>
+                  <a:srgbClr val="000000"/>
+                </a:solidFill>
+                <a:latin typeface="Courier New" panose="02070309020205020404" pitchFamily="49" charset="0"/>
+                <a:cs typeface="Courier New" panose="02070309020205020404" pitchFamily="49" charset="0"/>
+              </a:rPr>
+              <a:t>RST</a:t>
+            </a:r>
+          </a:p>
+        </p:txBody>
+      </p:sp>
+      <p:cxnSp>
+        <p:nvCxnSpPr>
+          <p:cNvPr id="220" name="Straight Connector 219"/>
+          <p:cNvCxnSpPr>
+            <a:endCxn id="353" idx="2"/>
+          </p:cNvCxnSpPr>
+          <p:nvPr/>
+        </p:nvCxnSpPr>
+        <p:spPr>
+          <a:xfrm>
+            <a:off x="5105400" y="6553200"/>
+            <a:ext cx="152400" cy="0"/>
           </a:xfrm>
           <a:prstGeom prst="line">
             <a:avLst/>
@@ -8218,15 +9186,692 @@
           </a:fontRef>
         </p:style>
       </p:cxnSp>
-      <p:sp>
-        <p:nvSpPr>
-          <p:cNvPr id="200" name="Rectangle 199"/>
+      <p:cxnSp>
+        <p:nvCxnSpPr>
+          <p:cNvPr id="222" name="Straight Connector 221"/>
+          <p:cNvCxnSpPr/>
+          <p:nvPr/>
+        </p:nvCxnSpPr>
+        <p:spPr>
+          <a:xfrm>
+            <a:off x="7239000" y="4800600"/>
+            <a:ext cx="304800" cy="0"/>
+          </a:xfrm>
+          <a:prstGeom prst="line">
+            <a:avLst/>
+          </a:prstGeom>
+          <a:ln w="12700">
+            <a:solidFill>
+              <a:srgbClr val="000000"/>
+            </a:solidFill>
+            <a:headEnd type="none" w="med" len="med"/>
+            <a:tailEnd type="none" w="med" len="med"/>
+          </a:ln>
+        </p:spPr>
+        <p:style>
+          <a:lnRef idx="1">
+            <a:schemeClr val="accent1"/>
+          </a:lnRef>
+          <a:fillRef idx="0">
+            <a:schemeClr val="accent1"/>
+          </a:fillRef>
+          <a:effectRef idx="0">
+            <a:schemeClr val="accent1"/>
+          </a:effectRef>
+          <a:fontRef idx="minor">
+            <a:schemeClr val="tx1"/>
+          </a:fontRef>
+        </p:style>
+      </p:cxnSp>
+      <p:cxnSp>
+        <p:nvCxnSpPr>
+          <p:cNvPr id="223" name="Straight Connector 222"/>
+          <p:cNvCxnSpPr/>
+          <p:nvPr/>
+        </p:nvCxnSpPr>
+        <p:spPr>
+          <a:xfrm flipV="1">
+            <a:off x="7467600" y="4724400"/>
+            <a:ext cx="152400" cy="152400"/>
+          </a:xfrm>
+          <a:prstGeom prst="line">
+            <a:avLst/>
+          </a:prstGeom>
+          <a:ln w="12700">
+            <a:solidFill>
+              <a:srgbClr val="000000"/>
+            </a:solidFill>
+            <a:headEnd type="none" w="med" len="med"/>
+            <a:tailEnd type="none" w="med" len="med"/>
+          </a:ln>
+        </p:spPr>
+        <p:style>
+          <a:lnRef idx="1">
+            <a:schemeClr val="accent1"/>
+          </a:lnRef>
+          <a:fillRef idx="0">
+            <a:schemeClr val="accent1"/>
+          </a:fillRef>
+          <a:effectRef idx="0">
+            <a:schemeClr val="accent1"/>
+          </a:effectRef>
+          <a:fontRef idx="minor">
+            <a:schemeClr val="tx1"/>
+          </a:fontRef>
+        </p:style>
+      </p:cxnSp>
+      <p:cxnSp>
+        <p:nvCxnSpPr>
+          <p:cNvPr id="224" name="Straight Connector 223"/>
+          <p:cNvCxnSpPr/>
+          <p:nvPr/>
+        </p:nvCxnSpPr>
+        <p:spPr>
+          <a:xfrm>
+            <a:off x="7467600" y="4724400"/>
+            <a:ext cx="152400" cy="152400"/>
+          </a:xfrm>
+          <a:prstGeom prst="line">
+            <a:avLst/>
+          </a:prstGeom>
+          <a:ln w="12700">
+            <a:solidFill>
+              <a:srgbClr val="000000"/>
+            </a:solidFill>
+            <a:headEnd type="none" w="med" len="med"/>
+            <a:tailEnd type="none" w="med" len="med"/>
+          </a:ln>
+        </p:spPr>
+        <p:style>
+          <a:lnRef idx="1">
+            <a:schemeClr val="accent1"/>
+          </a:lnRef>
+          <a:fillRef idx="0">
+            <a:schemeClr val="accent1"/>
+          </a:fillRef>
+          <a:effectRef idx="0">
+            <a:schemeClr val="accent1"/>
+          </a:effectRef>
+          <a:fontRef idx="minor">
+            <a:schemeClr val="tx1"/>
+          </a:fontRef>
+        </p:style>
+      </p:cxnSp>
+      <p:sp>
+        <p:nvSpPr>
+          <p:cNvPr id="225" name="Rectangle 224"/>
           <p:cNvSpPr/>
           <p:nvPr/>
         </p:nvSpPr>
         <p:spPr>
           <a:xfrm>
-            <a:off x="838201" y="7848596"/>
+            <a:off x="6934200" y="4038600"/>
+            <a:ext cx="304800" cy="152400"/>
+          </a:xfrm>
+          <a:prstGeom prst="rect">
+            <a:avLst/>
+          </a:prstGeom>
+          <a:noFill/>
+          <a:ln>
+            <a:noFill/>
+          </a:ln>
+        </p:spPr>
+        <p:style>
+          <a:lnRef idx="2">
+            <a:schemeClr val="accent1">
+              <a:shade val="50000"/>
+            </a:schemeClr>
+          </a:lnRef>
+          <a:fillRef idx="1">
+            <a:schemeClr val="accent1"/>
+          </a:fillRef>
+          <a:effectRef idx="0">
+            <a:schemeClr val="accent1"/>
+          </a:effectRef>
+          <a:fontRef idx="minor">
+            <a:schemeClr val="lt1"/>
+          </a:fontRef>
+        </p:style>
+        <p:txBody>
+          <a:bodyPr wrap="none" lIns="45720" rIns="45720" rtlCol="0" anchor="ctr"/>
+          <a:lstStyle/>
+          <a:p>
+            <a:pPr algn="r"/>
+            <a:r>
+              <a:rPr lang="en-US" sz="900" dirty="0">
+                <a:solidFill>
+                  <a:srgbClr val="000000"/>
+                </a:solidFill>
+                <a:latin typeface="Courier New" panose="02070309020205020404" pitchFamily="49" charset="0"/>
+                <a:cs typeface="Courier New" panose="02070309020205020404" pitchFamily="49" charset="0"/>
+              </a:rPr>
+              <a:t>DATAOUT2</a:t>
+            </a:r>
+          </a:p>
+        </p:txBody>
+      </p:sp>
+      <p:cxnSp>
+        <p:nvCxnSpPr>
+          <p:cNvPr id="226" name="Straight Connector 225"/>
+          <p:cNvCxnSpPr/>
+          <p:nvPr/>
+        </p:nvCxnSpPr>
+        <p:spPr>
+          <a:xfrm>
+            <a:off x="7239000" y="4114800"/>
+            <a:ext cx="304800" cy="0"/>
+          </a:xfrm>
+          <a:prstGeom prst="line">
+            <a:avLst/>
+          </a:prstGeom>
+          <a:ln w="12700">
+            <a:solidFill>
+              <a:srgbClr val="000000"/>
+            </a:solidFill>
+            <a:headEnd type="none" w="med" len="med"/>
+            <a:tailEnd type="none" w="med" len="med"/>
+          </a:ln>
+        </p:spPr>
+        <p:style>
+          <a:lnRef idx="1">
+            <a:schemeClr val="accent1"/>
+          </a:lnRef>
+          <a:fillRef idx="0">
+            <a:schemeClr val="accent1"/>
+          </a:fillRef>
+          <a:effectRef idx="0">
+            <a:schemeClr val="accent1"/>
+          </a:effectRef>
+          <a:fontRef idx="minor">
+            <a:schemeClr val="tx1"/>
+          </a:fontRef>
+        </p:style>
+      </p:cxnSp>
+      <p:cxnSp>
+        <p:nvCxnSpPr>
+          <p:cNvPr id="227" name="Straight Connector 226"/>
+          <p:cNvCxnSpPr/>
+          <p:nvPr/>
+        </p:nvCxnSpPr>
+        <p:spPr>
+          <a:xfrm flipV="1">
+            <a:off x="7467600" y="4038600"/>
+            <a:ext cx="152400" cy="152400"/>
+          </a:xfrm>
+          <a:prstGeom prst="line">
+            <a:avLst/>
+          </a:prstGeom>
+          <a:ln w="12700">
+            <a:solidFill>
+              <a:srgbClr val="000000"/>
+            </a:solidFill>
+            <a:headEnd type="none" w="med" len="med"/>
+            <a:tailEnd type="none" w="med" len="med"/>
+          </a:ln>
+        </p:spPr>
+        <p:style>
+          <a:lnRef idx="1">
+            <a:schemeClr val="accent1"/>
+          </a:lnRef>
+          <a:fillRef idx="0">
+            <a:schemeClr val="accent1"/>
+          </a:fillRef>
+          <a:effectRef idx="0">
+            <a:schemeClr val="accent1"/>
+          </a:effectRef>
+          <a:fontRef idx="minor">
+            <a:schemeClr val="tx1"/>
+          </a:fontRef>
+        </p:style>
+      </p:cxnSp>
+      <p:cxnSp>
+        <p:nvCxnSpPr>
+          <p:cNvPr id="228" name="Straight Connector 227"/>
+          <p:cNvCxnSpPr/>
+          <p:nvPr/>
+        </p:nvCxnSpPr>
+        <p:spPr>
+          <a:xfrm>
+            <a:off x="7467600" y="4038600"/>
+            <a:ext cx="152400" cy="152400"/>
+          </a:xfrm>
+          <a:prstGeom prst="line">
+            <a:avLst/>
+          </a:prstGeom>
+          <a:ln w="12700">
+            <a:solidFill>
+              <a:srgbClr val="000000"/>
+            </a:solidFill>
+            <a:headEnd type="none" w="med" len="med"/>
+            <a:tailEnd type="none" w="med" len="med"/>
+          </a:ln>
+        </p:spPr>
+        <p:style>
+          <a:lnRef idx="1">
+            <a:schemeClr val="accent1"/>
+          </a:lnRef>
+          <a:fillRef idx="0">
+            <a:schemeClr val="accent1"/>
+          </a:fillRef>
+          <a:effectRef idx="0">
+            <a:schemeClr val="accent1"/>
+          </a:effectRef>
+          <a:fontRef idx="minor">
+            <a:schemeClr val="tx1"/>
+          </a:fontRef>
+        </p:style>
+      </p:cxnSp>
+      <p:sp>
+        <p:nvSpPr>
+          <p:cNvPr id="229" name="Rectangle 228"/>
+          <p:cNvSpPr/>
+          <p:nvPr/>
+        </p:nvSpPr>
+        <p:spPr>
+          <a:xfrm>
+            <a:off x="6934200" y="4267200"/>
+            <a:ext cx="304800" cy="152400"/>
+          </a:xfrm>
+          <a:prstGeom prst="rect">
+            <a:avLst/>
+          </a:prstGeom>
+          <a:noFill/>
+          <a:ln>
+            <a:noFill/>
+          </a:ln>
+        </p:spPr>
+        <p:style>
+          <a:lnRef idx="2">
+            <a:schemeClr val="accent1">
+              <a:shade val="50000"/>
+            </a:schemeClr>
+          </a:lnRef>
+          <a:fillRef idx="1">
+            <a:schemeClr val="accent1"/>
+          </a:fillRef>
+          <a:effectRef idx="0">
+            <a:schemeClr val="accent1"/>
+          </a:effectRef>
+          <a:fontRef idx="minor">
+            <a:schemeClr val="lt1"/>
+          </a:fontRef>
+        </p:style>
+        <p:txBody>
+          <a:bodyPr wrap="none" lIns="45720" rIns="45720" rtlCol="0" anchor="ctr"/>
+          <a:lstStyle/>
+          <a:p>
+            <a:pPr algn="r"/>
+            <a:r>
+              <a:rPr lang="en-US" sz="900" dirty="0">
+                <a:solidFill>
+                  <a:srgbClr val="000000"/>
+                </a:solidFill>
+                <a:latin typeface="Courier New" panose="02070309020205020404" pitchFamily="49" charset="0"/>
+                <a:cs typeface="Courier New" panose="02070309020205020404" pitchFamily="49" charset="0"/>
+              </a:rPr>
+              <a:t>TOUT</a:t>
+            </a:r>
+          </a:p>
+        </p:txBody>
+      </p:sp>
+      <p:sp>
+        <p:nvSpPr>
+          <p:cNvPr id="230" name="Rectangle 229"/>
+          <p:cNvSpPr/>
+          <p:nvPr/>
+        </p:nvSpPr>
+        <p:spPr>
+          <a:xfrm>
+            <a:off x="6934200" y="4495800"/>
+            <a:ext cx="304800" cy="152400"/>
+          </a:xfrm>
+          <a:prstGeom prst="rect">
+            <a:avLst/>
+          </a:prstGeom>
+          <a:noFill/>
+          <a:ln>
+            <a:noFill/>
+          </a:ln>
+        </p:spPr>
+        <p:style>
+          <a:lnRef idx="2">
+            <a:schemeClr val="accent1">
+              <a:shade val="50000"/>
+            </a:schemeClr>
+          </a:lnRef>
+          <a:fillRef idx="1">
+            <a:schemeClr val="accent1"/>
+          </a:fillRef>
+          <a:effectRef idx="0">
+            <a:schemeClr val="accent1"/>
+          </a:effectRef>
+          <a:fontRef idx="minor">
+            <a:schemeClr val="lt1"/>
+          </a:fontRef>
+        </p:style>
+        <p:txBody>
+          <a:bodyPr wrap="none" lIns="45720" rIns="45720" rtlCol="0" anchor="ctr"/>
+          <a:lstStyle/>
+          <a:p>
+            <a:pPr algn="r"/>
+            <a:r>
+              <a:rPr lang="en-US" sz="900" dirty="0">
+                <a:solidFill>
+                  <a:srgbClr val="000000"/>
+                </a:solidFill>
+                <a:latin typeface="Courier New" panose="02070309020205020404" pitchFamily="49" charset="0"/>
+                <a:cs typeface="Courier New" panose="02070309020205020404" pitchFamily="49" charset="0"/>
+              </a:rPr>
+              <a:t>DOUT</a:t>
+            </a:r>
+          </a:p>
+        </p:txBody>
+      </p:sp>
+      <p:cxnSp>
+        <p:nvCxnSpPr>
+          <p:cNvPr id="231" name="Straight Connector 230"/>
+          <p:cNvCxnSpPr/>
+          <p:nvPr/>
+        </p:nvCxnSpPr>
+        <p:spPr>
+          <a:xfrm>
+            <a:off x="7239000" y="4343400"/>
+            <a:ext cx="304800" cy="0"/>
+          </a:xfrm>
+          <a:prstGeom prst="line">
+            <a:avLst/>
+          </a:prstGeom>
+          <a:ln w="12700">
+            <a:solidFill>
+              <a:srgbClr val="000000"/>
+            </a:solidFill>
+            <a:headEnd type="none" w="med" len="med"/>
+            <a:tailEnd type="none" w="med" len="med"/>
+          </a:ln>
+        </p:spPr>
+        <p:style>
+          <a:lnRef idx="1">
+            <a:schemeClr val="accent1"/>
+          </a:lnRef>
+          <a:fillRef idx="0">
+            <a:schemeClr val="accent1"/>
+          </a:fillRef>
+          <a:effectRef idx="0">
+            <a:schemeClr val="accent1"/>
+          </a:effectRef>
+          <a:fontRef idx="minor">
+            <a:schemeClr val="tx1"/>
+          </a:fontRef>
+        </p:style>
+      </p:cxnSp>
+      <p:cxnSp>
+        <p:nvCxnSpPr>
+          <p:cNvPr id="232" name="Straight Connector 231"/>
+          <p:cNvCxnSpPr/>
+          <p:nvPr/>
+        </p:nvCxnSpPr>
+        <p:spPr>
+          <a:xfrm flipV="1">
+            <a:off x="7467600" y="4267200"/>
+            <a:ext cx="152400" cy="152400"/>
+          </a:xfrm>
+          <a:prstGeom prst="line">
+            <a:avLst/>
+          </a:prstGeom>
+          <a:ln w="12700">
+            <a:solidFill>
+              <a:srgbClr val="000000"/>
+            </a:solidFill>
+            <a:headEnd type="none" w="med" len="med"/>
+            <a:tailEnd type="none" w="med" len="med"/>
+          </a:ln>
+        </p:spPr>
+        <p:style>
+          <a:lnRef idx="1">
+            <a:schemeClr val="accent1"/>
+          </a:lnRef>
+          <a:fillRef idx="0">
+            <a:schemeClr val="accent1"/>
+          </a:fillRef>
+          <a:effectRef idx="0">
+            <a:schemeClr val="accent1"/>
+          </a:effectRef>
+          <a:fontRef idx="minor">
+            <a:schemeClr val="tx1"/>
+          </a:fontRef>
+        </p:style>
+      </p:cxnSp>
+      <p:cxnSp>
+        <p:nvCxnSpPr>
+          <p:cNvPr id="233" name="Straight Connector 232"/>
+          <p:cNvCxnSpPr/>
+          <p:nvPr/>
+        </p:nvCxnSpPr>
+        <p:spPr>
+          <a:xfrm>
+            <a:off x="7467600" y="4267200"/>
+            <a:ext cx="152400" cy="152400"/>
+          </a:xfrm>
+          <a:prstGeom prst="line">
+            <a:avLst/>
+          </a:prstGeom>
+          <a:ln w="12700">
+            <a:solidFill>
+              <a:srgbClr val="000000"/>
+            </a:solidFill>
+            <a:headEnd type="none" w="med" len="med"/>
+            <a:tailEnd type="none" w="med" len="med"/>
+          </a:ln>
+        </p:spPr>
+        <p:style>
+          <a:lnRef idx="1">
+            <a:schemeClr val="accent1"/>
+          </a:lnRef>
+          <a:fillRef idx="0">
+            <a:schemeClr val="accent1"/>
+          </a:fillRef>
+          <a:effectRef idx="0">
+            <a:schemeClr val="accent1"/>
+          </a:effectRef>
+          <a:fontRef idx="minor">
+            <a:schemeClr val="tx1"/>
+          </a:fontRef>
+        </p:style>
+      </p:cxnSp>
+      <p:cxnSp>
+        <p:nvCxnSpPr>
+          <p:cNvPr id="234" name="Straight Connector 233"/>
+          <p:cNvCxnSpPr/>
+          <p:nvPr/>
+        </p:nvCxnSpPr>
+        <p:spPr>
+          <a:xfrm>
+            <a:off x="7239000" y="4572000"/>
+            <a:ext cx="304800" cy="0"/>
+          </a:xfrm>
+          <a:prstGeom prst="line">
+            <a:avLst/>
+          </a:prstGeom>
+          <a:ln w="12700">
+            <a:solidFill>
+              <a:srgbClr val="000000"/>
+            </a:solidFill>
+            <a:headEnd type="none" w="med" len="med"/>
+            <a:tailEnd type="none" w="med" len="med"/>
+          </a:ln>
+        </p:spPr>
+        <p:style>
+          <a:lnRef idx="1">
+            <a:schemeClr val="accent1"/>
+          </a:lnRef>
+          <a:fillRef idx="0">
+            <a:schemeClr val="accent1"/>
+          </a:fillRef>
+          <a:effectRef idx="0">
+            <a:schemeClr val="accent1"/>
+          </a:effectRef>
+          <a:fontRef idx="minor">
+            <a:schemeClr val="tx1"/>
+          </a:fontRef>
+        </p:style>
+      </p:cxnSp>
+      <p:cxnSp>
+        <p:nvCxnSpPr>
+          <p:cNvPr id="235" name="Straight Connector 234"/>
+          <p:cNvCxnSpPr/>
+          <p:nvPr/>
+        </p:nvCxnSpPr>
+        <p:spPr>
+          <a:xfrm flipV="1">
+            <a:off x="7467600" y="4495800"/>
+            <a:ext cx="152400" cy="152400"/>
+          </a:xfrm>
+          <a:prstGeom prst="line">
+            <a:avLst/>
+          </a:prstGeom>
+          <a:ln w="12700">
+            <a:solidFill>
+              <a:srgbClr val="000000"/>
+            </a:solidFill>
+            <a:headEnd type="none" w="med" len="med"/>
+            <a:tailEnd type="none" w="med" len="med"/>
+          </a:ln>
+        </p:spPr>
+        <p:style>
+          <a:lnRef idx="1">
+            <a:schemeClr val="accent1"/>
+          </a:lnRef>
+          <a:fillRef idx="0">
+            <a:schemeClr val="accent1"/>
+          </a:fillRef>
+          <a:effectRef idx="0">
+            <a:schemeClr val="accent1"/>
+          </a:effectRef>
+          <a:fontRef idx="minor">
+            <a:schemeClr val="tx1"/>
+          </a:fontRef>
+        </p:style>
+      </p:cxnSp>
+      <p:cxnSp>
+        <p:nvCxnSpPr>
+          <p:cNvPr id="236" name="Straight Connector 235"/>
+          <p:cNvCxnSpPr/>
+          <p:nvPr/>
+        </p:nvCxnSpPr>
+        <p:spPr>
+          <a:xfrm>
+            <a:off x="7467600" y="4495800"/>
+            <a:ext cx="152400" cy="152400"/>
+          </a:xfrm>
+          <a:prstGeom prst="line">
+            <a:avLst/>
+          </a:prstGeom>
+          <a:ln w="12700">
+            <a:solidFill>
+              <a:srgbClr val="000000"/>
+            </a:solidFill>
+            <a:headEnd type="none" w="med" len="med"/>
+            <a:tailEnd type="none" w="med" len="med"/>
+          </a:ln>
+        </p:spPr>
+        <p:style>
+          <a:lnRef idx="1">
+            <a:schemeClr val="accent1"/>
+          </a:lnRef>
+          <a:fillRef idx="0">
+            <a:schemeClr val="accent1"/>
+          </a:fillRef>
+          <a:effectRef idx="0">
+            <a:schemeClr val="accent1"/>
+          </a:effectRef>
+          <a:fontRef idx="minor">
+            <a:schemeClr val="tx1"/>
+          </a:fontRef>
+        </p:style>
+      </p:cxnSp>
+      <p:cxnSp>
+        <p:nvCxnSpPr>
+          <p:cNvPr id="238" name="Straight Connector 237"/>
+          <p:cNvCxnSpPr/>
+          <p:nvPr/>
+        </p:nvCxnSpPr>
+        <p:spPr>
+          <a:xfrm>
+            <a:off x="7848600" y="4343400"/>
+            <a:ext cx="914400" cy="0"/>
+          </a:xfrm>
+          <a:prstGeom prst="line">
+            <a:avLst/>
+          </a:prstGeom>
+          <a:ln w="12700">
+            <a:solidFill>
+              <a:srgbClr val="000000"/>
+            </a:solidFill>
+            <a:headEnd type="none" w="med" len="med"/>
+            <a:tailEnd type="triangle" w="med" len="med"/>
+          </a:ln>
+        </p:spPr>
+        <p:style>
+          <a:lnRef idx="1">
+            <a:schemeClr val="accent1"/>
+          </a:lnRef>
+          <a:fillRef idx="0">
+            <a:schemeClr val="accent1"/>
+          </a:fillRef>
+          <a:effectRef idx="0">
+            <a:schemeClr val="accent1"/>
+          </a:effectRef>
+          <a:fontRef idx="minor">
+            <a:schemeClr val="tx1"/>
+          </a:fontRef>
+        </p:style>
+      </p:cxnSp>
+      <p:cxnSp>
+        <p:nvCxnSpPr>
+          <p:cNvPr id="243" name="Straight Connector 242"/>
+          <p:cNvCxnSpPr/>
+          <p:nvPr/>
+        </p:nvCxnSpPr>
+        <p:spPr>
+          <a:xfrm flipV="1">
+            <a:off x="9753600" y="4038600"/>
+            <a:ext cx="152400" cy="152400"/>
+          </a:xfrm>
+          <a:prstGeom prst="line">
+            <a:avLst/>
+          </a:prstGeom>
+          <a:ln w="12700">
+            <a:solidFill>
+              <a:srgbClr val="000000"/>
+            </a:solidFill>
+            <a:headEnd type="none" w="med" len="med"/>
+            <a:tailEnd type="none" w="med" len="med"/>
+          </a:ln>
+        </p:spPr>
+        <p:style>
+          <a:lnRef idx="1">
+            <a:schemeClr val="accent1"/>
+          </a:lnRef>
+          <a:fillRef idx="0">
+            <a:schemeClr val="accent1"/>
+          </a:fillRef>
+          <a:effectRef idx="0">
+            <a:schemeClr val="accent1"/>
+          </a:effectRef>
+          <a:fontRef idx="minor">
+            <a:schemeClr val="tx1"/>
+          </a:fontRef>
+        </p:style>
+      </p:cxnSp>
+      <p:sp>
+        <p:nvSpPr>
+          <p:cNvPr id="244" name="Rectangle 243"/>
+          <p:cNvSpPr/>
+          <p:nvPr/>
+        </p:nvSpPr>
+        <p:spPr>
+          <a:xfrm>
+            <a:off x="9753600" y="3962400"/>
             <a:ext cx="152400" cy="76200"/>
           </a:xfrm>
           <a:prstGeom prst="rect">
@@ -8271,1637 +9916,6 @@
           </a:p>
         </p:txBody>
       </p:sp>
-      <p:sp>
-        <p:nvSpPr>
-          <p:cNvPr id="201" name="Pentagon 200"/>
-          <p:cNvSpPr/>
-          <p:nvPr/>
-        </p:nvSpPr>
-        <p:spPr>
-          <a:xfrm>
-            <a:off x="533400" y="7924796"/>
-            <a:ext cx="228600" cy="152400"/>
-          </a:xfrm>
-          <a:prstGeom prst="homePlate">
-            <a:avLst/>
-          </a:prstGeom>
-          <a:noFill/>
-          <a:ln w="12700">
-            <a:solidFill>
-              <a:schemeClr val="tx1"/>
-            </a:solidFill>
-          </a:ln>
-        </p:spPr>
-        <p:style>
-          <a:lnRef idx="2">
-            <a:schemeClr val="accent1">
-              <a:shade val="50000"/>
-            </a:schemeClr>
-          </a:lnRef>
-          <a:fillRef idx="1">
-            <a:schemeClr val="accent1"/>
-          </a:fillRef>
-          <a:effectRef idx="0">
-            <a:schemeClr val="accent1"/>
-          </a:effectRef>
-          <a:fontRef idx="minor">
-            <a:schemeClr val="lt1"/>
-          </a:fontRef>
-        </p:style>
-        <p:txBody>
-          <a:bodyPr rot="0" spcFirstLastPara="0" vertOverflow="overflow" horzOverflow="overflow" vert="horz" wrap="square" lIns="91440" tIns="45720" rIns="91440" bIns="45720" numCol="1" spcCol="0" rtlCol="0" fromWordArt="0" anchor="ctr" anchorCtr="0" forceAA="0" compatLnSpc="1">
-            <a:prstTxWarp prst="textNoShape">
-              <a:avLst/>
-            </a:prstTxWarp>
-            <a:noAutofit/>
-          </a:bodyPr>
-          <a:lstStyle/>
-          <a:p>
-            <a:pPr algn="ctr"/>
-            <a:endParaRPr lang="en-US" sz="3730"/>
-          </a:p>
-        </p:txBody>
-      </p:sp>
-      <p:cxnSp>
-        <p:nvCxnSpPr>
-          <p:cNvPr id="202" name="Straight Connector 201"/>
-          <p:cNvCxnSpPr/>
-          <p:nvPr/>
-        </p:nvCxnSpPr>
-        <p:spPr>
-          <a:xfrm>
-            <a:off x="4495800" y="6096000"/>
-            <a:ext cx="914400" cy="0"/>
-          </a:xfrm>
-          <a:prstGeom prst="line">
-            <a:avLst/>
-          </a:prstGeom>
-          <a:ln w="12700">
-            <a:solidFill>
-              <a:srgbClr val="000000"/>
-            </a:solidFill>
-            <a:headEnd type="none" w="med" len="med"/>
-            <a:tailEnd type="triangle" w="med" len="med"/>
-          </a:ln>
-        </p:spPr>
-        <p:style>
-          <a:lnRef idx="1">
-            <a:schemeClr val="accent1"/>
-          </a:lnRef>
-          <a:fillRef idx="0">
-            <a:schemeClr val="accent1"/>
-          </a:fillRef>
-          <a:effectRef idx="0">
-            <a:schemeClr val="accent1"/>
-          </a:effectRef>
-          <a:fontRef idx="minor">
-            <a:schemeClr val="tx1"/>
-          </a:fontRef>
-        </p:style>
-      </p:cxnSp>
-      <p:sp>
-        <p:nvSpPr>
-          <p:cNvPr id="203" name="Rectangle 202"/>
-          <p:cNvSpPr/>
-          <p:nvPr/>
-        </p:nvSpPr>
-        <p:spPr>
-          <a:xfrm>
-            <a:off x="1143000" y="7848596"/>
-            <a:ext cx="457200" cy="152400"/>
-          </a:xfrm>
-          <a:prstGeom prst="rect">
-            <a:avLst/>
-          </a:prstGeom>
-          <a:noFill/>
-          <a:ln>
-            <a:noFill/>
-          </a:ln>
-        </p:spPr>
-        <p:style>
-          <a:lnRef idx="2">
-            <a:schemeClr val="accent1">
-              <a:shade val="50000"/>
-            </a:schemeClr>
-          </a:lnRef>
-          <a:fillRef idx="1">
-            <a:schemeClr val="accent1"/>
-          </a:fillRef>
-          <a:effectRef idx="0">
-            <a:schemeClr val="accent1"/>
-          </a:effectRef>
-          <a:fontRef idx="minor">
-            <a:schemeClr val="lt1"/>
-          </a:fontRef>
-        </p:style>
-        <p:txBody>
-          <a:bodyPr wrap="none" lIns="45720" rIns="45720" rtlCol="0" anchor="ctr"/>
-          <a:lstStyle/>
-          <a:p>
-            <a:r>
-              <a:rPr lang="en-US" sz="900" dirty="0" smtClean="0">
-                <a:solidFill>
-                  <a:srgbClr val="000000"/>
-                </a:solidFill>
-                <a:latin typeface="Courier New" panose="02070309020205020404" pitchFamily="49" charset="0"/>
-                <a:cs typeface="Courier New" panose="02070309020205020404" pitchFamily="49" charset="0"/>
-              </a:rPr>
-              <a:t>CLKS</a:t>
-            </a:r>
-            <a:endParaRPr lang="en-US" sz="900" dirty="0">
-              <a:solidFill>
-                <a:srgbClr val="000000"/>
-              </a:solidFill>
-              <a:latin typeface="Courier New" panose="02070309020205020404" pitchFamily="49" charset="0"/>
-              <a:cs typeface="Courier New" panose="02070309020205020404" pitchFamily="49" charset="0"/>
-            </a:endParaRPr>
-          </a:p>
-        </p:txBody>
-      </p:sp>
-      <p:cxnSp>
-        <p:nvCxnSpPr>
-          <p:cNvPr id="205" name="Straight Connector 204"/>
-          <p:cNvCxnSpPr/>
-          <p:nvPr/>
-        </p:nvCxnSpPr>
-        <p:spPr>
-          <a:xfrm>
-            <a:off x="5105400" y="4800600"/>
-            <a:ext cx="304800" cy="0"/>
-          </a:xfrm>
-          <a:prstGeom prst="line">
-            <a:avLst/>
-          </a:prstGeom>
-          <a:ln w="12700">
-            <a:solidFill>
-              <a:srgbClr val="000000"/>
-            </a:solidFill>
-            <a:headEnd type="none" w="med" len="med"/>
-            <a:tailEnd type="triangle" w="med" len="med"/>
-          </a:ln>
-        </p:spPr>
-        <p:style>
-          <a:lnRef idx="1">
-            <a:schemeClr val="accent1"/>
-          </a:lnRef>
-          <a:fillRef idx="0">
-            <a:schemeClr val="accent1"/>
-          </a:fillRef>
-          <a:effectRef idx="0">
-            <a:schemeClr val="accent1"/>
-          </a:effectRef>
-          <a:fontRef idx="minor">
-            <a:schemeClr val="tx1"/>
-          </a:fontRef>
-        </p:style>
-      </p:cxnSp>
-      <p:sp>
-        <p:nvSpPr>
-          <p:cNvPr id="206" name="Rectangle 205"/>
-          <p:cNvSpPr/>
-          <p:nvPr/>
-        </p:nvSpPr>
-        <p:spPr>
-          <a:xfrm>
-            <a:off x="4800600" y="4648200"/>
-            <a:ext cx="457200" cy="152400"/>
-          </a:xfrm>
-          <a:prstGeom prst="rect">
-            <a:avLst/>
-          </a:prstGeom>
-          <a:noFill/>
-          <a:ln>
-            <a:noFill/>
-          </a:ln>
-        </p:spPr>
-        <p:style>
-          <a:lnRef idx="2">
-            <a:schemeClr val="accent1">
-              <a:shade val="50000"/>
-            </a:schemeClr>
-          </a:lnRef>
-          <a:fillRef idx="1">
-            <a:schemeClr val="accent1"/>
-          </a:fillRef>
-          <a:effectRef idx="0">
-            <a:schemeClr val="accent1"/>
-          </a:effectRef>
-          <a:fontRef idx="minor">
-            <a:schemeClr val="lt1"/>
-          </a:fontRef>
-        </p:style>
-        <p:txBody>
-          <a:bodyPr wrap="none" lIns="45720" rIns="45720" rtlCol="0" anchor="ctr"/>
-          <a:lstStyle/>
-          <a:p>
-            <a:pPr algn="r"/>
-            <a:r>
-              <a:rPr lang="en-US" sz="900" dirty="0">
-                <a:solidFill>
-                  <a:srgbClr val="000000"/>
-                </a:solidFill>
-                <a:latin typeface="Courier New" panose="02070309020205020404" pitchFamily="49" charset="0"/>
-                <a:cs typeface="Courier New" panose="02070309020205020404" pitchFamily="49" charset="0"/>
-              </a:rPr>
-              <a:t>1’b0</a:t>
-            </a:r>
-          </a:p>
-        </p:txBody>
-      </p:sp>
-      <p:sp>
-        <p:nvSpPr>
-          <p:cNvPr id="207" name="Rectangle 206"/>
-          <p:cNvSpPr/>
-          <p:nvPr/>
-        </p:nvSpPr>
-        <p:spPr>
-          <a:xfrm>
-            <a:off x="5410200" y="6248400"/>
-            <a:ext cx="304800" cy="152400"/>
-          </a:xfrm>
-          <a:prstGeom prst="rect">
-            <a:avLst/>
-          </a:prstGeom>
-          <a:noFill/>
-          <a:ln>
-            <a:noFill/>
-          </a:ln>
-        </p:spPr>
-        <p:style>
-          <a:lnRef idx="2">
-            <a:schemeClr val="accent1">
-              <a:shade val="50000"/>
-            </a:schemeClr>
-          </a:lnRef>
-          <a:fillRef idx="1">
-            <a:schemeClr val="accent1"/>
-          </a:fillRef>
-          <a:effectRef idx="0">
-            <a:schemeClr val="accent1"/>
-          </a:effectRef>
-          <a:fontRef idx="minor">
-            <a:schemeClr val="lt1"/>
-          </a:fontRef>
-        </p:style>
-        <p:txBody>
-          <a:bodyPr wrap="none" lIns="45720" rIns="45720" rtlCol="0" anchor="ctr"/>
-          <a:lstStyle/>
-          <a:p>
-            <a:r>
-              <a:rPr lang="en-US" sz="900" dirty="0">
-                <a:solidFill>
-                  <a:srgbClr val="000000"/>
-                </a:solidFill>
-                <a:latin typeface="Courier New" panose="02070309020205020404" pitchFamily="49" charset="0"/>
-                <a:cs typeface="Courier New" panose="02070309020205020404" pitchFamily="49" charset="0"/>
-              </a:rPr>
-              <a:t>CLK</a:t>
-            </a:r>
-          </a:p>
-        </p:txBody>
-      </p:sp>
-      <p:cxnSp>
-        <p:nvCxnSpPr>
-          <p:cNvPr id="208" name="Straight Connector 207"/>
-          <p:cNvCxnSpPr/>
-          <p:nvPr/>
-        </p:nvCxnSpPr>
-        <p:spPr>
-          <a:xfrm flipV="1">
-            <a:off x="838200" y="7162796"/>
-            <a:ext cx="152400" cy="152404"/>
-          </a:xfrm>
-          <a:prstGeom prst="line">
-            <a:avLst/>
-          </a:prstGeom>
-          <a:ln w="12700">
-            <a:solidFill>
-              <a:srgbClr val="000000"/>
-            </a:solidFill>
-            <a:headEnd type="none" w="med" len="med"/>
-            <a:tailEnd type="none" w="med" len="med"/>
-          </a:ln>
-        </p:spPr>
-        <p:style>
-          <a:lnRef idx="1">
-            <a:schemeClr val="accent1"/>
-          </a:lnRef>
-          <a:fillRef idx="0">
-            <a:schemeClr val="accent1"/>
-          </a:fillRef>
-          <a:effectRef idx="0">
-            <a:schemeClr val="accent1"/>
-          </a:effectRef>
-          <a:fontRef idx="minor">
-            <a:schemeClr val="tx1"/>
-          </a:fontRef>
-        </p:style>
-      </p:cxnSp>
-      <p:sp>
-        <p:nvSpPr>
-          <p:cNvPr id="209" name="Rectangle 208"/>
-          <p:cNvSpPr/>
-          <p:nvPr/>
-        </p:nvSpPr>
-        <p:spPr>
-          <a:xfrm>
-            <a:off x="838201" y="7086596"/>
-            <a:ext cx="152400" cy="76200"/>
-          </a:xfrm>
-          <a:prstGeom prst="rect">
-            <a:avLst/>
-          </a:prstGeom>
-          <a:noFill/>
-          <a:ln>
-            <a:noFill/>
-          </a:ln>
-        </p:spPr>
-        <p:style>
-          <a:lnRef idx="2">
-            <a:schemeClr val="accent1">
-              <a:shade val="50000"/>
-            </a:schemeClr>
-          </a:lnRef>
-          <a:fillRef idx="1">
-            <a:schemeClr val="accent1"/>
-          </a:fillRef>
-          <a:effectRef idx="0">
-            <a:schemeClr val="accent1"/>
-          </a:effectRef>
-          <a:fontRef idx="minor">
-            <a:schemeClr val="lt1"/>
-          </a:fontRef>
-        </p:style>
-        <p:txBody>
-          <a:bodyPr wrap="none" lIns="45720" rIns="45720" rtlCol="0" anchor="ctr"/>
-          <a:lstStyle/>
-          <a:p>
-            <a:pPr algn="ctr"/>
-            <a:r>
-              <a:rPr lang="en-US" sz="900" dirty="0">
-                <a:solidFill>
-                  <a:srgbClr val="000000"/>
-                </a:solidFill>
-                <a:latin typeface="Courier New" panose="02070309020205020404" pitchFamily="49" charset="0"/>
-                <a:cs typeface="Courier New" panose="02070309020205020404" pitchFamily="49" charset="0"/>
-              </a:rPr>
-              <a:t>1</a:t>
-            </a:r>
-          </a:p>
-        </p:txBody>
-      </p:sp>
-      <p:sp>
-        <p:nvSpPr>
-          <p:cNvPr id="210" name="Pentagon 209"/>
-          <p:cNvSpPr/>
-          <p:nvPr/>
-        </p:nvSpPr>
-        <p:spPr>
-          <a:xfrm>
-            <a:off x="533400" y="7162796"/>
-            <a:ext cx="228600" cy="152400"/>
-          </a:xfrm>
-          <a:prstGeom prst="homePlate">
-            <a:avLst/>
-          </a:prstGeom>
-          <a:noFill/>
-          <a:ln w="12700">
-            <a:solidFill>
-              <a:schemeClr val="tx1"/>
-            </a:solidFill>
-          </a:ln>
-        </p:spPr>
-        <p:style>
-          <a:lnRef idx="2">
-            <a:schemeClr val="accent1">
-              <a:shade val="50000"/>
-            </a:schemeClr>
-          </a:lnRef>
-          <a:fillRef idx="1">
-            <a:schemeClr val="accent1"/>
-          </a:fillRef>
-          <a:effectRef idx="0">
-            <a:schemeClr val="accent1"/>
-          </a:effectRef>
-          <a:fontRef idx="minor">
-            <a:schemeClr val="lt1"/>
-          </a:fontRef>
-        </p:style>
-        <p:txBody>
-          <a:bodyPr rot="0" spcFirstLastPara="0" vertOverflow="overflow" horzOverflow="overflow" vert="horz" wrap="square" lIns="91440" tIns="45720" rIns="91440" bIns="45720" numCol="1" spcCol="0" rtlCol="0" fromWordArt="0" anchor="ctr" anchorCtr="0" forceAA="0" compatLnSpc="1">
-            <a:prstTxWarp prst="textNoShape">
-              <a:avLst/>
-            </a:prstTxWarp>
-            <a:noAutofit/>
-          </a:bodyPr>
-          <a:lstStyle/>
-          <a:p>
-            <a:pPr algn="ctr"/>
-            <a:endParaRPr lang="en-US" sz="3730"/>
-          </a:p>
-        </p:txBody>
-      </p:sp>
-      <p:cxnSp>
-        <p:nvCxnSpPr>
-          <p:cNvPr id="211" name="Straight Connector 210"/>
-          <p:cNvCxnSpPr/>
-          <p:nvPr/>
-        </p:nvCxnSpPr>
-        <p:spPr>
-          <a:xfrm flipV="1">
-            <a:off x="4800600" y="6324596"/>
-            <a:ext cx="609600" cy="4"/>
-          </a:xfrm>
-          <a:prstGeom prst="line">
-            <a:avLst/>
-          </a:prstGeom>
-          <a:ln w="12700">
-            <a:solidFill>
-              <a:srgbClr val="000000"/>
-            </a:solidFill>
-            <a:headEnd type="none" w="med" len="med"/>
-            <a:tailEnd type="triangle" w="med" len="med"/>
-          </a:ln>
-        </p:spPr>
-        <p:style>
-          <a:lnRef idx="1">
-            <a:schemeClr val="accent1"/>
-          </a:lnRef>
-          <a:fillRef idx="0">
-            <a:schemeClr val="accent1"/>
-          </a:fillRef>
-          <a:effectRef idx="0">
-            <a:schemeClr val="accent1"/>
-          </a:effectRef>
-          <a:fontRef idx="minor">
-            <a:schemeClr val="tx1"/>
-          </a:fontRef>
-        </p:style>
-      </p:cxnSp>
-      <p:sp>
-        <p:nvSpPr>
-          <p:cNvPr id="212" name="Rectangle 211"/>
-          <p:cNvSpPr/>
-          <p:nvPr/>
-        </p:nvSpPr>
-        <p:spPr>
-          <a:xfrm>
-            <a:off x="1143000" y="7086596"/>
-            <a:ext cx="457200" cy="152400"/>
-          </a:xfrm>
-          <a:prstGeom prst="rect">
-            <a:avLst/>
-          </a:prstGeom>
-          <a:noFill/>
-          <a:ln>
-            <a:noFill/>
-          </a:ln>
-        </p:spPr>
-        <p:style>
-          <a:lnRef idx="2">
-            <a:schemeClr val="accent1">
-              <a:shade val="50000"/>
-            </a:schemeClr>
-          </a:lnRef>
-          <a:fillRef idx="1">
-            <a:schemeClr val="accent1"/>
-          </a:fillRef>
-          <a:effectRef idx="0">
-            <a:schemeClr val="accent1"/>
-          </a:effectRef>
-          <a:fontRef idx="minor">
-            <a:schemeClr val="lt1"/>
-          </a:fontRef>
-        </p:style>
-        <p:txBody>
-          <a:bodyPr wrap="none" lIns="45720" rIns="45720" rtlCol="0" anchor="ctr"/>
-          <a:lstStyle/>
-          <a:p>
-            <a:r>
-              <a:rPr lang="en-US" sz="900" dirty="0" smtClean="0">
-                <a:solidFill>
-                  <a:srgbClr val="000000"/>
-                </a:solidFill>
-                <a:latin typeface="Courier New" panose="02070309020205020404" pitchFamily="49" charset="0"/>
-                <a:cs typeface="Courier New" panose="02070309020205020404" pitchFamily="49" charset="0"/>
-              </a:rPr>
-              <a:t>CLKF</a:t>
-            </a:r>
-            <a:endParaRPr lang="en-US" sz="900" dirty="0">
-              <a:solidFill>
-                <a:srgbClr val="000000"/>
-              </a:solidFill>
-              <a:latin typeface="Courier New" panose="02070309020205020404" pitchFamily="49" charset="0"/>
-              <a:cs typeface="Courier New" panose="02070309020205020404" pitchFamily="49" charset="0"/>
-            </a:endParaRPr>
-          </a:p>
-        </p:txBody>
-      </p:sp>
-      <p:sp>
-        <p:nvSpPr>
-          <p:cNvPr id="213" name="Rectangle 212"/>
-          <p:cNvSpPr/>
-          <p:nvPr/>
-        </p:nvSpPr>
-        <p:spPr>
-          <a:xfrm>
-            <a:off x="5410200" y="4953000"/>
-            <a:ext cx="304800" cy="152400"/>
-          </a:xfrm>
-          <a:prstGeom prst="rect">
-            <a:avLst/>
-          </a:prstGeom>
-          <a:noFill/>
-          <a:ln>
-            <a:noFill/>
-          </a:ln>
-        </p:spPr>
-        <p:style>
-          <a:lnRef idx="2">
-            <a:schemeClr val="accent1">
-              <a:shade val="50000"/>
-            </a:schemeClr>
-          </a:lnRef>
-          <a:fillRef idx="1">
-            <a:schemeClr val="accent1"/>
-          </a:fillRef>
-          <a:effectRef idx="0">
-            <a:schemeClr val="accent1"/>
-          </a:effectRef>
-          <a:fontRef idx="minor">
-            <a:schemeClr val="lt1"/>
-          </a:fontRef>
-        </p:style>
-        <p:txBody>
-          <a:bodyPr wrap="none" lIns="45720" rIns="45720" rtlCol="0" anchor="ctr"/>
-          <a:lstStyle/>
-          <a:p>
-            <a:r>
-              <a:rPr lang="en-US" sz="900" dirty="0">
-                <a:solidFill>
-                  <a:srgbClr val="000000"/>
-                </a:solidFill>
-                <a:latin typeface="Courier New" panose="02070309020205020404" pitchFamily="49" charset="0"/>
-                <a:cs typeface="Courier New" panose="02070309020205020404" pitchFamily="49" charset="0"/>
-              </a:rPr>
-              <a:t>INC</a:t>
-            </a:r>
-          </a:p>
-        </p:txBody>
-      </p:sp>
-      <p:cxnSp>
-        <p:nvCxnSpPr>
-          <p:cNvPr id="214" name="Straight Connector 213"/>
-          <p:cNvCxnSpPr/>
-          <p:nvPr/>
-        </p:nvCxnSpPr>
-        <p:spPr>
-          <a:xfrm>
-            <a:off x="5105400" y="5029200"/>
-            <a:ext cx="304800" cy="0"/>
-          </a:xfrm>
-          <a:prstGeom prst="line">
-            <a:avLst/>
-          </a:prstGeom>
-          <a:ln w="12700">
-            <a:solidFill>
-              <a:srgbClr val="000000"/>
-            </a:solidFill>
-            <a:headEnd type="none" w="med" len="med"/>
-            <a:tailEnd type="triangle" w="med" len="med"/>
-          </a:ln>
-        </p:spPr>
-        <p:style>
-          <a:lnRef idx="1">
-            <a:schemeClr val="accent1"/>
-          </a:lnRef>
-          <a:fillRef idx="0">
-            <a:schemeClr val="accent1"/>
-          </a:fillRef>
-          <a:effectRef idx="0">
-            <a:schemeClr val="accent1"/>
-          </a:effectRef>
-          <a:fontRef idx="minor">
-            <a:schemeClr val="tx1"/>
-          </a:fontRef>
-        </p:style>
-      </p:cxnSp>
-      <p:sp>
-        <p:nvSpPr>
-          <p:cNvPr id="215" name="Rectangle 214"/>
-          <p:cNvSpPr/>
-          <p:nvPr/>
-        </p:nvSpPr>
-        <p:spPr>
-          <a:xfrm>
-            <a:off x="4800600" y="4876800"/>
-            <a:ext cx="457200" cy="152400"/>
-          </a:xfrm>
-          <a:prstGeom prst="rect">
-            <a:avLst/>
-          </a:prstGeom>
-          <a:noFill/>
-          <a:ln>
-            <a:noFill/>
-          </a:ln>
-        </p:spPr>
-        <p:style>
-          <a:lnRef idx="2">
-            <a:schemeClr val="accent1">
-              <a:shade val="50000"/>
-            </a:schemeClr>
-          </a:lnRef>
-          <a:fillRef idx="1">
-            <a:schemeClr val="accent1"/>
-          </a:fillRef>
-          <a:effectRef idx="0">
-            <a:schemeClr val="accent1"/>
-          </a:effectRef>
-          <a:fontRef idx="minor">
-            <a:schemeClr val="lt1"/>
-          </a:fontRef>
-        </p:style>
-        <p:txBody>
-          <a:bodyPr wrap="none" lIns="45720" rIns="45720" rtlCol="0" anchor="ctr"/>
-          <a:lstStyle/>
-          <a:p>
-            <a:pPr algn="r"/>
-            <a:r>
-              <a:rPr lang="en-US" sz="900" dirty="0">
-                <a:solidFill>
-                  <a:srgbClr val="000000"/>
-                </a:solidFill>
-                <a:latin typeface="Courier New" panose="02070309020205020404" pitchFamily="49" charset="0"/>
-                <a:cs typeface="Courier New" panose="02070309020205020404" pitchFamily="49" charset="0"/>
-              </a:rPr>
-              <a:t>1’b0</a:t>
-            </a:r>
-          </a:p>
-        </p:txBody>
-      </p:sp>
-      <p:sp>
-        <p:nvSpPr>
-          <p:cNvPr id="216" name="Rectangle 215"/>
-          <p:cNvSpPr/>
-          <p:nvPr/>
-        </p:nvSpPr>
-        <p:spPr>
-          <a:xfrm>
-            <a:off x="5410200" y="5181600"/>
-            <a:ext cx="304800" cy="152400"/>
-          </a:xfrm>
-          <a:prstGeom prst="rect">
-            <a:avLst/>
-          </a:prstGeom>
-          <a:noFill/>
-          <a:ln>
-            <a:noFill/>
-          </a:ln>
-        </p:spPr>
-        <p:style>
-          <a:lnRef idx="2">
-            <a:schemeClr val="accent1">
-              <a:shade val="50000"/>
-            </a:schemeClr>
-          </a:lnRef>
-          <a:fillRef idx="1">
-            <a:schemeClr val="accent1"/>
-          </a:fillRef>
-          <a:effectRef idx="0">
-            <a:schemeClr val="accent1"/>
-          </a:effectRef>
-          <a:fontRef idx="minor">
-            <a:schemeClr val="lt1"/>
-          </a:fontRef>
-        </p:style>
-        <p:txBody>
-          <a:bodyPr wrap="none" lIns="45720" rIns="45720" rtlCol="0" anchor="ctr"/>
-          <a:lstStyle/>
-          <a:p>
-            <a:r>
-              <a:rPr lang="en-US" sz="900" dirty="0">
-                <a:solidFill>
-                  <a:srgbClr val="000000"/>
-                </a:solidFill>
-                <a:latin typeface="Courier New" panose="02070309020205020404" pitchFamily="49" charset="0"/>
-                <a:cs typeface="Courier New" panose="02070309020205020404" pitchFamily="49" charset="0"/>
-              </a:rPr>
-              <a:t>CE</a:t>
-            </a:r>
-          </a:p>
-        </p:txBody>
-      </p:sp>
-      <p:cxnSp>
-        <p:nvCxnSpPr>
-          <p:cNvPr id="217" name="Straight Connector 216"/>
-          <p:cNvCxnSpPr/>
-          <p:nvPr/>
-        </p:nvCxnSpPr>
-        <p:spPr>
-          <a:xfrm>
-            <a:off x="5105400" y="5257800"/>
-            <a:ext cx="304800" cy="0"/>
-          </a:xfrm>
-          <a:prstGeom prst="line">
-            <a:avLst/>
-          </a:prstGeom>
-          <a:ln w="12700">
-            <a:solidFill>
-              <a:srgbClr val="000000"/>
-            </a:solidFill>
-            <a:headEnd type="none" w="med" len="med"/>
-            <a:tailEnd type="triangle" w="med" len="med"/>
-          </a:ln>
-        </p:spPr>
-        <p:style>
-          <a:lnRef idx="1">
-            <a:schemeClr val="accent1"/>
-          </a:lnRef>
-          <a:fillRef idx="0">
-            <a:schemeClr val="accent1"/>
-          </a:fillRef>
-          <a:effectRef idx="0">
-            <a:schemeClr val="accent1"/>
-          </a:effectRef>
-          <a:fontRef idx="minor">
-            <a:schemeClr val="tx1"/>
-          </a:fontRef>
-        </p:style>
-      </p:cxnSp>
-      <p:sp>
-        <p:nvSpPr>
-          <p:cNvPr id="218" name="Rectangle 217"/>
-          <p:cNvSpPr/>
-          <p:nvPr/>
-        </p:nvSpPr>
-        <p:spPr>
-          <a:xfrm>
-            <a:off x="4800600" y="5105400"/>
-            <a:ext cx="457200" cy="152400"/>
-          </a:xfrm>
-          <a:prstGeom prst="rect">
-            <a:avLst/>
-          </a:prstGeom>
-          <a:noFill/>
-          <a:ln>
-            <a:noFill/>
-          </a:ln>
-        </p:spPr>
-        <p:style>
-          <a:lnRef idx="2">
-            <a:schemeClr val="accent1">
-              <a:shade val="50000"/>
-            </a:schemeClr>
-          </a:lnRef>
-          <a:fillRef idx="1">
-            <a:schemeClr val="accent1"/>
-          </a:fillRef>
-          <a:effectRef idx="0">
-            <a:schemeClr val="accent1"/>
-          </a:effectRef>
-          <a:fontRef idx="minor">
-            <a:schemeClr val="lt1"/>
-          </a:fontRef>
-        </p:style>
-        <p:txBody>
-          <a:bodyPr wrap="none" lIns="45720" rIns="45720" rtlCol="0" anchor="ctr"/>
-          <a:lstStyle/>
-          <a:p>
-            <a:pPr algn="r"/>
-            <a:r>
-              <a:rPr lang="en-US" sz="900" dirty="0">
-                <a:solidFill>
-                  <a:srgbClr val="000000"/>
-                </a:solidFill>
-                <a:latin typeface="Courier New" panose="02070309020205020404" pitchFamily="49" charset="0"/>
-                <a:cs typeface="Courier New" panose="02070309020205020404" pitchFamily="49" charset="0"/>
-              </a:rPr>
-              <a:t>1’b1</a:t>
-            </a:r>
-          </a:p>
-        </p:txBody>
-      </p:sp>
-      <p:sp>
-        <p:nvSpPr>
-          <p:cNvPr id="219" name="Rectangle 218"/>
-          <p:cNvSpPr/>
-          <p:nvPr/>
-        </p:nvSpPr>
-        <p:spPr>
-          <a:xfrm>
-            <a:off x="5410200" y="6477000"/>
-            <a:ext cx="304800" cy="152400"/>
-          </a:xfrm>
-          <a:prstGeom prst="rect">
-            <a:avLst/>
-          </a:prstGeom>
-          <a:noFill/>
-          <a:ln>
-            <a:noFill/>
-          </a:ln>
-        </p:spPr>
-        <p:style>
-          <a:lnRef idx="2">
-            <a:schemeClr val="accent1">
-              <a:shade val="50000"/>
-            </a:schemeClr>
-          </a:lnRef>
-          <a:fillRef idx="1">
-            <a:schemeClr val="accent1"/>
-          </a:fillRef>
-          <a:effectRef idx="0">
-            <a:schemeClr val="accent1"/>
-          </a:effectRef>
-          <a:fontRef idx="minor">
-            <a:schemeClr val="lt1"/>
-          </a:fontRef>
-        </p:style>
-        <p:txBody>
-          <a:bodyPr wrap="none" lIns="45720" rIns="45720" rtlCol="0" anchor="ctr"/>
-          <a:lstStyle/>
-          <a:p>
-            <a:r>
-              <a:rPr lang="en-US" sz="900" dirty="0">
-                <a:solidFill>
-                  <a:srgbClr val="000000"/>
-                </a:solidFill>
-                <a:latin typeface="Courier New" panose="02070309020205020404" pitchFamily="49" charset="0"/>
-                <a:cs typeface="Courier New" panose="02070309020205020404" pitchFamily="49" charset="0"/>
-              </a:rPr>
-              <a:t>RST</a:t>
-            </a:r>
-          </a:p>
-        </p:txBody>
-      </p:sp>
-      <p:cxnSp>
-        <p:nvCxnSpPr>
-          <p:cNvPr id="220" name="Straight Connector 219"/>
-          <p:cNvCxnSpPr>
-            <a:endCxn id="353" idx="2"/>
-          </p:cNvCxnSpPr>
-          <p:nvPr/>
-        </p:nvCxnSpPr>
-        <p:spPr>
-          <a:xfrm>
-            <a:off x="5105400" y="6553200"/>
-            <a:ext cx="152400" cy="0"/>
-          </a:xfrm>
-          <a:prstGeom prst="line">
-            <a:avLst/>
-          </a:prstGeom>
-          <a:ln w="12700">
-            <a:solidFill>
-              <a:srgbClr val="000000"/>
-            </a:solidFill>
-            <a:headEnd type="none" w="med" len="med"/>
-            <a:tailEnd type="none" w="med" len="med"/>
-          </a:ln>
-        </p:spPr>
-        <p:style>
-          <a:lnRef idx="1">
-            <a:schemeClr val="accent1"/>
-          </a:lnRef>
-          <a:fillRef idx="0">
-            <a:schemeClr val="accent1"/>
-          </a:fillRef>
-          <a:effectRef idx="0">
-            <a:schemeClr val="accent1"/>
-          </a:effectRef>
-          <a:fontRef idx="minor">
-            <a:schemeClr val="tx1"/>
-          </a:fontRef>
-        </p:style>
-      </p:cxnSp>
-      <p:cxnSp>
-        <p:nvCxnSpPr>
-          <p:cNvPr id="222" name="Straight Connector 221"/>
-          <p:cNvCxnSpPr/>
-          <p:nvPr/>
-        </p:nvCxnSpPr>
-        <p:spPr>
-          <a:xfrm>
-            <a:off x="7239000" y="4800600"/>
-            <a:ext cx="304800" cy="0"/>
-          </a:xfrm>
-          <a:prstGeom prst="line">
-            <a:avLst/>
-          </a:prstGeom>
-          <a:ln w="12700">
-            <a:solidFill>
-              <a:srgbClr val="000000"/>
-            </a:solidFill>
-            <a:headEnd type="none" w="med" len="med"/>
-            <a:tailEnd type="none" w="med" len="med"/>
-          </a:ln>
-        </p:spPr>
-        <p:style>
-          <a:lnRef idx="1">
-            <a:schemeClr val="accent1"/>
-          </a:lnRef>
-          <a:fillRef idx="0">
-            <a:schemeClr val="accent1"/>
-          </a:fillRef>
-          <a:effectRef idx="0">
-            <a:schemeClr val="accent1"/>
-          </a:effectRef>
-          <a:fontRef idx="minor">
-            <a:schemeClr val="tx1"/>
-          </a:fontRef>
-        </p:style>
-      </p:cxnSp>
-      <p:cxnSp>
-        <p:nvCxnSpPr>
-          <p:cNvPr id="223" name="Straight Connector 222"/>
-          <p:cNvCxnSpPr/>
-          <p:nvPr/>
-        </p:nvCxnSpPr>
-        <p:spPr>
-          <a:xfrm flipV="1">
-            <a:off x="7467600" y="4724400"/>
-            <a:ext cx="152400" cy="152400"/>
-          </a:xfrm>
-          <a:prstGeom prst="line">
-            <a:avLst/>
-          </a:prstGeom>
-          <a:ln w="12700">
-            <a:solidFill>
-              <a:srgbClr val="000000"/>
-            </a:solidFill>
-            <a:headEnd type="none" w="med" len="med"/>
-            <a:tailEnd type="none" w="med" len="med"/>
-          </a:ln>
-        </p:spPr>
-        <p:style>
-          <a:lnRef idx="1">
-            <a:schemeClr val="accent1"/>
-          </a:lnRef>
-          <a:fillRef idx="0">
-            <a:schemeClr val="accent1"/>
-          </a:fillRef>
-          <a:effectRef idx="0">
-            <a:schemeClr val="accent1"/>
-          </a:effectRef>
-          <a:fontRef idx="minor">
-            <a:schemeClr val="tx1"/>
-          </a:fontRef>
-        </p:style>
-      </p:cxnSp>
-      <p:cxnSp>
-        <p:nvCxnSpPr>
-          <p:cNvPr id="224" name="Straight Connector 223"/>
-          <p:cNvCxnSpPr/>
-          <p:nvPr/>
-        </p:nvCxnSpPr>
-        <p:spPr>
-          <a:xfrm>
-            <a:off x="7467600" y="4724400"/>
-            <a:ext cx="152400" cy="152400"/>
-          </a:xfrm>
-          <a:prstGeom prst="line">
-            <a:avLst/>
-          </a:prstGeom>
-          <a:ln w="12700">
-            <a:solidFill>
-              <a:srgbClr val="000000"/>
-            </a:solidFill>
-            <a:headEnd type="none" w="med" len="med"/>
-            <a:tailEnd type="none" w="med" len="med"/>
-          </a:ln>
-        </p:spPr>
-        <p:style>
-          <a:lnRef idx="1">
-            <a:schemeClr val="accent1"/>
-          </a:lnRef>
-          <a:fillRef idx="0">
-            <a:schemeClr val="accent1"/>
-          </a:fillRef>
-          <a:effectRef idx="0">
-            <a:schemeClr val="accent1"/>
-          </a:effectRef>
-          <a:fontRef idx="minor">
-            <a:schemeClr val="tx1"/>
-          </a:fontRef>
-        </p:style>
-      </p:cxnSp>
-      <p:sp>
-        <p:nvSpPr>
-          <p:cNvPr id="225" name="Rectangle 224"/>
-          <p:cNvSpPr/>
-          <p:nvPr/>
-        </p:nvSpPr>
-        <p:spPr>
-          <a:xfrm>
-            <a:off x="6934200" y="4038600"/>
-            <a:ext cx="304800" cy="152400"/>
-          </a:xfrm>
-          <a:prstGeom prst="rect">
-            <a:avLst/>
-          </a:prstGeom>
-          <a:noFill/>
-          <a:ln>
-            <a:noFill/>
-          </a:ln>
-        </p:spPr>
-        <p:style>
-          <a:lnRef idx="2">
-            <a:schemeClr val="accent1">
-              <a:shade val="50000"/>
-            </a:schemeClr>
-          </a:lnRef>
-          <a:fillRef idx="1">
-            <a:schemeClr val="accent1"/>
-          </a:fillRef>
-          <a:effectRef idx="0">
-            <a:schemeClr val="accent1"/>
-          </a:effectRef>
-          <a:fontRef idx="minor">
-            <a:schemeClr val="lt1"/>
-          </a:fontRef>
-        </p:style>
-        <p:txBody>
-          <a:bodyPr wrap="none" lIns="45720" rIns="45720" rtlCol="0" anchor="ctr"/>
-          <a:lstStyle/>
-          <a:p>
-            <a:pPr algn="r"/>
-            <a:r>
-              <a:rPr lang="en-US" sz="900" dirty="0">
-                <a:solidFill>
-                  <a:srgbClr val="000000"/>
-                </a:solidFill>
-                <a:latin typeface="Courier New" panose="02070309020205020404" pitchFamily="49" charset="0"/>
-                <a:cs typeface="Courier New" panose="02070309020205020404" pitchFamily="49" charset="0"/>
-              </a:rPr>
-              <a:t>DATAOUT2</a:t>
-            </a:r>
-          </a:p>
-        </p:txBody>
-      </p:sp>
-      <p:cxnSp>
-        <p:nvCxnSpPr>
-          <p:cNvPr id="226" name="Straight Connector 225"/>
-          <p:cNvCxnSpPr/>
-          <p:nvPr/>
-        </p:nvCxnSpPr>
-        <p:spPr>
-          <a:xfrm>
-            <a:off x="7239000" y="4114800"/>
-            <a:ext cx="304800" cy="0"/>
-          </a:xfrm>
-          <a:prstGeom prst="line">
-            <a:avLst/>
-          </a:prstGeom>
-          <a:ln w="12700">
-            <a:solidFill>
-              <a:srgbClr val="000000"/>
-            </a:solidFill>
-            <a:headEnd type="none" w="med" len="med"/>
-            <a:tailEnd type="none" w="med" len="med"/>
-          </a:ln>
-        </p:spPr>
-        <p:style>
-          <a:lnRef idx="1">
-            <a:schemeClr val="accent1"/>
-          </a:lnRef>
-          <a:fillRef idx="0">
-            <a:schemeClr val="accent1"/>
-          </a:fillRef>
-          <a:effectRef idx="0">
-            <a:schemeClr val="accent1"/>
-          </a:effectRef>
-          <a:fontRef idx="minor">
-            <a:schemeClr val="tx1"/>
-          </a:fontRef>
-        </p:style>
-      </p:cxnSp>
-      <p:cxnSp>
-        <p:nvCxnSpPr>
-          <p:cNvPr id="227" name="Straight Connector 226"/>
-          <p:cNvCxnSpPr/>
-          <p:nvPr/>
-        </p:nvCxnSpPr>
-        <p:spPr>
-          <a:xfrm flipV="1">
-            <a:off x="7467600" y="4038600"/>
-            <a:ext cx="152400" cy="152400"/>
-          </a:xfrm>
-          <a:prstGeom prst="line">
-            <a:avLst/>
-          </a:prstGeom>
-          <a:ln w="12700">
-            <a:solidFill>
-              <a:srgbClr val="000000"/>
-            </a:solidFill>
-            <a:headEnd type="none" w="med" len="med"/>
-            <a:tailEnd type="none" w="med" len="med"/>
-          </a:ln>
-        </p:spPr>
-        <p:style>
-          <a:lnRef idx="1">
-            <a:schemeClr val="accent1"/>
-          </a:lnRef>
-          <a:fillRef idx="0">
-            <a:schemeClr val="accent1"/>
-          </a:fillRef>
-          <a:effectRef idx="0">
-            <a:schemeClr val="accent1"/>
-          </a:effectRef>
-          <a:fontRef idx="minor">
-            <a:schemeClr val="tx1"/>
-          </a:fontRef>
-        </p:style>
-      </p:cxnSp>
-      <p:cxnSp>
-        <p:nvCxnSpPr>
-          <p:cNvPr id="228" name="Straight Connector 227"/>
-          <p:cNvCxnSpPr/>
-          <p:nvPr/>
-        </p:nvCxnSpPr>
-        <p:spPr>
-          <a:xfrm>
-            <a:off x="7467600" y="4038600"/>
-            <a:ext cx="152400" cy="152400"/>
-          </a:xfrm>
-          <a:prstGeom prst="line">
-            <a:avLst/>
-          </a:prstGeom>
-          <a:ln w="12700">
-            <a:solidFill>
-              <a:srgbClr val="000000"/>
-            </a:solidFill>
-            <a:headEnd type="none" w="med" len="med"/>
-            <a:tailEnd type="none" w="med" len="med"/>
-          </a:ln>
-        </p:spPr>
-        <p:style>
-          <a:lnRef idx="1">
-            <a:schemeClr val="accent1"/>
-          </a:lnRef>
-          <a:fillRef idx="0">
-            <a:schemeClr val="accent1"/>
-          </a:fillRef>
-          <a:effectRef idx="0">
-            <a:schemeClr val="accent1"/>
-          </a:effectRef>
-          <a:fontRef idx="minor">
-            <a:schemeClr val="tx1"/>
-          </a:fontRef>
-        </p:style>
-      </p:cxnSp>
-      <p:sp>
-        <p:nvSpPr>
-          <p:cNvPr id="229" name="Rectangle 228"/>
-          <p:cNvSpPr/>
-          <p:nvPr/>
-        </p:nvSpPr>
-        <p:spPr>
-          <a:xfrm>
-            <a:off x="6934200" y="4267200"/>
-            <a:ext cx="304800" cy="152400"/>
-          </a:xfrm>
-          <a:prstGeom prst="rect">
-            <a:avLst/>
-          </a:prstGeom>
-          <a:noFill/>
-          <a:ln>
-            <a:noFill/>
-          </a:ln>
-        </p:spPr>
-        <p:style>
-          <a:lnRef idx="2">
-            <a:schemeClr val="accent1">
-              <a:shade val="50000"/>
-            </a:schemeClr>
-          </a:lnRef>
-          <a:fillRef idx="1">
-            <a:schemeClr val="accent1"/>
-          </a:fillRef>
-          <a:effectRef idx="0">
-            <a:schemeClr val="accent1"/>
-          </a:effectRef>
-          <a:fontRef idx="minor">
-            <a:schemeClr val="lt1"/>
-          </a:fontRef>
-        </p:style>
-        <p:txBody>
-          <a:bodyPr wrap="none" lIns="45720" rIns="45720" rtlCol="0" anchor="ctr"/>
-          <a:lstStyle/>
-          <a:p>
-            <a:pPr algn="r"/>
-            <a:r>
-              <a:rPr lang="en-US" sz="900" dirty="0">
-                <a:solidFill>
-                  <a:srgbClr val="000000"/>
-                </a:solidFill>
-                <a:latin typeface="Courier New" panose="02070309020205020404" pitchFamily="49" charset="0"/>
-                <a:cs typeface="Courier New" panose="02070309020205020404" pitchFamily="49" charset="0"/>
-              </a:rPr>
-              <a:t>TOUT</a:t>
-            </a:r>
-          </a:p>
-        </p:txBody>
-      </p:sp>
-      <p:sp>
-        <p:nvSpPr>
-          <p:cNvPr id="230" name="Rectangle 229"/>
-          <p:cNvSpPr/>
-          <p:nvPr/>
-        </p:nvSpPr>
-        <p:spPr>
-          <a:xfrm>
-            <a:off x="6934200" y="4495800"/>
-            <a:ext cx="304800" cy="152400"/>
-          </a:xfrm>
-          <a:prstGeom prst="rect">
-            <a:avLst/>
-          </a:prstGeom>
-          <a:noFill/>
-          <a:ln>
-            <a:noFill/>
-          </a:ln>
-        </p:spPr>
-        <p:style>
-          <a:lnRef idx="2">
-            <a:schemeClr val="accent1">
-              <a:shade val="50000"/>
-            </a:schemeClr>
-          </a:lnRef>
-          <a:fillRef idx="1">
-            <a:schemeClr val="accent1"/>
-          </a:fillRef>
-          <a:effectRef idx="0">
-            <a:schemeClr val="accent1"/>
-          </a:effectRef>
-          <a:fontRef idx="minor">
-            <a:schemeClr val="lt1"/>
-          </a:fontRef>
-        </p:style>
-        <p:txBody>
-          <a:bodyPr wrap="none" lIns="45720" rIns="45720" rtlCol="0" anchor="ctr"/>
-          <a:lstStyle/>
-          <a:p>
-            <a:pPr algn="r"/>
-            <a:r>
-              <a:rPr lang="en-US" sz="900" dirty="0">
-                <a:solidFill>
-                  <a:srgbClr val="000000"/>
-                </a:solidFill>
-                <a:latin typeface="Courier New" panose="02070309020205020404" pitchFamily="49" charset="0"/>
-                <a:cs typeface="Courier New" panose="02070309020205020404" pitchFamily="49" charset="0"/>
-              </a:rPr>
-              <a:t>DOUT</a:t>
-            </a:r>
-          </a:p>
-        </p:txBody>
-      </p:sp>
-      <p:cxnSp>
-        <p:nvCxnSpPr>
-          <p:cNvPr id="231" name="Straight Connector 230"/>
-          <p:cNvCxnSpPr/>
-          <p:nvPr/>
-        </p:nvCxnSpPr>
-        <p:spPr>
-          <a:xfrm>
-            <a:off x="7239000" y="4343400"/>
-            <a:ext cx="304800" cy="0"/>
-          </a:xfrm>
-          <a:prstGeom prst="line">
-            <a:avLst/>
-          </a:prstGeom>
-          <a:ln w="12700">
-            <a:solidFill>
-              <a:srgbClr val="000000"/>
-            </a:solidFill>
-            <a:headEnd type="none" w="med" len="med"/>
-            <a:tailEnd type="none" w="med" len="med"/>
-          </a:ln>
-        </p:spPr>
-        <p:style>
-          <a:lnRef idx="1">
-            <a:schemeClr val="accent1"/>
-          </a:lnRef>
-          <a:fillRef idx="0">
-            <a:schemeClr val="accent1"/>
-          </a:fillRef>
-          <a:effectRef idx="0">
-            <a:schemeClr val="accent1"/>
-          </a:effectRef>
-          <a:fontRef idx="minor">
-            <a:schemeClr val="tx1"/>
-          </a:fontRef>
-        </p:style>
-      </p:cxnSp>
-      <p:cxnSp>
-        <p:nvCxnSpPr>
-          <p:cNvPr id="232" name="Straight Connector 231"/>
-          <p:cNvCxnSpPr/>
-          <p:nvPr/>
-        </p:nvCxnSpPr>
-        <p:spPr>
-          <a:xfrm flipV="1">
-            <a:off x="7467600" y="4267200"/>
-            <a:ext cx="152400" cy="152400"/>
-          </a:xfrm>
-          <a:prstGeom prst="line">
-            <a:avLst/>
-          </a:prstGeom>
-          <a:ln w="12700">
-            <a:solidFill>
-              <a:srgbClr val="000000"/>
-            </a:solidFill>
-            <a:headEnd type="none" w="med" len="med"/>
-            <a:tailEnd type="none" w="med" len="med"/>
-          </a:ln>
-        </p:spPr>
-        <p:style>
-          <a:lnRef idx="1">
-            <a:schemeClr val="accent1"/>
-          </a:lnRef>
-          <a:fillRef idx="0">
-            <a:schemeClr val="accent1"/>
-          </a:fillRef>
-          <a:effectRef idx="0">
-            <a:schemeClr val="accent1"/>
-          </a:effectRef>
-          <a:fontRef idx="minor">
-            <a:schemeClr val="tx1"/>
-          </a:fontRef>
-        </p:style>
-      </p:cxnSp>
-      <p:cxnSp>
-        <p:nvCxnSpPr>
-          <p:cNvPr id="233" name="Straight Connector 232"/>
-          <p:cNvCxnSpPr/>
-          <p:nvPr/>
-        </p:nvCxnSpPr>
-        <p:spPr>
-          <a:xfrm>
-            <a:off x="7467600" y="4267200"/>
-            <a:ext cx="152400" cy="152400"/>
-          </a:xfrm>
-          <a:prstGeom prst="line">
-            <a:avLst/>
-          </a:prstGeom>
-          <a:ln w="12700">
-            <a:solidFill>
-              <a:srgbClr val="000000"/>
-            </a:solidFill>
-            <a:headEnd type="none" w="med" len="med"/>
-            <a:tailEnd type="none" w="med" len="med"/>
-          </a:ln>
-        </p:spPr>
-        <p:style>
-          <a:lnRef idx="1">
-            <a:schemeClr val="accent1"/>
-          </a:lnRef>
-          <a:fillRef idx="0">
-            <a:schemeClr val="accent1"/>
-          </a:fillRef>
-          <a:effectRef idx="0">
-            <a:schemeClr val="accent1"/>
-          </a:effectRef>
-          <a:fontRef idx="minor">
-            <a:schemeClr val="tx1"/>
-          </a:fontRef>
-        </p:style>
-      </p:cxnSp>
-      <p:cxnSp>
-        <p:nvCxnSpPr>
-          <p:cNvPr id="234" name="Straight Connector 233"/>
-          <p:cNvCxnSpPr/>
-          <p:nvPr/>
-        </p:nvCxnSpPr>
-        <p:spPr>
-          <a:xfrm>
-            <a:off x="7239000" y="4572000"/>
-            <a:ext cx="304800" cy="0"/>
-          </a:xfrm>
-          <a:prstGeom prst="line">
-            <a:avLst/>
-          </a:prstGeom>
-          <a:ln w="12700">
-            <a:solidFill>
-              <a:srgbClr val="000000"/>
-            </a:solidFill>
-            <a:headEnd type="none" w="med" len="med"/>
-            <a:tailEnd type="none" w="med" len="med"/>
-          </a:ln>
-        </p:spPr>
-        <p:style>
-          <a:lnRef idx="1">
-            <a:schemeClr val="accent1"/>
-          </a:lnRef>
-          <a:fillRef idx="0">
-            <a:schemeClr val="accent1"/>
-          </a:fillRef>
-          <a:effectRef idx="0">
-            <a:schemeClr val="accent1"/>
-          </a:effectRef>
-          <a:fontRef idx="minor">
-            <a:schemeClr val="tx1"/>
-          </a:fontRef>
-        </p:style>
-      </p:cxnSp>
-      <p:cxnSp>
-        <p:nvCxnSpPr>
-          <p:cNvPr id="235" name="Straight Connector 234"/>
-          <p:cNvCxnSpPr/>
-          <p:nvPr/>
-        </p:nvCxnSpPr>
-        <p:spPr>
-          <a:xfrm flipV="1">
-            <a:off x="7467600" y="4495800"/>
-            <a:ext cx="152400" cy="152400"/>
-          </a:xfrm>
-          <a:prstGeom prst="line">
-            <a:avLst/>
-          </a:prstGeom>
-          <a:ln w="12700">
-            <a:solidFill>
-              <a:srgbClr val="000000"/>
-            </a:solidFill>
-            <a:headEnd type="none" w="med" len="med"/>
-            <a:tailEnd type="none" w="med" len="med"/>
-          </a:ln>
-        </p:spPr>
-        <p:style>
-          <a:lnRef idx="1">
-            <a:schemeClr val="accent1"/>
-          </a:lnRef>
-          <a:fillRef idx="0">
-            <a:schemeClr val="accent1"/>
-          </a:fillRef>
-          <a:effectRef idx="0">
-            <a:schemeClr val="accent1"/>
-          </a:effectRef>
-          <a:fontRef idx="minor">
-            <a:schemeClr val="tx1"/>
-          </a:fontRef>
-        </p:style>
-      </p:cxnSp>
-      <p:cxnSp>
-        <p:nvCxnSpPr>
-          <p:cNvPr id="236" name="Straight Connector 235"/>
-          <p:cNvCxnSpPr/>
-          <p:nvPr/>
-        </p:nvCxnSpPr>
-        <p:spPr>
-          <a:xfrm>
-            <a:off x="7467600" y="4495800"/>
-            <a:ext cx="152400" cy="152400"/>
-          </a:xfrm>
-          <a:prstGeom prst="line">
-            <a:avLst/>
-          </a:prstGeom>
-          <a:ln w="12700">
-            <a:solidFill>
-              <a:srgbClr val="000000"/>
-            </a:solidFill>
-            <a:headEnd type="none" w="med" len="med"/>
-            <a:tailEnd type="none" w="med" len="med"/>
-          </a:ln>
-        </p:spPr>
-        <p:style>
-          <a:lnRef idx="1">
-            <a:schemeClr val="accent1"/>
-          </a:lnRef>
-          <a:fillRef idx="0">
-            <a:schemeClr val="accent1"/>
-          </a:fillRef>
-          <a:effectRef idx="0">
-            <a:schemeClr val="accent1"/>
-          </a:effectRef>
-          <a:fontRef idx="minor">
-            <a:schemeClr val="tx1"/>
-          </a:fontRef>
-        </p:style>
-      </p:cxnSp>
-      <p:cxnSp>
-        <p:nvCxnSpPr>
-          <p:cNvPr id="238" name="Straight Connector 237"/>
-          <p:cNvCxnSpPr/>
-          <p:nvPr/>
-        </p:nvCxnSpPr>
-        <p:spPr>
-          <a:xfrm>
-            <a:off x="7848600" y="4343400"/>
-            <a:ext cx="914400" cy="0"/>
-          </a:xfrm>
-          <a:prstGeom prst="line">
-            <a:avLst/>
-          </a:prstGeom>
-          <a:ln w="12700">
-            <a:solidFill>
-              <a:srgbClr val="000000"/>
-            </a:solidFill>
-            <a:headEnd type="none" w="med" len="med"/>
-            <a:tailEnd type="triangle" w="med" len="med"/>
-          </a:ln>
-        </p:spPr>
-        <p:style>
-          <a:lnRef idx="1">
-            <a:schemeClr val="accent1"/>
-          </a:lnRef>
-          <a:fillRef idx="0">
-            <a:schemeClr val="accent1"/>
-          </a:fillRef>
-          <a:effectRef idx="0">
-            <a:schemeClr val="accent1"/>
-          </a:effectRef>
-          <a:fontRef idx="minor">
-            <a:schemeClr val="tx1"/>
-          </a:fontRef>
-        </p:style>
-      </p:cxnSp>
-      <p:cxnSp>
-        <p:nvCxnSpPr>
-          <p:cNvPr id="243" name="Straight Connector 242"/>
-          <p:cNvCxnSpPr/>
-          <p:nvPr/>
-        </p:nvCxnSpPr>
-        <p:spPr>
-          <a:xfrm flipV="1">
-            <a:off x="9753600" y="4038600"/>
-            <a:ext cx="152400" cy="152400"/>
-          </a:xfrm>
-          <a:prstGeom prst="line">
-            <a:avLst/>
-          </a:prstGeom>
-          <a:ln w="12700">
-            <a:solidFill>
-              <a:srgbClr val="000000"/>
-            </a:solidFill>
-            <a:headEnd type="none" w="med" len="med"/>
-            <a:tailEnd type="none" w="med" len="med"/>
-          </a:ln>
-        </p:spPr>
-        <p:style>
-          <a:lnRef idx="1">
-            <a:schemeClr val="accent1"/>
-          </a:lnRef>
-          <a:fillRef idx="0">
-            <a:schemeClr val="accent1"/>
-          </a:fillRef>
-          <a:effectRef idx="0">
-            <a:schemeClr val="accent1"/>
-          </a:effectRef>
-          <a:fontRef idx="minor">
-            <a:schemeClr val="tx1"/>
-          </a:fontRef>
-        </p:style>
-      </p:cxnSp>
-      <p:sp>
-        <p:nvSpPr>
-          <p:cNvPr id="244" name="Rectangle 243"/>
-          <p:cNvSpPr/>
-          <p:nvPr/>
-        </p:nvSpPr>
-        <p:spPr>
-          <a:xfrm>
-            <a:off x="9753600" y="3962400"/>
-            <a:ext cx="152400" cy="76200"/>
-          </a:xfrm>
-          <a:prstGeom prst="rect">
-            <a:avLst/>
-          </a:prstGeom>
-          <a:noFill/>
-          <a:ln>
-            <a:noFill/>
-          </a:ln>
-        </p:spPr>
-        <p:style>
-          <a:lnRef idx="2">
-            <a:schemeClr val="accent1">
-              <a:shade val="50000"/>
-            </a:schemeClr>
-          </a:lnRef>
-          <a:fillRef idx="1">
-            <a:schemeClr val="accent1"/>
-          </a:fillRef>
-          <a:effectRef idx="0">
-            <a:schemeClr val="accent1"/>
-          </a:effectRef>
-          <a:fontRef idx="minor">
-            <a:schemeClr val="lt1"/>
-          </a:fontRef>
-        </p:style>
-        <p:txBody>
-          <a:bodyPr wrap="none" lIns="45720" rIns="45720" rtlCol="0" anchor="ctr"/>
-          <a:lstStyle/>
-          <a:p>
-            <a:pPr algn="ctr"/>
-            <a:r>
-              <a:rPr lang="en-US" sz="900" dirty="0">
-                <a:solidFill>
-                  <a:srgbClr val="000000"/>
-                </a:solidFill>
-                <a:latin typeface="Courier New" panose="02070309020205020404" pitchFamily="49" charset="0"/>
-                <a:cs typeface="Courier New" panose="02070309020205020404" pitchFamily="49" charset="0"/>
-              </a:rPr>
-              <a:t>1</a:t>
-            </a:r>
-          </a:p>
-        </p:txBody>
-      </p:sp>
       <p:cxnSp>
         <p:nvCxnSpPr>
           <p:cNvPr id="245" name="Straight Connector 244"/>
@@ -9912,7 +9926,7 @@
         </p:nvCxnSpPr>
         <p:spPr>
           <a:xfrm>
-            <a:off x="9677400" y="3886200"/>
+            <a:off x="9677400" y="4114800"/>
             <a:ext cx="533400" cy="0"/>
           </a:xfrm>
           <a:prstGeom prst="line">
@@ -9951,7 +9965,7 @@
         </p:nvCxnSpPr>
         <p:spPr>
           <a:xfrm>
-            <a:off x="9677400" y="4114800"/>
+            <a:off x="9677400" y="3886200"/>
             <a:ext cx="533400" cy="0"/>
           </a:xfrm>
           <a:prstGeom prst="line">
